--- a/docs/presontation.pptx
+++ b/docs/presontation.pptx
@@ -13,7 +13,11 @@
     <p:sldId id="271" r:id="rId7"/>
     <p:sldId id="272" r:id="rId8"/>
     <p:sldId id="273" r:id="rId9"/>
-    <p:sldId id="268" r:id="rId10"/>
+    <p:sldId id="274" r:id="rId10"/>
+    <p:sldId id="275" r:id="rId11"/>
+    <p:sldId id="276" r:id="rId12"/>
+    <p:sldId id="277" r:id="rId13"/>
+    <p:sldId id="268" r:id="rId14"/>
   </p:sldIdLst>
   <p:sldSz cx="12192000" cy="6858000"/>
   <p:notesSz cx="6858000" cy="9144000"/>
@@ -267,7 +271,7 @@
           <a:p>
             <a:fld id="{2A630E2C-305C-4027-BD8C-4A7E78B9954E}" type="datetimeFigureOut">
               <a:rPr lang="en-US" smtClean="0"/>
-              <a:t>6/24/2022</a:t>
+              <a:t>6/26/2022</a:t>
             </a:fld>
             <a:endParaRPr lang="en-US"/>
           </a:p>
@@ -465,7 +469,7 @@
           <a:p>
             <a:fld id="{2A630E2C-305C-4027-BD8C-4A7E78B9954E}" type="datetimeFigureOut">
               <a:rPr lang="en-US" smtClean="0"/>
-              <a:t>6/24/2022</a:t>
+              <a:t>6/26/2022</a:t>
             </a:fld>
             <a:endParaRPr lang="en-US"/>
           </a:p>
@@ -673,7 +677,7 @@
           <a:p>
             <a:fld id="{2A630E2C-305C-4027-BD8C-4A7E78B9954E}" type="datetimeFigureOut">
               <a:rPr lang="en-US" smtClean="0"/>
-              <a:t>6/24/2022</a:t>
+              <a:t>6/26/2022</a:t>
             </a:fld>
             <a:endParaRPr lang="en-US"/>
           </a:p>
@@ -871,7 +875,7 @@
           <a:p>
             <a:fld id="{2A630E2C-305C-4027-BD8C-4A7E78B9954E}" type="datetimeFigureOut">
               <a:rPr lang="en-US" smtClean="0"/>
-              <a:t>6/24/2022</a:t>
+              <a:t>6/26/2022</a:t>
             </a:fld>
             <a:endParaRPr lang="en-US"/>
           </a:p>
@@ -1146,7 +1150,7 @@
           <a:p>
             <a:fld id="{2A630E2C-305C-4027-BD8C-4A7E78B9954E}" type="datetimeFigureOut">
               <a:rPr lang="en-US" smtClean="0"/>
-              <a:t>6/24/2022</a:t>
+              <a:t>6/26/2022</a:t>
             </a:fld>
             <a:endParaRPr lang="en-US"/>
           </a:p>
@@ -1411,7 +1415,7 @@
           <a:p>
             <a:fld id="{2A630E2C-305C-4027-BD8C-4A7E78B9954E}" type="datetimeFigureOut">
               <a:rPr lang="en-US" smtClean="0"/>
-              <a:t>6/24/2022</a:t>
+              <a:t>6/26/2022</a:t>
             </a:fld>
             <a:endParaRPr lang="en-US"/>
           </a:p>
@@ -1823,7 +1827,7 @@
           <a:p>
             <a:fld id="{2A630E2C-305C-4027-BD8C-4A7E78B9954E}" type="datetimeFigureOut">
               <a:rPr lang="en-US" smtClean="0"/>
-              <a:t>6/24/2022</a:t>
+              <a:t>6/26/2022</a:t>
             </a:fld>
             <a:endParaRPr lang="en-US"/>
           </a:p>
@@ -1964,7 +1968,7 @@
           <a:p>
             <a:fld id="{2A630E2C-305C-4027-BD8C-4A7E78B9954E}" type="datetimeFigureOut">
               <a:rPr lang="en-US" smtClean="0"/>
-              <a:t>6/24/2022</a:t>
+              <a:t>6/26/2022</a:t>
             </a:fld>
             <a:endParaRPr lang="en-US"/>
           </a:p>
@@ -2077,7 +2081,7 @@
           <a:p>
             <a:fld id="{2A630E2C-305C-4027-BD8C-4A7E78B9954E}" type="datetimeFigureOut">
               <a:rPr lang="en-US" smtClean="0"/>
-              <a:t>6/24/2022</a:t>
+              <a:t>6/26/2022</a:t>
             </a:fld>
             <a:endParaRPr lang="en-US"/>
           </a:p>
@@ -2388,7 +2392,7 @@
           <a:p>
             <a:fld id="{2A630E2C-305C-4027-BD8C-4A7E78B9954E}" type="datetimeFigureOut">
               <a:rPr lang="en-US" smtClean="0"/>
-              <a:t>6/24/2022</a:t>
+              <a:t>6/26/2022</a:t>
             </a:fld>
             <a:endParaRPr lang="en-US"/>
           </a:p>
@@ -2676,7 +2680,7 @@
           <a:p>
             <a:fld id="{2A630E2C-305C-4027-BD8C-4A7E78B9954E}" type="datetimeFigureOut">
               <a:rPr lang="en-US" smtClean="0"/>
-              <a:t>6/24/2022</a:t>
+              <a:t>6/26/2022</a:t>
             </a:fld>
             <a:endParaRPr lang="en-US"/>
           </a:p>
@@ -2917,7 +2921,7 @@
           <a:p>
             <a:fld id="{2A630E2C-305C-4027-BD8C-4A7E78B9954E}" type="datetimeFigureOut">
               <a:rPr lang="en-US" smtClean="0"/>
-              <a:t>6/24/2022</a:t>
+              <a:t>6/26/2022</a:t>
             </a:fld>
             <a:endParaRPr lang="en-US"/>
           </a:p>
@@ -3440,7 +3444,7 @@
               </a:lnSpc>
             </a:pPr>
             <a:r>
-              <a:rPr lang="en-US" sz="2800" b="1" dirty="0" smtClean="0">
+              <a:rPr lang="en-US" sz="2800" b="1" dirty="0">
                 <a:solidFill>
                   <a:srgbClr val="0070C0"/>
                 </a:solidFill>
@@ -3450,7 +3454,7 @@
               <a:t>BUILDING AN EMPLOYEE MANAGER WEBSITE</a:t>
             </a:r>
             <a:br>
-              <a:rPr lang="en-US" sz="2800" b="1" dirty="0" smtClean="0">
+              <a:rPr lang="en-US" sz="2800" b="1" dirty="0">
                 <a:solidFill>
                   <a:srgbClr val="0070C0"/>
                 </a:solidFill>
@@ -3459,7 +3463,7 @@
               </a:rPr>
             </a:br>
             <a:r>
-              <a:rPr lang="en-US" sz="2800" b="1" dirty="0" smtClean="0">
+              <a:rPr lang="en-US" sz="2800" b="1" dirty="0">
                 <a:solidFill>
                   <a:srgbClr val="0070C0"/>
                 </a:solidFill>
@@ -3468,13 +3472,6 @@
               </a:rPr>
               <a:t>USING REACTJS LIBRARY</a:t>
             </a:r>
-            <a:endParaRPr lang="en-US" sz="2800" b="1" dirty="0">
-              <a:solidFill>
-                <a:srgbClr val="0070C0"/>
-              </a:solidFill>
-              <a:latin typeface="Arial" panose="020B0604020202020204" pitchFamily="34" charset="0"/>
-              <a:cs typeface="Arial" panose="020B0604020202020204" pitchFamily="34" charset="0"/>
-            </a:endParaRPr>
           </a:p>
         </p:txBody>
       </p:sp>
@@ -3534,7 +3531,7 @@
               </a:lnSpc>
             </a:pPr>
             <a:r>
-              <a:rPr lang="en-US" sz="2400" b="1" dirty="0" smtClean="0">
+              <a:rPr lang="en-US" sz="2400" b="1" dirty="0">
                 <a:solidFill>
                   <a:srgbClr val="383536"/>
                 </a:solidFill>
@@ -3544,18 +3541,13 @@
           </a:p>
           <a:p>
             <a:r>
-              <a:rPr lang="en-US" sz="2400" dirty="0" smtClean="0">
+              <a:rPr lang="en-US" sz="2400" dirty="0">
                 <a:solidFill>
                   <a:srgbClr val="383536"/>
                 </a:solidFill>
               </a:rPr>
               <a:t>Pil Nguyen Tan</a:t>
             </a:r>
-            <a:endParaRPr lang="en-US" sz="2400" dirty="0">
-              <a:solidFill>
-                <a:srgbClr val="383536"/>
-              </a:solidFill>
-            </a:endParaRPr>
           </a:p>
         </p:txBody>
       </p:sp>
@@ -7969,7 +7961,7 @@
               </a:lnSpc>
             </a:pPr>
             <a:r>
-              <a:rPr lang="en-US" sz="2400" b="1" dirty="0" smtClean="0">
+              <a:rPr lang="en-US" sz="2400" b="1" dirty="0">
                 <a:solidFill>
                   <a:srgbClr val="383536"/>
                 </a:solidFill>
@@ -7979,7 +7971,7 @@
           </a:p>
           <a:p>
             <a:r>
-              <a:rPr lang="en-US" sz="2400" dirty="0" err="1" smtClean="0">
+              <a:rPr lang="en-US" sz="2400" dirty="0" err="1">
                 <a:solidFill>
                   <a:srgbClr val="383536"/>
                 </a:solidFill>
@@ -7992,18 +7984,10 @@
                   <a:srgbClr val="383536"/>
                 </a:solidFill>
               </a:rPr>
-              <a:t> </a:t>
+              <a:t> Phan </a:t>
             </a:r>
             <a:r>
-              <a:rPr lang="en-US" sz="2400" dirty="0" smtClean="0">
-                <a:solidFill>
-                  <a:srgbClr val="383536"/>
-                </a:solidFill>
-              </a:rPr>
-              <a:t>Phan </a:t>
-            </a:r>
-            <a:r>
-              <a:rPr lang="en-US" sz="2400" dirty="0" err="1" smtClean="0">
+              <a:rPr lang="en-US" sz="2400" dirty="0" err="1">
                 <a:solidFill>
                   <a:srgbClr val="383536"/>
                 </a:solidFill>
@@ -8409,13 +8393,1645 @@
   <p:clrMapOvr>
     <a:masterClrMapping/>
   </p:clrMapOvr>
-  <p:timing>
-    <p:tnLst>
-      <p:par>
-        <p:cTn id="1" dur="indefinite" restart="never" nodeType="tmRoot"/>
-      </p:par>
-    </p:tnLst>
-  </p:timing>
+</p:sld>
+</file>
+
+<file path=ppt/slides/slide10.xml><?xml version="1.0" encoding="utf-8"?>
+<p:sld xmlns:a="http://schemas.openxmlformats.org/drawingml/2006/main" xmlns:r="http://schemas.openxmlformats.org/officeDocument/2006/relationships" xmlns:p="http://schemas.openxmlformats.org/presentationml/2006/main">
+  <p:cSld>
+    <p:bg>
+      <p:bgPr>
+        <a:blipFill dpi="0" rotWithShape="1">
+          <a:blip r:embed="rId2">
+            <a:lum/>
+          </a:blip>
+          <a:srcRect/>
+          <a:stretch>
+            <a:fillRect/>
+          </a:stretch>
+        </a:blipFill>
+        <a:effectLst/>
+      </p:bgPr>
+    </p:bg>
+    <p:spTree>
+      <p:nvGrpSpPr>
+        <p:cNvPr id="1" name=""/>
+        <p:cNvGrpSpPr/>
+        <p:nvPr/>
+      </p:nvGrpSpPr>
+      <p:grpSpPr>
+        <a:xfrm>
+          <a:off x="0" y="0"/>
+          <a:ext cx="0" cy="0"/>
+          <a:chOff x="0" y="0"/>
+          <a:chExt cx="0" cy="0"/>
+        </a:xfrm>
+      </p:grpSpPr>
+      <p:sp>
+        <p:nvSpPr>
+          <p:cNvPr id="50" name="Rectangle 49">
+            <a:extLst>
+              <a:ext uri="{FF2B5EF4-FFF2-40B4-BE49-F238E27FC236}">
+                <a16:creationId xmlns:a16="http://schemas.microsoft.com/office/drawing/2014/main" id="{C4EFF6C7-0981-4735-8DEE-28B7F547EC22}"/>
+              </a:ext>
+            </a:extLst>
+          </p:cNvPr>
+          <p:cNvSpPr/>
+          <p:nvPr/>
+        </p:nvSpPr>
+        <p:spPr>
+          <a:xfrm>
+            <a:off x="9829800" y="5218043"/>
+            <a:ext cx="1411357" cy="864705"/>
+          </a:xfrm>
+          <a:prstGeom prst="rect">
+            <a:avLst/>
+          </a:prstGeom>
+          <a:solidFill>
+            <a:srgbClr val="FFFFFF"/>
+          </a:solidFill>
+          <a:ln>
+            <a:noFill/>
+          </a:ln>
+        </p:spPr>
+        <p:style>
+          <a:lnRef idx="2">
+            <a:schemeClr val="accent1">
+              <a:shade val="50000"/>
+            </a:schemeClr>
+          </a:lnRef>
+          <a:fillRef idx="1">
+            <a:schemeClr val="accent1"/>
+          </a:fillRef>
+          <a:effectRef idx="0">
+            <a:schemeClr val="accent1"/>
+          </a:effectRef>
+          <a:fontRef idx="minor">
+            <a:schemeClr val="lt1"/>
+          </a:fontRef>
+        </p:style>
+        <p:txBody>
+          <a:bodyPr rtlCol="0" anchor="ctr"/>
+          <a:lstStyle/>
+          <a:p>
+            <a:pPr algn="ctr"/>
+            <a:endParaRPr lang="en-US" sz="3200" b="1">
+              <a:solidFill>
+                <a:schemeClr val="tx1"/>
+              </a:solidFill>
+              <a:latin typeface="Arial" panose="020B0604020202020204" pitchFamily="34" charset="0"/>
+              <a:cs typeface="Arial" panose="020B0604020202020204" pitchFamily="34" charset="0"/>
+            </a:endParaRPr>
+          </a:p>
+        </p:txBody>
+      </p:sp>
+      <p:sp>
+        <p:nvSpPr>
+          <p:cNvPr id="13" name="TextBox 12">
+            <a:extLst>
+              <a:ext uri="{FF2B5EF4-FFF2-40B4-BE49-F238E27FC236}">
+                <a16:creationId xmlns:a16="http://schemas.microsoft.com/office/drawing/2014/main" id="{683B30FD-FE4E-42DF-A371-856C493BE4D7}"/>
+              </a:ext>
+            </a:extLst>
+          </p:cNvPr>
+          <p:cNvSpPr txBox="1"/>
+          <p:nvPr/>
+        </p:nvSpPr>
+        <p:spPr>
+          <a:xfrm>
+            <a:off x="9829800" y="5460278"/>
+            <a:ext cx="1411357" cy="369332"/>
+          </a:xfrm>
+          <a:prstGeom prst="rect">
+            <a:avLst/>
+          </a:prstGeom>
+          <a:noFill/>
+        </p:spPr>
+        <p:txBody>
+          <a:bodyPr wrap="square" rtlCol="0">
+            <a:spAutoFit/>
+          </a:bodyPr>
+          <a:lstStyle/>
+          <a:p>
+            <a:pPr algn="ctr"/>
+            <a:r>
+              <a:rPr lang="en-US" b="1" dirty="0">
+                <a:solidFill>
+                  <a:schemeClr val="accent1"/>
+                </a:solidFill>
+              </a:rPr>
+              <a:t>8</a:t>
+            </a:r>
+          </a:p>
+        </p:txBody>
+      </p:sp>
+      <p:grpSp>
+        <p:nvGrpSpPr>
+          <p:cNvPr id="12" name="Group 11">
+            <a:extLst>
+              <a:ext uri="{FF2B5EF4-FFF2-40B4-BE49-F238E27FC236}">
+                <a16:creationId xmlns:a16="http://schemas.microsoft.com/office/drawing/2014/main" id="{2FAB71E7-C294-4DA0-9CAF-206E36FA8134}"/>
+              </a:ext>
+            </a:extLst>
+          </p:cNvPr>
+          <p:cNvGrpSpPr/>
+          <p:nvPr/>
+        </p:nvGrpSpPr>
+        <p:grpSpPr>
+          <a:xfrm>
+            <a:off x="3051172" y="1059099"/>
+            <a:ext cx="5512615" cy="815608"/>
+            <a:chOff x="4306111" y="1208246"/>
+            <a:chExt cx="5512615" cy="815608"/>
+          </a:xfrm>
+        </p:grpSpPr>
+        <p:sp>
+          <p:nvSpPr>
+            <p:cNvPr id="17" name="TextBox 16">
+              <a:extLst>
+                <a:ext uri="{FF2B5EF4-FFF2-40B4-BE49-F238E27FC236}">
+                  <a16:creationId xmlns:a16="http://schemas.microsoft.com/office/drawing/2014/main" id="{9CD80CD1-A167-4B58-B233-757B98549191}"/>
+                </a:ext>
+              </a:extLst>
+            </p:cNvPr>
+            <p:cNvSpPr txBox="1"/>
+            <p:nvPr/>
+          </p:nvSpPr>
+          <p:spPr>
+            <a:xfrm>
+              <a:off x="4306111" y="1208246"/>
+              <a:ext cx="5512615" cy="815608"/>
+            </a:xfrm>
+            <a:prstGeom prst="rect">
+              <a:avLst/>
+            </a:prstGeom>
+            <a:noFill/>
+          </p:spPr>
+          <p:txBody>
+            <a:bodyPr wrap="square" rtlCol="0">
+              <a:spAutoFit/>
+            </a:bodyPr>
+            <a:lstStyle/>
+            <a:p>
+              <a:pPr algn="ctr"/>
+              <a:r>
+                <a:rPr lang="en-US" sz="3600" b="1" dirty="0">
+                  <a:solidFill>
+                    <a:srgbClr val="0070C0"/>
+                  </a:solidFill>
+                  <a:latin typeface="Arial" panose="020B0604020202020204" pitchFamily="34" charset="0"/>
+                  <a:cs typeface="Arial" panose="020B0604020202020204" pitchFamily="34" charset="0"/>
+                </a:rPr>
+                <a:t>Implementation process</a:t>
+              </a:r>
+            </a:p>
+            <a:p>
+              <a:pPr algn="ctr"/>
+              <a:r>
+                <a:rPr lang="en-US" sz="1100" b="1" u="sng" dirty="0">
+                  <a:solidFill>
+                    <a:srgbClr val="0070C0"/>
+                  </a:solidFill>
+                  <a:latin typeface="Arial" panose="020B0604020202020204" pitchFamily="34" charset="0"/>
+                  <a:cs typeface="Arial" panose="020B0604020202020204" pitchFamily="34" charset="0"/>
+                </a:rPr>
+                <a:t>       </a:t>
+              </a:r>
+            </a:p>
+          </p:txBody>
+        </p:sp>
+        <p:cxnSp>
+          <p:nvCxnSpPr>
+            <p:cNvPr id="18" name="Straight Connector 17">
+              <a:extLst>
+                <a:ext uri="{FF2B5EF4-FFF2-40B4-BE49-F238E27FC236}">
+                  <a16:creationId xmlns:a16="http://schemas.microsoft.com/office/drawing/2014/main" id="{E760032C-06D0-4897-AB37-DA56419C686D}"/>
+                </a:ext>
+              </a:extLst>
+            </p:cNvPr>
+            <p:cNvCxnSpPr/>
+            <p:nvPr/>
+          </p:nvCxnSpPr>
+          <p:spPr>
+            <a:xfrm>
+              <a:off x="5966153" y="1845011"/>
+              <a:ext cx="2246811" cy="0"/>
+            </a:xfrm>
+            <a:prstGeom prst="line">
+              <a:avLst/>
+            </a:prstGeom>
+            <a:ln w="38100">
+              <a:solidFill>
+                <a:srgbClr val="0070C0"/>
+              </a:solidFill>
+            </a:ln>
+          </p:spPr>
+          <p:style>
+            <a:lnRef idx="1">
+              <a:schemeClr val="accent1"/>
+            </a:lnRef>
+            <a:fillRef idx="0">
+              <a:schemeClr val="accent1"/>
+            </a:fillRef>
+            <a:effectRef idx="0">
+              <a:schemeClr val="accent1"/>
+            </a:effectRef>
+            <a:fontRef idx="minor">
+              <a:schemeClr val="tx1"/>
+            </a:fontRef>
+          </p:style>
+        </p:cxnSp>
+      </p:grpSp>
+      <p:sp>
+        <p:nvSpPr>
+          <p:cNvPr id="4" name="Rectangle 3"/>
+          <p:cNvSpPr/>
+          <p:nvPr/>
+        </p:nvSpPr>
+        <p:spPr>
+          <a:xfrm>
+            <a:off x="618462" y="5067360"/>
+            <a:ext cx="4024923" cy="257907"/>
+          </a:xfrm>
+          <a:prstGeom prst="rect">
+            <a:avLst/>
+          </a:prstGeom>
+          <a:noFill/>
+          <a:ln>
+            <a:noFill/>
+          </a:ln>
+        </p:spPr>
+        <p:style>
+          <a:lnRef idx="2">
+            <a:schemeClr val="accent1">
+              <a:shade val="50000"/>
+            </a:schemeClr>
+          </a:lnRef>
+          <a:fillRef idx="1">
+            <a:schemeClr val="accent1"/>
+          </a:fillRef>
+          <a:effectRef idx="0">
+            <a:schemeClr val="accent1"/>
+          </a:effectRef>
+          <a:fontRef idx="minor">
+            <a:schemeClr val="lt1"/>
+          </a:fontRef>
+        </p:style>
+        <p:txBody>
+          <a:bodyPr rtlCol="0" anchor="ctr"/>
+          <a:lstStyle/>
+          <a:p>
+            <a:pPr algn="ctr"/>
+            <a:r>
+              <a:rPr lang="en-US" sz="1300">
+                <a:solidFill>
+                  <a:schemeClr val="tx1"/>
+                </a:solidFill>
+                <a:latin typeface="Arial" panose="020B0604020202020204" pitchFamily="34" charset="0"/>
+                <a:cs typeface="Arial" panose="020B0604020202020204" pitchFamily="34" charset="0"/>
+              </a:rPr>
+              <a:t>Add modal</a:t>
+            </a:r>
+            <a:endParaRPr lang="en-US" sz="1300" dirty="0">
+              <a:solidFill>
+                <a:schemeClr val="tx1"/>
+              </a:solidFill>
+              <a:latin typeface="Arial" panose="020B0604020202020204" pitchFamily="34" charset="0"/>
+              <a:cs typeface="Arial" panose="020B0604020202020204" pitchFamily="34" charset="0"/>
+            </a:endParaRPr>
+          </a:p>
+        </p:txBody>
+      </p:sp>
+      <p:sp>
+        <p:nvSpPr>
+          <p:cNvPr id="43" name="Rectangle 42"/>
+          <p:cNvSpPr/>
+          <p:nvPr/>
+        </p:nvSpPr>
+        <p:spPr>
+          <a:xfrm>
+            <a:off x="289168" y="5405640"/>
+            <a:ext cx="5916246" cy="981761"/>
+          </a:xfrm>
+          <a:prstGeom prst="rect">
+            <a:avLst/>
+          </a:prstGeom>
+          <a:noFill/>
+          <a:ln>
+            <a:noFill/>
+          </a:ln>
+        </p:spPr>
+        <p:style>
+          <a:lnRef idx="2">
+            <a:schemeClr val="accent1">
+              <a:shade val="50000"/>
+            </a:schemeClr>
+          </a:lnRef>
+          <a:fillRef idx="1">
+            <a:schemeClr val="accent1"/>
+          </a:fillRef>
+          <a:effectRef idx="0">
+            <a:schemeClr val="accent1"/>
+          </a:effectRef>
+          <a:fontRef idx="minor">
+            <a:schemeClr val="lt1"/>
+          </a:fontRef>
+        </p:style>
+        <p:txBody>
+          <a:bodyPr rtlCol="0" anchor="ctr"/>
+          <a:lstStyle/>
+          <a:p>
+            <a:r>
+              <a:rPr lang="en-US" sz="1300">
+                <a:solidFill>
+                  <a:schemeClr val="tx1"/>
+                </a:solidFill>
+                <a:latin typeface="Arial" panose="020B0604020202020204" pitchFamily="34" charset="0"/>
+                <a:cs typeface="Arial" panose="020B0604020202020204" pitchFamily="34" charset="0"/>
+              </a:rPr>
+              <a:t>With the add form we will enter a value in the input, the form only submits when the data is valid, if the data is required then it must be filled in the input. With the delete form, just confirm the deletion or cancel.</a:t>
+            </a:r>
+            <a:endParaRPr lang="en-US" sz="1300" dirty="0">
+              <a:solidFill>
+                <a:schemeClr val="tx1"/>
+              </a:solidFill>
+              <a:latin typeface="Arial" panose="020B0604020202020204" pitchFamily="34" charset="0"/>
+              <a:cs typeface="Arial" panose="020B0604020202020204" pitchFamily="34" charset="0"/>
+            </a:endParaRPr>
+          </a:p>
+        </p:txBody>
+      </p:sp>
+      <p:pic>
+        <p:nvPicPr>
+          <p:cNvPr id="7" name="Picture 6">
+            <a:extLst>
+              <a:ext uri="{FF2B5EF4-FFF2-40B4-BE49-F238E27FC236}">
+                <a16:creationId xmlns:a16="http://schemas.microsoft.com/office/drawing/2014/main" id="{E5BD1FF0-E426-446B-B899-CE28304FCF46}"/>
+              </a:ext>
+            </a:extLst>
+          </p:cNvPr>
+          <p:cNvPicPr>
+            <a:picLocks noChangeAspect="1"/>
+          </p:cNvPicPr>
+          <p:nvPr/>
+        </p:nvPicPr>
+        <p:blipFill>
+          <a:blip r:embed="rId3"/>
+          <a:stretch>
+            <a:fillRect/>
+          </a:stretch>
+        </p:blipFill>
+        <p:spPr>
+          <a:xfrm>
+            <a:off x="995648" y="1914494"/>
+            <a:ext cx="3424739" cy="3029012"/>
+          </a:xfrm>
+          <a:prstGeom prst="rect">
+            <a:avLst/>
+          </a:prstGeom>
+        </p:spPr>
+      </p:pic>
+      <p:pic>
+        <p:nvPicPr>
+          <p:cNvPr id="9" name="Picture 8">
+            <a:extLst>
+              <a:ext uri="{FF2B5EF4-FFF2-40B4-BE49-F238E27FC236}">
+                <a16:creationId xmlns:a16="http://schemas.microsoft.com/office/drawing/2014/main" id="{33D3AF15-D6CF-4DEC-8C99-11E2C82B33FD}"/>
+              </a:ext>
+            </a:extLst>
+          </p:cNvPr>
+          <p:cNvPicPr>
+            <a:picLocks noChangeAspect="1"/>
+          </p:cNvPicPr>
+          <p:nvPr/>
+        </p:nvPicPr>
+        <p:blipFill>
+          <a:blip r:embed="rId4"/>
+          <a:stretch>
+            <a:fillRect/>
+          </a:stretch>
+        </p:blipFill>
+        <p:spPr>
+          <a:xfrm>
+            <a:off x="4643385" y="3175351"/>
+            <a:ext cx="5319221" cy="1783235"/>
+          </a:xfrm>
+          <a:prstGeom prst="rect">
+            <a:avLst/>
+          </a:prstGeom>
+        </p:spPr>
+      </p:pic>
+      <p:sp>
+        <p:nvSpPr>
+          <p:cNvPr id="31" name="Rectangle 30">
+            <a:extLst>
+              <a:ext uri="{FF2B5EF4-FFF2-40B4-BE49-F238E27FC236}">
+                <a16:creationId xmlns:a16="http://schemas.microsoft.com/office/drawing/2014/main" id="{9C964A6C-A91B-4A47-AF55-54192E41737F}"/>
+              </a:ext>
+            </a:extLst>
+          </p:cNvPr>
+          <p:cNvSpPr/>
+          <p:nvPr/>
+        </p:nvSpPr>
+        <p:spPr>
+          <a:xfrm>
+            <a:off x="5200098" y="5041082"/>
+            <a:ext cx="4024923" cy="257907"/>
+          </a:xfrm>
+          <a:prstGeom prst="rect">
+            <a:avLst/>
+          </a:prstGeom>
+          <a:noFill/>
+          <a:ln>
+            <a:noFill/>
+          </a:ln>
+        </p:spPr>
+        <p:style>
+          <a:lnRef idx="2">
+            <a:schemeClr val="accent1">
+              <a:shade val="50000"/>
+            </a:schemeClr>
+          </a:lnRef>
+          <a:fillRef idx="1">
+            <a:schemeClr val="accent1"/>
+          </a:fillRef>
+          <a:effectRef idx="0">
+            <a:schemeClr val="accent1"/>
+          </a:effectRef>
+          <a:fontRef idx="minor">
+            <a:schemeClr val="lt1"/>
+          </a:fontRef>
+        </p:style>
+        <p:txBody>
+          <a:bodyPr rtlCol="0" anchor="ctr"/>
+          <a:lstStyle/>
+          <a:p>
+            <a:pPr algn="ctr"/>
+            <a:r>
+              <a:rPr lang="en-US" sz="1300">
+                <a:solidFill>
+                  <a:schemeClr val="tx1"/>
+                </a:solidFill>
+                <a:latin typeface="Arial" panose="020B0604020202020204" pitchFamily="34" charset="0"/>
+                <a:cs typeface="Arial" panose="020B0604020202020204" pitchFamily="34" charset="0"/>
+              </a:rPr>
+              <a:t>Delete modal</a:t>
+            </a:r>
+            <a:endParaRPr lang="en-US" sz="1300" dirty="0">
+              <a:solidFill>
+                <a:schemeClr val="tx1"/>
+              </a:solidFill>
+              <a:latin typeface="Arial" panose="020B0604020202020204" pitchFamily="34" charset="0"/>
+              <a:cs typeface="Arial" panose="020B0604020202020204" pitchFamily="34" charset="0"/>
+            </a:endParaRPr>
+          </a:p>
+        </p:txBody>
+      </p:sp>
+    </p:spTree>
+    <p:extLst>
+      <p:ext uri="{BB962C8B-B14F-4D97-AF65-F5344CB8AC3E}">
+        <p14:creationId xmlns:p14="http://schemas.microsoft.com/office/powerpoint/2010/main" val="2856682672"/>
+      </p:ext>
+    </p:extLst>
+  </p:cSld>
+  <p:clrMapOvr>
+    <a:masterClrMapping/>
+  </p:clrMapOvr>
+</p:sld>
+</file>
+
+<file path=ppt/slides/slide11.xml><?xml version="1.0" encoding="utf-8"?>
+<p:sld xmlns:a="http://schemas.openxmlformats.org/drawingml/2006/main" xmlns:r="http://schemas.openxmlformats.org/officeDocument/2006/relationships" xmlns:p="http://schemas.openxmlformats.org/presentationml/2006/main">
+  <p:cSld>
+    <p:bg>
+      <p:bgPr>
+        <a:blipFill dpi="0" rotWithShape="1">
+          <a:blip r:embed="rId2">
+            <a:lum/>
+          </a:blip>
+          <a:srcRect/>
+          <a:stretch>
+            <a:fillRect/>
+          </a:stretch>
+        </a:blipFill>
+        <a:effectLst/>
+      </p:bgPr>
+    </p:bg>
+    <p:spTree>
+      <p:nvGrpSpPr>
+        <p:cNvPr id="1" name=""/>
+        <p:cNvGrpSpPr/>
+        <p:nvPr/>
+      </p:nvGrpSpPr>
+      <p:grpSpPr>
+        <a:xfrm>
+          <a:off x="0" y="0"/>
+          <a:ext cx="0" cy="0"/>
+          <a:chOff x="0" y="0"/>
+          <a:chExt cx="0" cy="0"/>
+        </a:xfrm>
+      </p:grpSpPr>
+      <p:sp>
+        <p:nvSpPr>
+          <p:cNvPr id="50" name="Rectangle 49">
+            <a:extLst>
+              <a:ext uri="{FF2B5EF4-FFF2-40B4-BE49-F238E27FC236}">
+                <a16:creationId xmlns:a16="http://schemas.microsoft.com/office/drawing/2014/main" id="{C4EFF6C7-0981-4735-8DEE-28B7F547EC22}"/>
+              </a:ext>
+            </a:extLst>
+          </p:cNvPr>
+          <p:cNvSpPr/>
+          <p:nvPr/>
+        </p:nvSpPr>
+        <p:spPr>
+          <a:xfrm>
+            <a:off x="9829800" y="5218043"/>
+            <a:ext cx="1411357" cy="864705"/>
+          </a:xfrm>
+          <a:prstGeom prst="rect">
+            <a:avLst/>
+          </a:prstGeom>
+          <a:solidFill>
+            <a:srgbClr val="FFFFFF"/>
+          </a:solidFill>
+          <a:ln>
+            <a:noFill/>
+          </a:ln>
+        </p:spPr>
+        <p:style>
+          <a:lnRef idx="2">
+            <a:schemeClr val="accent1">
+              <a:shade val="50000"/>
+            </a:schemeClr>
+          </a:lnRef>
+          <a:fillRef idx="1">
+            <a:schemeClr val="accent1"/>
+          </a:fillRef>
+          <a:effectRef idx="0">
+            <a:schemeClr val="accent1"/>
+          </a:effectRef>
+          <a:fontRef idx="minor">
+            <a:schemeClr val="lt1"/>
+          </a:fontRef>
+        </p:style>
+        <p:txBody>
+          <a:bodyPr rtlCol="0" anchor="ctr"/>
+          <a:lstStyle/>
+          <a:p>
+            <a:pPr algn="ctr"/>
+            <a:endParaRPr lang="en-US" sz="3200" b="1">
+              <a:solidFill>
+                <a:schemeClr val="tx1"/>
+              </a:solidFill>
+              <a:latin typeface="Arial" panose="020B0604020202020204" pitchFamily="34" charset="0"/>
+              <a:cs typeface="Arial" panose="020B0604020202020204" pitchFamily="34" charset="0"/>
+            </a:endParaRPr>
+          </a:p>
+        </p:txBody>
+      </p:sp>
+      <p:sp>
+        <p:nvSpPr>
+          <p:cNvPr id="13" name="TextBox 12">
+            <a:extLst>
+              <a:ext uri="{FF2B5EF4-FFF2-40B4-BE49-F238E27FC236}">
+                <a16:creationId xmlns:a16="http://schemas.microsoft.com/office/drawing/2014/main" id="{683B30FD-FE4E-42DF-A371-856C493BE4D7}"/>
+              </a:ext>
+            </a:extLst>
+          </p:cNvPr>
+          <p:cNvSpPr txBox="1"/>
+          <p:nvPr/>
+        </p:nvSpPr>
+        <p:spPr>
+          <a:xfrm>
+            <a:off x="9829800" y="5460278"/>
+            <a:ext cx="1411357" cy="369332"/>
+          </a:xfrm>
+          <a:prstGeom prst="rect">
+            <a:avLst/>
+          </a:prstGeom>
+          <a:noFill/>
+        </p:spPr>
+        <p:txBody>
+          <a:bodyPr wrap="square" rtlCol="0">
+            <a:spAutoFit/>
+          </a:bodyPr>
+          <a:lstStyle/>
+          <a:p>
+            <a:pPr algn="ctr"/>
+            <a:r>
+              <a:rPr lang="en-US" b="1" dirty="0">
+                <a:solidFill>
+                  <a:schemeClr val="accent1"/>
+                </a:solidFill>
+              </a:rPr>
+              <a:t>9</a:t>
+            </a:r>
+          </a:p>
+        </p:txBody>
+      </p:sp>
+      <p:grpSp>
+        <p:nvGrpSpPr>
+          <p:cNvPr id="12" name="Group 11">
+            <a:extLst>
+              <a:ext uri="{FF2B5EF4-FFF2-40B4-BE49-F238E27FC236}">
+                <a16:creationId xmlns:a16="http://schemas.microsoft.com/office/drawing/2014/main" id="{2FAB71E7-C294-4DA0-9CAF-206E36FA8134}"/>
+              </a:ext>
+            </a:extLst>
+          </p:cNvPr>
+          <p:cNvGrpSpPr/>
+          <p:nvPr/>
+        </p:nvGrpSpPr>
+        <p:grpSpPr>
+          <a:xfrm>
+            <a:off x="3051172" y="1059099"/>
+            <a:ext cx="5512615" cy="815608"/>
+            <a:chOff x="4306111" y="1208246"/>
+            <a:chExt cx="5512615" cy="815608"/>
+          </a:xfrm>
+        </p:grpSpPr>
+        <p:sp>
+          <p:nvSpPr>
+            <p:cNvPr id="17" name="TextBox 16">
+              <a:extLst>
+                <a:ext uri="{FF2B5EF4-FFF2-40B4-BE49-F238E27FC236}">
+                  <a16:creationId xmlns:a16="http://schemas.microsoft.com/office/drawing/2014/main" id="{9CD80CD1-A167-4B58-B233-757B98549191}"/>
+                </a:ext>
+              </a:extLst>
+            </p:cNvPr>
+            <p:cNvSpPr txBox="1"/>
+            <p:nvPr/>
+          </p:nvSpPr>
+          <p:spPr>
+            <a:xfrm>
+              <a:off x="4306111" y="1208246"/>
+              <a:ext cx="5512615" cy="815608"/>
+            </a:xfrm>
+            <a:prstGeom prst="rect">
+              <a:avLst/>
+            </a:prstGeom>
+            <a:noFill/>
+          </p:spPr>
+          <p:txBody>
+            <a:bodyPr wrap="square" rtlCol="0">
+              <a:spAutoFit/>
+            </a:bodyPr>
+            <a:lstStyle/>
+            <a:p>
+              <a:pPr algn="ctr"/>
+              <a:r>
+                <a:rPr lang="en-US" sz="3600" b="1" dirty="0">
+                  <a:solidFill>
+                    <a:srgbClr val="0070C0"/>
+                  </a:solidFill>
+                  <a:latin typeface="Arial" panose="020B0604020202020204" pitchFamily="34" charset="0"/>
+                  <a:cs typeface="Arial" panose="020B0604020202020204" pitchFamily="34" charset="0"/>
+                </a:rPr>
+                <a:t>Implementation process</a:t>
+              </a:r>
+            </a:p>
+            <a:p>
+              <a:pPr algn="ctr"/>
+              <a:r>
+                <a:rPr lang="en-US" sz="1100" b="1" u="sng" dirty="0">
+                  <a:solidFill>
+                    <a:srgbClr val="0070C0"/>
+                  </a:solidFill>
+                  <a:latin typeface="Arial" panose="020B0604020202020204" pitchFamily="34" charset="0"/>
+                  <a:cs typeface="Arial" panose="020B0604020202020204" pitchFamily="34" charset="0"/>
+                </a:rPr>
+                <a:t>       </a:t>
+              </a:r>
+            </a:p>
+          </p:txBody>
+        </p:sp>
+        <p:cxnSp>
+          <p:nvCxnSpPr>
+            <p:cNvPr id="18" name="Straight Connector 17">
+              <a:extLst>
+                <a:ext uri="{FF2B5EF4-FFF2-40B4-BE49-F238E27FC236}">
+                  <a16:creationId xmlns:a16="http://schemas.microsoft.com/office/drawing/2014/main" id="{E760032C-06D0-4897-AB37-DA56419C686D}"/>
+                </a:ext>
+              </a:extLst>
+            </p:cNvPr>
+            <p:cNvCxnSpPr/>
+            <p:nvPr/>
+          </p:nvCxnSpPr>
+          <p:spPr>
+            <a:xfrm>
+              <a:off x="5966153" y="1845011"/>
+              <a:ext cx="2246811" cy="0"/>
+            </a:xfrm>
+            <a:prstGeom prst="line">
+              <a:avLst/>
+            </a:prstGeom>
+            <a:ln w="38100">
+              <a:solidFill>
+                <a:srgbClr val="0070C0"/>
+              </a:solidFill>
+            </a:ln>
+          </p:spPr>
+          <p:style>
+            <a:lnRef idx="1">
+              <a:schemeClr val="accent1"/>
+            </a:lnRef>
+            <a:fillRef idx="0">
+              <a:schemeClr val="accent1"/>
+            </a:fillRef>
+            <a:effectRef idx="0">
+              <a:schemeClr val="accent1"/>
+            </a:effectRef>
+            <a:fontRef idx="minor">
+              <a:schemeClr val="tx1"/>
+            </a:fontRef>
+          </p:style>
+        </p:cxnSp>
+      </p:grpSp>
+      <p:sp>
+        <p:nvSpPr>
+          <p:cNvPr id="4" name="Rectangle 3"/>
+          <p:cNvSpPr/>
+          <p:nvPr/>
+        </p:nvSpPr>
+        <p:spPr>
+          <a:xfrm>
+            <a:off x="522668" y="5644944"/>
+            <a:ext cx="2229242" cy="257907"/>
+          </a:xfrm>
+          <a:prstGeom prst="rect">
+            <a:avLst/>
+          </a:prstGeom>
+          <a:noFill/>
+          <a:ln>
+            <a:noFill/>
+          </a:ln>
+        </p:spPr>
+        <p:style>
+          <a:lnRef idx="2">
+            <a:schemeClr val="accent1">
+              <a:shade val="50000"/>
+            </a:schemeClr>
+          </a:lnRef>
+          <a:fillRef idx="1">
+            <a:schemeClr val="accent1"/>
+          </a:fillRef>
+          <a:effectRef idx="0">
+            <a:schemeClr val="accent1"/>
+          </a:effectRef>
+          <a:fontRef idx="minor">
+            <a:schemeClr val="lt1"/>
+          </a:fontRef>
+        </p:style>
+        <p:txBody>
+          <a:bodyPr rtlCol="0" anchor="ctr"/>
+          <a:lstStyle/>
+          <a:p>
+            <a:pPr algn="ctr"/>
+            <a:r>
+              <a:rPr lang="en-US" sz="1300">
+                <a:solidFill>
+                  <a:schemeClr val="tx1"/>
+                </a:solidFill>
+                <a:latin typeface="Arial" panose="020B0604020202020204" pitchFamily="34" charset="0"/>
+                <a:cs typeface="Arial" panose="020B0604020202020204" pitchFamily="34" charset="0"/>
+              </a:rPr>
+              <a:t>Mobile</a:t>
+            </a:r>
+            <a:endParaRPr lang="en-US" sz="1300" dirty="0">
+              <a:solidFill>
+                <a:schemeClr val="tx1"/>
+              </a:solidFill>
+              <a:latin typeface="Arial" panose="020B0604020202020204" pitchFamily="34" charset="0"/>
+              <a:cs typeface="Arial" panose="020B0604020202020204" pitchFamily="34" charset="0"/>
+            </a:endParaRPr>
+          </a:p>
+        </p:txBody>
+      </p:sp>
+      <p:sp>
+        <p:nvSpPr>
+          <p:cNvPr id="31" name="Rectangle 30">
+            <a:extLst>
+              <a:ext uri="{FF2B5EF4-FFF2-40B4-BE49-F238E27FC236}">
+                <a16:creationId xmlns:a16="http://schemas.microsoft.com/office/drawing/2014/main" id="{9C964A6C-A91B-4A47-AF55-54192E41737F}"/>
+              </a:ext>
+            </a:extLst>
+          </p:cNvPr>
+          <p:cNvSpPr/>
+          <p:nvPr/>
+        </p:nvSpPr>
+        <p:spPr>
+          <a:xfrm>
+            <a:off x="4046540" y="5669947"/>
+            <a:ext cx="4024923" cy="257907"/>
+          </a:xfrm>
+          <a:prstGeom prst="rect">
+            <a:avLst/>
+          </a:prstGeom>
+          <a:noFill/>
+          <a:ln>
+            <a:noFill/>
+          </a:ln>
+        </p:spPr>
+        <p:style>
+          <a:lnRef idx="2">
+            <a:schemeClr val="accent1">
+              <a:shade val="50000"/>
+            </a:schemeClr>
+          </a:lnRef>
+          <a:fillRef idx="1">
+            <a:schemeClr val="accent1"/>
+          </a:fillRef>
+          <a:effectRef idx="0">
+            <a:schemeClr val="accent1"/>
+          </a:effectRef>
+          <a:fontRef idx="minor">
+            <a:schemeClr val="lt1"/>
+          </a:fontRef>
+        </p:style>
+        <p:txBody>
+          <a:bodyPr rtlCol="0" anchor="ctr"/>
+          <a:lstStyle/>
+          <a:p>
+            <a:pPr algn="ctr"/>
+            <a:r>
+              <a:rPr lang="en-US" sz="1300">
+                <a:solidFill>
+                  <a:schemeClr val="tx1"/>
+                </a:solidFill>
+                <a:latin typeface="Arial" panose="020B0604020202020204" pitchFamily="34" charset="0"/>
+                <a:cs typeface="Arial" panose="020B0604020202020204" pitchFamily="34" charset="0"/>
+              </a:rPr>
+              <a:t>Tablet and desktop</a:t>
+            </a:r>
+            <a:endParaRPr lang="en-US" sz="1300" dirty="0">
+              <a:solidFill>
+                <a:schemeClr val="tx1"/>
+              </a:solidFill>
+              <a:latin typeface="Arial" panose="020B0604020202020204" pitchFamily="34" charset="0"/>
+              <a:cs typeface="Arial" panose="020B0604020202020204" pitchFamily="34" charset="0"/>
+            </a:endParaRPr>
+          </a:p>
+        </p:txBody>
+      </p:sp>
+      <p:pic>
+        <p:nvPicPr>
+          <p:cNvPr id="6" name="Picture 5">
+            <a:extLst>
+              <a:ext uri="{FF2B5EF4-FFF2-40B4-BE49-F238E27FC236}">
+                <a16:creationId xmlns:a16="http://schemas.microsoft.com/office/drawing/2014/main" id="{E5ABADD0-6B55-4CBB-A99D-6512E5F5F3FC}"/>
+              </a:ext>
+            </a:extLst>
+          </p:cNvPr>
+          <p:cNvPicPr>
+            <a:picLocks noChangeAspect="1"/>
+          </p:cNvPicPr>
+          <p:nvPr/>
+        </p:nvPicPr>
+        <p:blipFill>
+          <a:blip r:embed="rId3"/>
+          <a:stretch>
+            <a:fillRect/>
+          </a:stretch>
+        </p:blipFill>
+        <p:spPr>
+          <a:xfrm>
+            <a:off x="3709298" y="1942012"/>
+            <a:ext cx="4699408" cy="3439314"/>
+          </a:xfrm>
+          <a:prstGeom prst="rect">
+            <a:avLst/>
+          </a:prstGeom>
+        </p:spPr>
+      </p:pic>
+      <p:sp>
+        <p:nvSpPr>
+          <p:cNvPr id="16" name="Rectangle 15">
+            <a:extLst>
+              <a:ext uri="{FF2B5EF4-FFF2-40B4-BE49-F238E27FC236}">
+                <a16:creationId xmlns:a16="http://schemas.microsoft.com/office/drawing/2014/main" id="{065F5C57-ADBD-4B5E-921C-63C698E89EDF}"/>
+              </a:ext>
+            </a:extLst>
+          </p:cNvPr>
+          <p:cNvSpPr/>
+          <p:nvPr/>
+        </p:nvSpPr>
+        <p:spPr>
+          <a:xfrm>
+            <a:off x="2698752" y="6246514"/>
+            <a:ext cx="4024923" cy="257907"/>
+          </a:xfrm>
+          <a:prstGeom prst="rect">
+            <a:avLst/>
+          </a:prstGeom>
+          <a:noFill/>
+          <a:ln>
+            <a:noFill/>
+          </a:ln>
+        </p:spPr>
+        <p:style>
+          <a:lnRef idx="2">
+            <a:schemeClr val="accent1">
+              <a:shade val="50000"/>
+            </a:schemeClr>
+          </a:lnRef>
+          <a:fillRef idx="1">
+            <a:schemeClr val="accent1"/>
+          </a:fillRef>
+          <a:effectRef idx="0">
+            <a:schemeClr val="accent1"/>
+          </a:effectRef>
+          <a:fontRef idx="minor">
+            <a:schemeClr val="lt1"/>
+          </a:fontRef>
+        </p:style>
+        <p:txBody>
+          <a:bodyPr rtlCol="0" anchor="ctr"/>
+          <a:lstStyle/>
+          <a:p>
+            <a:pPr algn="ctr"/>
+            <a:r>
+              <a:rPr lang="en-US" sz="1300">
+                <a:solidFill>
+                  <a:schemeClr val="tx1"/>
+                </a:solidFill>
+                <a:latin typeface="Arial" panose="020B0604020202020204" pitchFamily="34" charset="0"/>
+                <a:cs typeface="Arial" panose="020B0604020202020204" pitchFamily="34" charset="0"/>
+              </a:rPr>
+              <a:t>Responsive on multiple devices</a:t>
+            </a:r>
+            <a:endParaRPr lang="en-US" sz="1300" dirty="0">
+              <a:solidFill>
+                <a:schemeClr val="tx1"/>
+              </a:solidFill>
+              <a:latin typeface="Arial" panose="020B0604020202020204" pitchFamily="34" charset="0"/>
+              <a:cs typeface="Arial" panose="020B0604020202020204" pitchFamily="34" charset="0"/>
+            </a:endParaRPr>
+          </a:p>
+        </p:txBody>
+      </p:sp>
+      <p:pic>
+        <p:nvPicPr>
+          <p:cNvPr id="10" name="Picture 9">
+            <a:extLst>
+              <a:ext uri="{FF2B5EF4-FFF2-40B4-BE49-F238E27FC236}">
+                <a16:creationId xmlns:a16="http://schemas.microsoft.com/office/drawing/2014/main" id="{3B665A83-9046-4285-966E-8349AEE35351}"/>
+              </a:ext>
+            </a:extLst>
+          </p:cNvPr>
+          <p:cNvPicPr>
+            <a:picLocks noChangeAspect="1"/>
+          </p:cNvPicPr>
+          <p:nvPr/>
+        </p:nvPicPr>
+        <p:blipFill>
+          <a:blip r:embed="rId4"/>
+          <a:stretch>
+            <a:fillRect/>
+          </a:stretch>
+        </p:blipFill>
+        <p:spPr>
+          <a:xfrm>
+            <a:off x="778179" y="1942012"/>
+            <a:ext cx="2147798" cy="3439315"/>
+          </a:xfrm>
+          <a:prstGeom prst="rect">
+            <a:avLst/>
+          </a:prstGeom>
+        </p:spPr>
+      </p:pic>
+    </p:spTree>
+    <p:extLst>
+      <p:ext uri="{BB962C8B-B14F-4D97-AF65-F5344CB8AC3E}">
+        <p14:creationId xmlns:p14="http://schemas.microsoft.com/office/powerpoint/2010/main" val="4116074861"/>
+      </p:ext>
+    </p:extLst>
+  </p:cSld>
+  <p:clrMapOvr>
+    <a:masterClrMapping/>
+  </p:clrMapOvr>
+</p:sld>
+</file>
+
+<file path=ppt/slides/slide12.xml><?xml version="1.0" encoding="utf-8"?>
+<p:sld xmlns:a="http://schemas.openxmlformats.org/drawingml/2006/main" xmlns:r="http://schemas.openxmlformats.org/officeDocument/2006/relationships" xmlns:p="http://schemas.openxmlformats.org/presentationml/2006/main">
+  <p:cSld>
+    <p:bg>
+      <p:bgPr>
+        <a:blipFill dpi="0" rotWithShape="1">
+          <a:blip r:embed="rId2">
+            <a:lum/>
+          </a:blip>
+          <a:srcRect/>
+          <a:stretch>
+            <a:fillRect/>
+          </a:stretch>
+        </a:blipFill>
+        <a:effectLst/>
+      </p:bgPr>
+    </p:bg>
+    <p:spTree>
+      <p:nvGrpSpPr>
+        <p:cNvPr id="1" name=""/>
+        <p:cNvGrpSpPr/>
+        <p:nvPr/>
+      </p:nvGrpSpPr>
+      <p:grpSpPr>
+        <a:xfrm>
+          <a:off x="0" y="0"/>
+          <a:ext cx="0" cy="0"/>
+          <a:chOff x="0" y="0"/>
+          <a:chExt cx="0" cy="0"/>
+        </a:xfrm>
+      </p:grpSpPr>
+      <p:sp>
+        <p:nvSpPr>
+          <p:cNvPr id="50" name="Rectangle 49">
+            <a:extLst>
+              <a:ext uri="{FF2B5EF4-FFF2-40B4-BE49-F238E27FC236}">
+                <a16:creationId xmlns:a16="http://schemas.microsoft.com/office/drawing/2014/main" id="{C4EFF6C7-0981-4735-8DEE-28B7F547EC22}"/>
+              </a:ext>
+            </a:extLst>
+          </p:cNvPr>
+          <p:cNvSpPr/>
+          <p:nvPr/>
+        </p:nvSpPr>
+        <p:spPr>
+          <a:xfrm>
+            <a:off x="9829800" y="5218043"/>
+            <a:ext cx="1411357" cy="864705"/>
+          </a:xfrm>
+          <a:prstGeom prst="rect">
+            <a:avLst/>
+          </a:prstGeom>
+          <a:solidFill>
+            <a:srgbClr val="FFFFFF"/>
+          </a:solidFill>
+          <a:ln>
+            <a:noFill/>
+          </a:ln>
+        </p:spPr>
+        <p:style>
+          <a:lnRef idx="2">
+            <a:schemeClr val="accent1">
+              <a:shade val="50000"/>
+            </a:schemeClr>
+          </a:lnRef>
+          <a:fillRef idx="1">
+            <a:schemeClr val="accent1"/>
+          </a:fillRef>
+          <a:effectRef idx="0">
+            <a:schemeClr val="accent1"/>
+          </a:effectRef>
+          <a:fontRef idx="minor">
+            <a:schemeClr val="lt1"/>
+          </a:fontRef>
+        </p:style>
+        <p:txBody>
+          <a:bodyPr rtlCol="0" anchor="ctr"/>
+          <a:lstStyle/>
+          <a:p>
+            <a:pPr algn="ctr"/>
+            <a:endParaRPr lang="en-US" sz="3200" b="1">
+              <a:solidFill>
+                <a:schemeClr val="tx1"/>
+              </a:solidFill>
+              <a:latin typeface="Arial" panose="020B0604020202020204" pitchFamily="34" charset="0"/>
+              <a:cs typeface="Arial" panose="020B0604020202020204" pitchFamily="34" charset="0"/>
+            </a:endParaRPr>
+          </a:p>
+        </p:txBody>
+      </p:sp>
+      <p:sp>
+        <p:nvSpPr>
+          <p:cNvPr id="13" name="TextBox 12">
+            <a:extLst>
+              <a:ext uri="{FF2B5EF4-FFF2-40B4-BE49-F238E27FC236}">
+                <a16:creationId xmlns:a16="http://schemas.microsoft.com/office/drawing/2014/main" id="{683B30FD-FE4E-42DF-A371-856C493BE4D7}"/>
+              </a:ext>
+            </a:extLst>
+          </p:cNvPr>
+          <p:cNvSpPr txBox="1"/>
+          <p:nvPr/>
+        </p:nvSpPr>
+        <p:spPr>
+          <a:xfrm>
+            <a:off x="9829800" y="5460278"/>
+            <a:ext cx="1411357" cy="369332"/>
+          </a:xfrm>
+          <a:prstGeom prst="rect">
+            <a:avLst/>
+          </a:prstGeom>
+          <a:noFill/>
+        </p:spPr>
+        <p:txBody>
+          <a:bodyPr wrap="square" rtlCol="0">
+            <a:spAutoFit/>
+          </a:bodyPr>
+          <a:lstStyle/>
+          <a:p>
+            <a:pPr algn="ctr"/>
+            <a:r>
+              <a:rPr lang="en-US" b="1">
+                <a:solidFill>
+                  <a:schemeClr val="accent1"/>
+                </a:solidFill>
+              </a:rPr>
+              <a:t>1</a:t>
+            </a:r>
+            <a:r>
+              <a:rPr lang="en-US" b="1" dirty="0">
+                <a:solidFill>
+                  <a:schemeClr val="accent1"/>
+                </a:solidFill>
+              </a:rPr>
+              <a:t>0</a:t>
+            </a:r>
+          </a:p>
+        </p:txBody>
+      </p:sp>
+      <p:grpSp>
+        <p:nvGrpSpPr>
+          <p:cNvPr id="12" name="Group 11">
+            <a:extLst>
+              <a:ext uri="{FF2B5EF4-FFF2-40B4-BE49-F238E27FC236}">
+                <a16:creationId xmlns:a16="http://schemas.microsoft.com/office/drawing/2014/main" id="{2FAB71E7-C294-4DA0-9CAF-206E36FA8134}"/>
+              </a:ext>
+            </a:extLst>
+          </p:cNvPr>
+          <p:cNvGrpSpPr/>
+          <p:nvPr/>
+        </p:nvGrpSpPr>
+        <p:grpSpPr>
+          <a:xfrm>
+            <a:off x="3051172" y="1059099"/>
+            <a:ext cx="5512615" cy="646331"/>
+            <a:chOff x="4306111" y="1208246"/>
+            <a:chExt cx="5512615" cy="646331"/>
+          </a:xfrm>
+        </p:grpSpPr>
+        <p:sp>
+          <p:nvSpPr>
+            <p:cNvPr id="17" name="TextBox 16">
+              <a:extLst>
+                <a:ext uri="{FF2B5EF4-FFF2-40B4-BE49-F238E27FC236}">
+                  <a16:creationId xmlns:a16="http://schemas.microsoft.com/office/drawing/2014/main" id="{9CD80CD1-A167-4B58-B233-757B98549191}"/>
+                </a:ext>
+              </a:extLst>
+            </p:cNvPr>
+            <p:cNvSpPr txBox="1"/>
+            <p:nvPr/>
+          </p:nvSpPr>
+          <p:spPr>
+            <a:xfrm>
+              <a:off x="4306111" y="1208246"/>
+              <a:ext cx="5512615" cy="646331"/>
+            </a:xfrm>
+            <a:prstGeom prst="rect">
+              <a:avLst/>
+            </a:prstGeom>
+            <a:noFill/>
+          </p:spPr>
+          <p:txBody>
+            <a:bodyPr wrap="square" rtlCol="0">
+              <a:spAutoFit/>
+            </a:bodyPr>
+            <a:lstStyle/>
+            <a:p>
+              <a:pPr algn="ctr"/>
+              <a:r>
+                <a:rPr lang="en-US" sz="3600" b="1">
+                  <a:solidFill>
+                    <a:srgbClr val="0070C0"/>
+                  </a:solidFill>
+                  <a:latin typeface="Arial" panose="020B0604020202020204" pitchFamily="34" charset="0"/>
+                  <a:cs typeface="Arial" panose="020B0604020202020204" pitchFamily="34" charset="0"/>
+                </a:rPr>
+                <a:t>CONCLUSION</a:t>
+              </a:r>
+              <a:endParaRPr lang="en-US" sz="1100" b="1" dirty="0">
+                <a:solidFill>
+                  <a:srgbClr val="0070C0"/>
+                </a:solidFill>
+                <a:latin typeface="Arial" panose="020B0604020202020204" pitchFamily="34" charset="0"/>
+                <a:cs typeface="Arial" panose="020B0604020202020204" pitchFamily="34" charset="0"/>
+              </a:endParaRPr>
+            </a:p>
+          </p:txBody>
+        </p:sp>
+        <p:cxnSp>
+          <p:nvCxnSpPr>
+            <p:cNvPr id="18" name="Straight Connector 17">
+              <a:extLst>
+                <a:ext uri="{FF2B5EF4-FFF2-40B4-BE49-F238E27FC236}">
+                  <a16:creationId xmlns:a16="http://schemas.microsoft.com/office/drawing/2014/main" id="{E760032C-06D0-4897-AB37-DA56419C686D}"/>
+                </a:ext>
+              </a:extLst>
+            </p:cNvPr>
+            <p:cNvCxnSpPr/>
+            <p:nvPr/>
+          </p:nvCxnSpPr>
+          <p:spPr>
+            <a:xfrm>
+              <a:off x="5966153" y="1845011"/>
+              <a:ext cx="2246811" cy="0"/>
+            </a:xfrm>
+            <a:prstGeom prst="line">
+              <a:avLst/>
+            </a:prstGeom>
+            <a:ln w="38100">
+              <a:solidFill>
+                <a:srgbClr val="0070C0"/>
+              </a:solidFill>
+            </a:ln>
+          </p:spPr>
+          <p:style>
+            <a:lnRef idx="1">
+              <a:schemeClr val="accent1"/>
+            </a:lnRef>
+            <a:fillRef idx="0">
+              <a:schemeClr val="accent1"/>
+            </a:fillRef>
+            <a:effectRef idx="0">
+              <a:schemeClr val="accent1"/>
+            </a:effectRef>
+            <a:fontRef idx="minor">
+              <a:schemeClr val="tx1"/>
+            </a:fontRef>
+          </p:style>
+        </p:cxnSp>
+      </p:grpSp>
+      <p:sp>
+        <p:nvSpPr>
+          <p:cNvPr id="14" name="Rectangle 13">
+            <a:extLst>
+              <a:ext uri="{FF2B5EF4-FFF2-40B4-BE49-F238E27FC236}">
+                <a16:creationId xmlns:a16="http://schemas.microsoft.com/office/drawing/2014/main" id="{79C6C868-BB5C-493D-89EC-29B695745C96}"/>
+              </a:ext>
+            </a:extLst>
+          </p:cNvPr>
+          <p:cNvSpPr/>
+          <p:nvPr/>
+        </p:nvSpPr>
+        <p:spPr>
+          <a:xfrm>
+            <a:off x="1878976" y="2159297"/>
+            <a:ext cx="8434047" cy="3179864"/>
+          </a:xfrm>
+          <a:prstGeom prst="rect">
+            <a:avLst/>
+          </a:prstGeom>
+          <a:noFill/>
+          <a:ln>
+            <a:noFill/>
+          </a:ln>
+        </p:spPr>
+        <p:style>
+          <a:lnRef idx="2">
+            <a:schemeClr val="accent1">
+              <a:shade val="50000"/>
+            </a:schemeClr>
+          </a:lnRef>
+          <a:fillRef idx="1">
+            <a:schemeClr val="accent1"/>
+          </a:fillRef>
+          <a:effectRef idx="0">
+            <a:schemeClr val="accent1"/>
+          </a:effectRef>
+          <a:fontRef idx="minor">
+            <a:schemeClr val="lt1"/>
+          </a:fontRef>
+        </p:style>
+        <p:txBody>
+          <a:bodyPr rtlCol="0" anchor="ctr"/>
+          <a:lstStyle/>
+          <a:p>
+            <a:pPr algn="ctr"/>
+            <a:endParaRPr lang="en-US" sz="100" b="1" dirty="0">
+              <a:solidFill>
+                <a:schemeClr val="tx1"/>
+              </a:solidFill>
+              <a:latin typeface="Arial" panose="020B0604020202020204" pitchFamily="34" charset="0"/>
+              <a:cs typeface="Arial" panose="020B0604020202020204" pitchFamily="34" charset="0"/>
+            </a:endParaRPr>
+          </a:p>
+          <a:p>
+            <a:pPr marL="342900" indent="-342900">
+              <a:lnSpc>
+                <a:spcPct val="150000"/>
+              </a:lnSpc>
+              <a:buFont typeface="Wingdings" panose="05000000000000000000" pitchFamily="2" charset="2"/>
+              <a:buChar char="q"/>
+            </a:pPr>
+            <a:r>
+              <a:rPr lang="en-US" sz="2400" b="1">
+                <a:solidFill>
+                  <a:schemeClr val="tx1"/>
+                </a:solidFill>
+                <a:latin typeface="Arial" panose="020B0604020202020204" pitchFamily="34" charset="0"/>
+                <a:cs typeface="Arial" panose="020B0604020202020204" pitchFamily="34" charset="0"/>
+              </a:rPr>
+              <a:t>Build a website using ReactJS library</a:t>
+            </a:r>
+          </a:p>
+          <a:p>
+            <a:pPr marL="342900" indent="-342900">
+              <a:lnSpc>
+                <a:spcPct val="150000"/>
+              </a:lnSpc>
+              <a:buFont typeface="Wingdings" panose="05000000000000000000" pitchFamily="2" charset="2"/>
+              <a:buChar char="q"/>
+            </a:pPr>
+            <a:r>
+              <a:rPr lang="en-US" sz="2400" b="1">
+                <a:solidFill>
+                  <a:schemeClr val="tx1"/>
+                </a:solidFill>
+                <a:latin typeface="Arial" panose="020B0604020202020204" pitchFamily="34" charset="0"/>
+                <a:cs typeface="Arial" panose="020B0604020202020204" pitchFamily="34" charset="0"/>
+              </a:rPr>
+              <a:t>Use the react-query to fetch and cache data efficiently</a:t>
+            </a:r>
+          </a:p>
+          <a:p>
+            <a:pPr marL="342900" indent="-342900">
+              <a:lnSpc>
+                <a:spcPct val="150000"/>
+              </a:lnSpc>
+              <a:buFont typeface="Wingdings" panose="05000000000000000000" pitchFamily="2" charset="2"/>
+              <a:buChar char="q"/>
+            </a:pPr>
+            <a:r>
+              <a:rPr lang="en-US" sz="2400" b="1">
+                <a:solidFill>
+                  <a:schemeClr val="tx1"/>
+                </a:solidFill>
+                <a:latin typeface="Arial" panose="020B0604020202020204" pitchFamily="34" charset="0"/>
+                <a:cs typeface="Arial" panose="020B0604020202020204" pitchFamily="34" charset="0"/>
+              </a:rPr>
+              <a:t>Use the valtio to manage global states </a:t>
+            </a:r>
+          </a:p>
+          <a:p>
+            <a:pPr marL="342900" indent="-342900">
+              <a:lnSpc>
+                <a:spcPct val="150000"/>
+              </a:lnSpc>
+              <a:buFont typeface="Wingdings" panose="05000000000000000000" pitchFamily="2" charset="2"/>
+              <a:buChar char="q"/>
+            </a:pPr>
+            <a:r>
+              <a:rPr lang="en-US" sz="2400" b="1">
+                <a:solidFill>
+                  <a:schemeClr val="tx1"/>
+                </a:solidFill>
+                <a:latin typeface="Arial" panose="020B0604020202020204" pitchFamily="34" charset="0"/>
+                <a:cs typeface="Arial" panose="020B0604020202020204" pitchFamily="34" charset="0"/>
+              </a:rPr>
+              <a:t>The website display good with many devices</a:t>
+            </a:r>
+          </a:p>
+          <a:p>
+            <a:pPr marL="342900" indent="-342900">
+              <a:lnSpc>
+                <a:spcPct val="150000"/>
+              </a:lnSpc>
+              <a:buFont typeface="Wingdings" panose="05000000000000000000" pitchFamily="2" charset="2"/>
+              <a:buChar char="q"/>
+            </a:pPr>
+            <a:r>
+              <a:rPr lang="en-US" sz="2400" b="1">
+                <a:solidFill>
+                  <a:schemeClr val="tx1"/>
+                </a:solidFill>
+                <a:latin typeface="Arial" panose="020B0604020202020204" pitchFamily="34" charset="0"/>
+                <a:cs typeface="Arial" panose="020B0604020202020204" pitchFamily="34" charset="0"/>
+              </a:rPr>
+              <a:t>Beautiful interface, easy to use</a:t>
+            </a:r>
+          </a:p>
+          <a:p>
+            <a:pPr marL="342900" indent="-342900">
+              <a:lnSpc>
+                <a:spcPct val="150000"/>
+              </a:lnSpc>
+              <a:buFont typeface="Wingdings" panose="05000000000000000000" pitchFamily="2" charset="2"/>
+              <a:buChar char="q"/>
+            </a:pPr>
+            <a:endParaRPr lang="en-US" sz="2400" b="1" dirty="0">
+              <a:solidFill>
+                <a:schemeClr val="tx1"/>
+              </a:solidFill>
+              <a:latin typeface="Arial" panose="020B0604020202020204" pitchFamily="34" charset="0"/>
+              <a:cs typeface="Arial" panose="020B0604020202020204" pitchFamily="34" charset="0"/>
+            </a:endParaRPr>
+          </a:p>
+        </p:txBody>
+      </p:sp>
+    </p:spTree>
+    <p:extLst>
+      <p:ext uri="{BB962C8B-B14F-4D97-AF65-F5344CB8AC3E}">
+        <p14:creationId xmlns:p14="http://schemas.microsoft.com/office/powerpoint/2010/main" val="3943057489"/>
+      </p:ext>
+    </p:extLst>
+  </p:cSld>
+  <p:clrMapOvr>
+    <a:masterClrMapping/>
+  </p:clrMapOvr>
+</p:sld>
+</file>
+
+<file path=ppt/slides/slide13.xml><?xml version="1.0" encoding="utf-8"?>
+<p:sld xmlns:a="http://schemas.openxmlformats.org/drawingml/2006/main" xmlns:r="http://schemas.openxmlformats.org/officeDocument/2006/relationships" xmlns:p="http://schemas.openxmlformats.org/presentationml/2006/main">
+  <p:cSld>
+    <p:bg>
+      <p:bgPr>
+        <a:blipFill dpi="0" rotWithShape="1">
+          <a:blip r:embed="rId2">
+            <a:lum/>
+          </a:blip>
+          <a:srcRect/>
+          <a:stretch>
+            <a:fillRect/>
+          </a:stretch>
+        </a:blipFill>
+        <a:effectLst/>
+      </p:bgPr>
+    </p:bg>
+    <p:spTree>
+      <p:nvGrpSpPr>
+        <p:cNvPr id="1" name=""/>
+        <p:cNvGrpSpPr/>
+        <p:nvPr/>
+      </p:nvGrpSpPr>
+      <p:grpSpPr>
+        <a:xfrm>
+          <a:off x="0" y="0"/>
+          <a:ext cx="0" cy="0"/>
+          <a:chOff x="0" y="0"/>
+          <a:chExt cx="0" cy="0"/>
+        </a:xfrm>
+      </p:grpSpPr>
+      <p:sp>
+        <p:nvSpPr>
+          <p:cNvPr id="50" name="Rectangle 49">
+            <a:extLst>
+              <a:ext uri="{FF2B5EF4-FFF2-40B4-BE49-F238E27FC236}">
+                <a16:creationId xmlns:a16="http://schemas.microsoft.com/office/drawing/2014/main" id="{C4EFF6C7-0981-4735-8DEE-28B7F547EC22}"/>
+              </a:ext>
+            </a:extLst>
+          </p:cNvPr>
+          <p:cNvSpPr/>
+          <p:nvPr/>
+        </p:nvSpPr>
+        <p:spPr>
+          <a:xfrm>
+            <a:off x="9829800" y="5218043"/>
+            <a:ext cx="1411357" cy="864705"/>
+          </a:xfrm>
+          <a:prstGeom prst="rect">
+            <a:avLst/>
+          </a:prstGeom>
+          <a:solidFill>
+            <a:srgbClr val="FFFFFF"/>
+          </a:solidFill>
+          <a:ln>
+            <a:noFill/>
+          </a:ln>
+        </p:spPr>
+        <p:style>
+          <a:lnRef idx="2">
+            <a:schemeClr val="accent1">
+              <a:shade val="50000"/>
+            </a:schemeClr>
+          </a:lnRef>
+          <a:fillRef idx="1">
+            <a:schemeClr val="accent1"/>
+          </a:fillRef>
+          <a:effectRef idx="0">
+            <a:schemeClr val="accent1"/>
+          </a:effectRef>
+          <a:fontRef idx="minor">
+            <a:schemeClr val="lt1"/>
+          </a:fontRef>
+        </p:style>
+        <p:txBody>
+          <a:bodyPr rtlCol="0" anchor="ctr"/>
+          <a:lstStyle/>
+          <a:p>
+            <a:pPr algn="ctr"/>
+            <a:endParaRPr lang="en-US" sz="3200" b="1">
+              <a:solidFill>
+                <a:schemeClr val="tx1"/>
+              </a:solidFill>
+              <a:latin typeface="Arial" panose="020B0604020202020204" pitchFamily="34" charset="0"/>
+              <a:cs typeface="Arial" panose="020B0604020202020204" pitchFamily="34" charset="0"/>
+            </a:endParaRPr>
+          </a:p>
+        </p:txBody>
+      </p:sp>
+      <p:pic>
+        <p:nvPicPr>
+          <p:cNvPr id="1026" name="Picture 2" descr="Download Thank You For Listening Clipart - Powerpoint Presentation  Animation Thank You PNG Image with No Background - PNGkey.com">
+            <a:extLst>
+              <a:ext uri="{FF2B5EF4-FFF2-40B4-BE49-F238E27FC236}">
+                <a16:creationId xmlns:a16="http://schemas.microsoft.com/office/drawing/2014/main" id="{ED17C01C-7CF9-415F-84D3-E93C58DE8C16}"/>
+              </a:ext>
+            </a:extLst>
+          </p:cNvPr>
+          <p:cNvPicPr>
+            <a:picLocks noChangeAspect="1" noChangeArrowheads="1"/>
+          </p:cNvPicPr>
+          <p:nvPr/>
+        </p:nvPicPr>
+        <p:blipFill>
+          <a:blip r:embed="rId3">
+            <a:extLst>
+              <a:ext uri="{28A0092B-C50C-407E-A947-70E740481C1C}">
+                <a14:useLocalDpi xmlns:a14="http://schemas.microsoft.com/office/drawing/2010/main" val="0"/>
+              </a:ext>
+            </a:extLst>
+          </a:blip>
+          <a:srcRect/>
+          <a:stretch>
+            <a:fillRect/>
+          </a:stretch>
+        </p:blipFill>
+        <p:spPr bwMode="auto">
+          <a:xfrm>
+            <a:off x="1454056" y="1022060"/>
+            <a:ext cx="7524750" cy="4619625"/>
+          </a:xfrm>
+          <a:prstGeom prst="rect">
+            <a:avLst/>
+          </a:prstGeom>
+          <a:noFill/>
+          <a:extLst>
+            <a:ext uri="{909E8E84-426E-40DD-AFC4-6F175D3DCCD1}">
+              <a14:hiddenFill xmlns:a14="http://schemas.microsoft.com/office/drawing/2010/main">
+                <a:solidFill>
+                  <a:srgbClr val="FFFFFF"/>
+                </a:solidFill>
+              </a14:hiddenFill>
+            </a:ext>
+          </a:extLst>
+        </p:spPr>
+      </p:pic>
+      <p:pic>
+        <p:nvPicPr>
+          <p:cNvPr id="1030" name="Picture 6" descr="Bye photos, royalty-free images, graphics, vectors &amp; videos | Adobe Stock">
+            <a:extLst>
+              <a:ext uri="{FF2B5EF4-FFF2-40B4-BE49-F238E27FC236}">
+                <a16:creationId xmlns:a16="http://schemas.microsoft.com/office/drawing/2014/main" id="{9D6B52BA-FD53-473C-9564-2415A46D3122}"/>
+              </a:ext>
+            </a:extLst>
+          </p:cNvPr>
+          <p:cNvPicPr>
+            <a:picLocks noChangeAspect="1" noChangeArrowheads="1"/>
+          </p:cNvPicPr>
+          <p:nvPr/>
+        </p:nvPicPr>
+        <p:blipFill>
+          <a:blip r:embed="rId4" cstate="hqprint">
+            <a:extLst>
+              <a:ext uri="{28A0092B-C50C-407E-A947-70E740481C1C}">
+                <a14:useLocalDpi xmlns:a14="http://schemas.microsoft.com/office/drawing/2010/main" val="0"/>
+              </a:ext>
+            </a:extLst>
+          </a:blip>
+          <a:srcRect/>
+          <a:stretch>
+            <a:fillRect/>
+          </a:stretch>
+        </p:blipFill>
+        <p:spPr bwMode="auto">
+          <a:xfrm>
+            <a:off x="10059368" y="5199245"/>
+            <a:ext cx="952220" cy="883503"/>
+          </a:xfrm>
+          <a:prstGeom prst="rect">
+            <a:avLst/>
+          </a:prstGeom>
+          <a:noFill/>
+          <a:extLst>
+            <a:ext uri="{909E8E84-426E-40DD-AFC4-6F175D3DCCD1}">
+              <a14:hiddenFill xmlns:a14="http://schemas.microsoft.com/office/drawing/2010/main">
+                <a:solidFill>
+                  <a:srgbClr val="FFFFFF"/>
+                </a:solidFill>
+              </a14:hiddenFill>
+            </a:ext>
+          </a:extLst>
+        </p:spPr>
+      </p:pic>
+    </p:spTree>
+    <p:extLst>
+      <p:ext uri="{BB962C8B-B14F-4D97-AF65-F5344CB8AC3E}">
+        <p14:creationId xmlns:p14="http://schemas.microsoft.com/office/powerpoint/2010/main" val="3346329282"/>
+      </p:ext>
+    </p:extLst>
+  </p:cSld>
+  <p:clrMapOvr>
+    <a:masterClrMapping/>
+  </p:clrMapOvr>
 </p:sld>
 </file>
 
@@ -8538,7 +10154,7 @@
           <a:p>
             <a:pPr algn="ctr"/>
             <a:r>
-              <a:rPr lang="en-US" sz="3600" b="1" dirty="0" smtClean="0">
+              <a:rPr lang="en-US" sz="3600" b="1" dirty="0">
                 <a:solidFill>
                   <a:srgbClr val="0070C0"/>
                 </a:solidFill>
@@ -8547,13 +10163,6 @@
               </a:rPr>
               <a:t>AGENDA</a:t>
             </a:r>
-            <a:endParaRPr lang="en-US" sz="3600" b="1" dirty="0">
-              <a:solidFill>
-                <a:srgbClr val="0070C0"/>
-              </a:solidFill>
-              <a:latin typeface="Arial" panose="020B0604020202020204" pitchFamily="34" charset="0"/>
-              <a:cs typeface="Arial" panose="020B0604020202020204" pitchFamily="34" charset="0"/>
-            </a:endParaRPr>
           </a:p>
           <a:p>
             <a:pPr algn="ctr"/>
@@ -8637,25 +10246,8 @@
                 <a:latin typeface="Arial" panose="020B0604020202020204" pitchFamily="34" charset="0"/>
                 <a:cs typeface="Arial" panose="020B0604020202020204" pitchFamily="34" charset="0"/>
               </a:rPr>
-              <a:t> </a:t>
+              <a:t> Requirements</a:t>
             </a:r>
-            <a:r>
-              <a:rPr lang="en-US" sz="2400" b="1" dirty="0" smtClean="0">
-                <a:solidFill>
-                  <a:schemeClr val="tx1"/>
-                </a:solidFill>
-                <a:latin typeface="Arial" panose="020B0604020202020204" pitchFamily="34" charset="0"/>
-                <a:cs typeface="Arial" panose="020B0604020202020204" pitchFamily="34" charset="0"/>
-              </a:rPr>
-              <a:t>Requirements</a:t>
-            </a:r>
-            <a:endParaRPr lang="en-US" sz="2400" b="1" dirty="0">
-              <a:solidFill>
-                <a:schemeClr val="tx1"/>
-              </a:solidFill>
-              <a:latin typeface="Arial" panose="020B0604020202020204" pitchFamily="34" charset="0"/>
-              <a:cs typeface="Arial" panose="020B0604020202020204" pitchFamily="34" charset="0"/>
-            </a:endParaRPr>
           </a:p>
           <a:p>
             <a:endParaRPr lang="en-US" sz="2400" b="1" dirty="0">
@@ -8679,56 +10271,10 @@
                 <a:latin typeface="Arial" panose="020B0604020202020204" pitchFamily="34" charset="0"/>
                 <a:cs typeface="Arial" panose="020B0604020202020204" pitchFamily="34" charset="0"/>
               </a:rPr>
-              <a:t> </a:t>
+              <a:t> Technologies</a:t>
             </a:r>
-            <a:r>
-              <a:rPr lang="en-US" sz="2400" b="1" dirty="0" smtClean="0">
-                <a:solidFill>
-                  <a:schemeClr val="tx1"/>
-                </a:solidFill>
-                <a:latin typeface="Arial" panose="020B0604020202020204" pitchFamily="34" charset="0"/>
-                <a:cs typeface="Arial" panose="020B0604020202020204" pitchFamily="34" charset="0"/>
-              </a:rPr>
-              <a:t>Technologies</a:t>
-            </a:r>
-          </a:p>
-          <a:p>
-            <a:endParaRPr lang="en-US" sz="2400" b="1" dirty="0" smtClean="0">
-              <a:solidFill>
-                <a:schemeClr val="tx1"/>
-              </a:solidFill>
-              <a:latin typeface="Arial" panose="020B0604020202020204" pitchFamily="34" charset="0"/>
-              <a:cs typeface="Arial" panose="020B0604020202020204" pitchFamily="34" charset="0"/>
-            </a:endParaRPr>
-          </a:p>
-          <a:p>
-            <a:pPr marL="285750" indent="-285750">
-              <a:buFont typeface="Wingdings" panose="05000000000000000000" pitchFamily="2" charset="2"/>
-              <a:buChar char="q"/>
-            </a:pPr>
-            <a:r>
-              <a:rPr lang="en-US" sz="2400" b="1" dirty="0" smtClean="0">
-                <a:solidFill>
-                  <a:schemeClr val="tx1"/>
-                </a:solidFill>
-                <a:latin typeface="Arial" panose="020B0604020202020204" pitchFamily="34" charset="0"/>
-                <a:cs typeface="Arial" panose="020B0604020202020204" pitchFamily="34" charset="0"/>
-              </a:rPr>
-              <a:t> Implementation process</a:t>
-            </a:r>
-            <a:endParaRPr lang="en-US" sz="2400" b="1" dirty="0">
-              <a:solidFill>
-                <a:schemeClr val="tx1"/>
-              </a:solidFill>
-              <a:latin typeface="Arial" panose="020B0604020202020204" pitchFamily="34" charset="0"/>
-              <a:cs typeface="Arial" panose="020B0604020202020204" pitchFamily="34" charset="0"/>
-            </a:endParaRPr>
-          </a:p>
-          <a:p>
-            <a:pPr marL="285750" indent="-285750">
-              <a:buFont typeface="Wingdings" panose="05000000000000000000" pitchFamily="2" charset="2"/>
-              <a:buChar char="q"/>
-            </a:pPr>
+          </a:p>
+          <a:p>
             <a:endParaRPr lang="en-US" sz="2400" b="1" dirty="0">
               <a:solidFill>
                 <a:schemeClr val="tx1"/>
@@ -8750,18 +10296,14 @@
                 <a:latin typeface="Arial" panose="020B0604020202020204" pitchFamily="34" charset="0"/>
                 <a:cs typeface="Arial" panose="020B0604020202020204" pitchFamily="34" charset="0"/>
               </a:rPr>
-              <a:t> </a:t>
+              <a:t> Implementation process</a:t>
             </a:r>
-            <a:r>
-              <a:rPr lang="en-US" sz="2400" b="1" dirty="0" smtClean="0">
-                <a:solidFill>
-                  <a:schemeClr val="tx1"/>
-                </a:solidFill>
-                <a:latin typeface="Arial" panose="020B0604020202020204" pitchFamily="34" charset="0"/>
-                <a:cs typeface="Arial" panose="020B0604020202020204" pitchFamily="34" charset="0"/>
-              </a:rPr>
-              <a:t>Conclusion</a:t>
-            </a:r>
+          </a:p>
+          <a:p>
+            <a:pPr marL="285750" indent="-285750">
+              <a:buFont typeface="Wingdings" panose="05000000000000000000" pitchFamily="2" charset="2"/>
+              <a:buChar char="q"/>
+            </a:pPr>
             <a:endParaRPr lang="en-US" sz="2400" b="1" dirty="0">
               <a:solidFill>
                 <a:schemeClr val="tx1"/>
@@ -8769,6 +10311,22 @@
               <a:latin typeface="Arial" panose="020B0604020202020204" pitchFamily="34" charset="0"/>
               <a:cs typeface="Arial" panose="020B0604020202020204" pitchFamily="34" charset="0"/>
             </a:endParaRPr>
+          </a:p>
+          <a:p>
+            <a:pPr marL="285750" indent="-285750">
+              <a:buFont typeface="Wingdings" panose="05000000000000000000" pitchFamily="2" charset="2"/>
+              <a:buChar char="q"/>
+            </a:pPr>
+            <a:r>
+              <a:rPr lang="en-US" sz="2400" b="1" dirty="0">
+                <a:solidFill>
+                  <a:schemeClr val="tx1"/>
+                </a:solidFill>
+                <a:latin typeface="Arial" panose="020B0604020202020204" pitchFamily="34" charset="0"/>
+                <a:cs typeface="Arial" panose="020B0604020202020204" pitchFamily="34" charset="0"/>
+              </a:rPr>
+              <a:t> Conclusion</a:t>
+            </a:r>
           </a:p>
         </p:txBody>
       </p:sp>
@@ -8806,13 +10364,6 @@
   <p:clrMapOvr>
     <a:masterClrMapping/>
   </p:clrMapOvr>
-  <p:timing>
-    <p:tnLst>
-      <p:par>
-        <p:cTn id="1" dur="indefinite" restart="never" nodeType="tmRoot"/>
-      </p:par>
-    </p:tnLst>
-  </p:timing>
 </p:sld>
 </file>
 
@@ -8955,7 +10506,7 @@
             <a:p>
               <a:pPr algn="ctr"/>
               <a:r>
-                <a:rPr lang="en-US" sz="3600" b="1" dirty="0" smtClean="0">
+                <a:rPr lang="en-US" sz="3600" b="1" dirty="0">
                   <a:solidFill>
                     <a:srgbClr val="0070C0"/>
                   </a:solidFill>
@@ -8964,13 +10515,6 @@
                 </a:rPr>
                 <a:t>Requirements</a:t>
               </a:r>
-              <a:endParaRPr lang="en-US" sz="3600" b="1" dirty="0">
-                <a:solidFill>
-                  <a:srgbClr val="0070C0"/>
-                </a:solidFill>
-                <a:latin typeface="Arial" panose="020B0604020202020204" pitchFamily="34" charset="0"/>
-                <a:cs typeface="Arial" panose="020B0604020202020204" pitchFamily="34" charset="0"/>
-              </a:endParaRPr>
             </a:p>
             <a:p>
               <a:pPr algn="ctr"/>
@@ -9099,20 +10643,10 @@
                 <a:latin typeface="Arial" panose="020B0604020202020204" pitchFamily="34" charset="0"/>
                 <a:cs typeface="Arial" panose="020B0604020202020204" pitchFamily="34" charset="0"/>
               </a:rPr>
-              <a:t> </a:t>
+              <a:t> Build an employee manager web UI with </a:t>
             </a:r>
             <a:r>
-              <a:rPr lang="en-US" sz="2400" b="1" dirty="0" smtClean="0">
-                <a:solidFill>
-                  <a:schemeClr val="tx1"/>
-                </a:solidFill>
-                <a:latin typeface="Arial" panose="020B0604020202020204" pitchFamily="34" charset="0"/>
-                <a:cs typeface="Arial" panose="020B0604020202020204" pitchFamily="34" charset="0"/>
-              </a:rPr>
-              <a:t>Build an employee manager web UI with </a:t>
-            </a:r>
-            <a:r>
-              <a:rPr lang="en-US" sz="2400" b="1" dirty="0" err="1" smtClean="0">
+              <a:rPr lang="en-US" sz="2400" b="1" dirty="0" err="1">
                 <a:solidFill>
                   <a:schemeClr val="tx1"/>
                 </a:solidFill>
@@ -9145,25 +10679,8 @@
                 <a:latin typeface="Arial" panose="020B0604020202020204" pitchFamily="34" charset="0"/>
                 <a:cs typeface="Arial" panose="020B0604020202020204" pitchFamily="34" charset="0"/>
               </a:rPr>
-              <a:t> </a:t>
+              <a:t> Responsive with multiple devices</a:t>
             </a:r>
-            <a:r>
-              <a:rPr lang="en-US" sz="2400" b="1" dirty="0" smtClean="0">
-                <a:solidFill>
-                  <a:schemeClr val="tx1"/>
-                </a:solidFill>
-                <a:latin typeface="Arial" panose="020B0604020202020204" pitchFamily="34" charset="0"/>
-                <a:cs typeface="Arial" panose="020B0604020202020204" pitchFamily="34" charset="0"/>
-              </a:rPr>
-              <a:t>Responsive with multiple devices</a:t>
-            </a:r>
-            <a:endParaRPr lang="en-US" sz="2400" b="1" dirty="0">
-              <a:solidFill>
-                <a:schemeClr val="tx1"/>
-              </a:solidFill>
-              <a:latin typeface="Arial" panose="020B0604020202020204" pitchFamily="34" charset="0"/>
-              <a:cs typeface="Arial" panose="020B0604020202020204" pitchFamily="34" charset="0"/>
-            </a:endParaRPr>
           </a:p>
           <a:p>
             <a:pPr marL="342900" indent="-342900">
@@ -9181,25 +10698,8 @@
                 <a:latin typeface="Arial" panose="020B0604020202020204" pitchFamily="34" charset="0"/>
                 <a:cs typeface="Arial" panose="020B0604020202020204" pitchFamily="34" charset="0"/>
               </a:rPr>
-              <a:t> </a:t>
+              <a:t> Fetch and cache data by react-query</a:t>
             </a:r>
-            <a:r>
-              <a:rPr lang="en-US" sz="2400" b="1" dirty="0" smtClean="0">
-                <a:solidFill>
-                  <a:schemeClr val="tx1"/>
-                </a:solidFill>
-                <a:latin typeface="Arial" panose="020B0604020202020204" pitchFamily="34" charset="0"/>
-                <a:cs typeface="Arial" panose="020B0604020202020204" pitchFamily="34" charset="0"/>
-              </a:rPr>
-              <a:t>Fetch and cache data by react-query</a:t>
-            </a:r>
-            <a:endParaRPr lang="en-US" sz="2400" b="1" dirty="0">
-              <a:solidFill>
-                <a:schemeClr val="tx1"/>
-              </a:solidFill>
-              <a:latin typeface="Arial" panose="020B0604020202020204" pitchFamily="34" charset="0"/>
-              <a:cs typeface="Arial" panose="020B0604020202020204" pitchFamily="34" charset="0"/>
-            </a:endParaRPr>
           </a:p>
           <a:p>
             <a:pPr marL="342900" indent="-342900">
@@ -9217,20 +10717,10 @@
                 <a:latin typeface="Arial" panose="020B0604020202020204" pitchFamily="34" charset="0"/>
                 <a:cs typeface="Arial" panose="020B0604020202020204" pitchFamily="34" charset="0"/>
               </a:rPr>
-              <a:t> </a:t>
+              <a:t> Manage the global state with </a:t>
             </a:r>
             <a:r>
-              <a:rPr lang="en-US" sz="2400" b="1" dirty="0" smtClean="0">
-                <a:solidFill>
-                  <a:schemeClr val="tx1"/>
-                </a:solidFill>
-                <a:latin typeface="Arial" panose="020B0604020202020204" pitchFamily="34" charset="0"/>
-                <a:cs typeface="Arial" panose="020B0604020202020204" pitchFamily="34" charset="0"/>
-              </a:rPr>
-              <a:t>Manage the global state with </a:t>
-            </a:r>
-            <a:r>
-              <a:rPr lang="en-US" sz="2400" b="1" dirty="0" err="1" smtClean="0">
+              <a:rPr lang="en-US" sz="2400" b="1" dirty="0" err="1">
                 <a:solidFill>
                   <a:schemeClr val="tx1"/>
                 </a:solidFill>
@@ -9299,13 +10789,6 @@
   <p:clrMapOvr>
     <a:masterClrMapping/>
   </p:clrMapOvr>
-  <p:timing>
-    <p:tnLst>
-      <p:par>
-        <p:cTn id="1" dur="indefinite" restart="never" nodeType="tmRoot"/>
-      </p:par>
-    </p:tnLst>
-  </p:timing>
 </p:sld>
 </file>
 
@@ -9448,7 +10931,7 @@
             <a:p>
               <a:pPr algn="ctr"/>
               <a:r>
-                <a:rPr lang="en-US" sz="3600" b="1" dirty="0" smtClean="0">
+                <a:rPr lang="en-US" sz="3600" b="1" dirty="0">
                   <a:solidFill>
                     <a:srgbClr val="0070C0"/>
                   </a:solidFill>
@@ -9457,13 +10940,6 @@
                 </a:rPr>
                 <a:t>Technologies</a:t>
               </a:r>
-              <a:endParaRPr lang="en-US" sz="3600" b="1" dirty="0">
-                <a:solidFill>
-                  <a:srgbClr val="0070C0"/>
-                </a:solidFill>
-                <a:latin typeface="Arial" panose="020B0604020202020204" pitchFamily="34" charset="0"/>
-                <a:cs typeface="Arial" panose="020B0604020202020204" pitchFamily="34" charset="0"/>
-              </a:endParaRPr>
             </a:p>
             <a:p>
               <a:pPr algn="ctr"/>
@@ -9595,7 +11071,7 @@
               <a:t> </a:t>
             </a:r>
             <a:r>
-              <a:rPr lang="en-US" sz="2400" b="1" dirty="0" err="1" smtClean="0">
+              <a:rPr lang="en-US" sz="2400" b="1" dirty="0" err="1">
                 <a:solidFill>
                   <a:schemeClr val="tx1"/>
                 </a:solidFill>
@@ -9605,7 +11081,7 @@
               <a:t>ReactJS</a:t>
             </a:r>
             <a:r>
-              <a:rPr lang="en-US" sz="2400" b="1" dirty="0" smtClean="0">
+              <a:rPr lang="en-US" sz="2400" b="1" dirty="0">
                 <a:solidFill>
                   <a:schemeClr val="tx1"/>
                 </a:solidFill>
@@ -9614,13 +11090,64 @@
               </a:rPr>
               <a:t> build a web UI</a:t>
             </a:r>
-            <a:endParaRPr lang="en-US" sz="2400" b="1" dirty="0">
-              <a:solidFill>
-                <a:schemeClr val="tx1"/>
-              </a:solidFill>
-              <a:latin typeface="Arial" panose="020B0604020202020204" pitchFamily="34" charset="0"/>
-              <a:cs typeface="Arial" panose="020B0604020202020204" pitchFamily="34" charset="0"/>
-            </a:endParaRPr>
+          </a:p>
+          <a:p>
+            <a:pPr marL="342900" indent="-342900">
+              <a:lnSpc>
+                <a:spcPct val="150000"/>
+              </a:lnSpc>
+              <a:buFont typeface="Wingdings" panose="05000000000000000000" pitchFamily="2" charset="2"/>
+              <a:buChar char="q"/>
+            </a:pPr>
+            <a:r>
+              <a:rPr lang="en-US" sz="2400" b="1" dirty="0">
+                <a:solidFill>
+                  <a:schemeClr val="tx1"/>
+                </a:solidFill>
+                <a:latin typeface="Arial" panose="020B0604020202020204" pitchFamily="34" charset="0"/>
+                <a:cs typeface="Arial" panose="020B0604020202020204" pitchFamily="34" charset="0"/>
+              </a:rPr>
+              <a:t> React-router-</a:t>
+            </a:r>
+            <a:r>
+              <a:rPr lang="en-US" sz="2400" b="1" dirty="0" err="1">
+                <a:solidFill>
+                  <a:schemeClr val="tx1"/>
+                </a:solidFill>
+                <a:latin typeface="Arial" panose="020B0604020202020204" pitchFamily="34" charset="0"/>
+                <a:cs typeface="Arial" panose="020B0604020202020204" pitchFamily="34" charset="0"/>
+              </a:rPr>
+              <a:t>dom</a:t>
+            </a:r>
+            <a:r>
+              <a:rPr lang="en-US" sz="2400" b="1" dirty="0">
+                <a:solidFill>
+                  <a:schemeClr val="tx1"/>
+                </a:solidFill>
+                <a:latin typeface="Arial" panose="020B0604020202020204" pitchFamily="34" charset="0"/>
+                <a:cs typeface="Arial" panose="020B0604020202020204" pitchFamily="34" charset="0"/>
+              </a:rPr>
+              <a:t> redirects the page</a:t>
+            </a:r>
+          </a:p>
+          <a:p>
+            <a:pPr marL="342900" indent="-342900">
+              <a:lnSpc>
+                <a:spcPct val="150000"/>
+              </a:lnSpc>
+              <a:buFont typeface="Wingdings" panose="05000000000000000000" pitchFamily="2" charset="2"/>
+              <a:buChar char="q"/>
+            </a:pPr>
+            <a:r>
+              <a:rPr lang="en-US" sz="2400" b="1" dirty="0">
+                <a:solidFill>
+                  <a:schemeClr val="tx1"/>
+                </a:solidFill>
+                <a:latin typeface="Arial" panose="020B0604020202020204" pitchFamily="34" charset="0"/>
+                <a:cs typeface="Arial" panose="020B0604020202020204" pitchFamily="34" charset="0"/>
+              </a:rPr>
+              <a:t> Styled-component style the components</a:t>
+            </a:r>
           </a:p>
           <a:p>
             <a:pPr marL="342900" indent="-342900">
@@ -9641,42 +11168,25 @@
               <a:t> </a:t>
             </a:r>
             <a:r>
-              <a:rPr lang="en-US" sz="2400" b="1" dirty="0" smtClean="0">
+              <a:rPr lang="en-US" sz="2400" b="1" dirty="0" err="1">
                 <a:solidFill>
                   <a:schemeClr val="tx1"/>
                 </a:solidFill>
                 <a:latin typeface="Arial" panose="020B0604020202020204" pitchFamily="34" charset="0"/>
                 <a:cs typeface="Arial" panose="020B0604020202020204" pitchFamily="34" charset="0"/>
               </a:rPr>
-              <a:t>React-router-</a:t>
+              <a:t>Formik</a:t>
             </a:r>
             <a:r>
-              <a:rPr lang="en-US" sz="2400" b="1" dirty="0" err="1" smtClean="0">
+              <a:rPr lang="en-US" sz="2400" b="1" dirty="0">
                 <a:solidFill>
                   <a:schemeClr val="tx1"/>
                 </a:solidFill>
                 <a:latin typeface="Arial" panose="020B0604020202020204" pitchFamily="34" charset="0"/>
                 <a:cs typeface="Arial" panose="020B0604020202020204" pitchFamily="34" charset="0"/>
               </a:rPr>
-              <a:t>dom</a:t>
+              <a:t> manages and validates the form</a:t>
             </a:r>
-            <a:r>
-              <a:rPr lang="en-US" sz="2400" b="1" dirty="0" smtClean="0">
-                <a:solidFill>
-                  <a:schemeClr val="tx1"/>
-                </a:solidFill>
-                <a:latin typeface="Arial" panose="020B0604020202020204" pitchFamily="34" charset="0"/>
-                <a:cs typeface="Arial" panose="020B0604020202020204" pitchFamily="34" charset="0"/>
-              </a:rPr>
-              <a:t> redirects the page</a:t>
-            </a:r>
-            <a:endParaRPr lang="en-US" sz="2400" b="1" dirty="0">
-              <a:solidFill>
-                <a:schemeClr val="tx1"/>
-              </a:solidFill>
-              <a:latin typeface="Arial" panose="020B0604020202020204" pitchFamily="34" charset="0"/>
-              <a:cs typeface="Arial" panose="020B0604020202020204" pitchFamily="34" charset="0"/>
-            </a:endParaRPr>
           </a:p>
           <a:p>
             <a:pPr marL="342900" indent="-342900">
@@ -9694,25 +11204,66 @@
                 <a:latin typeface="Arial" panose="020B0604020202020204" pitchFamily="34" charset="0"/>
                 <a:cs typeface="Arial" panose="020B0604020202020204" pitchFamily="34" charset="0"/>
               </a:rPr>
-              <a:t> </a:t>
+              <a:t>React-query fetches and caches the data</a:t>
             </a:r>
+          </a:p>
+          <a:p>
+            <a:pPr marL="342900" indent="-342900">
+              <a:lnSpc>
+                <a:spcPct val="150000"/>
+              </a:lnSpc>
+              <a:buFont typeface="Wingdings" panose="05000000000000000000" pitchFamily="2" charset="2"/>
+              <a:buChar char="q"/>
+            </a:pPr>
             <a:r>
-              <a:rPr lang="en-US" sz="2400" b="1" dirty="0" smtClean="0">
+              <a:rPr lang="en-US" sz="2400" b="1" dirty="0" err="1">
                 <a:solidFill>
                   <a:schemeClr val="tx1"/>
                 </a:solidFill>
                 <a:latin typeface="Arial" panose="020B0604020202020204" pitchFamily="34" charset="0"/>
                 <a:cs typeface="Arial" panose="020B0604020202020204" pitchFamily="34" charset="0"/>
               </a:rPr>
-              <a:t>Styled-component style the components</a:t>
+              <a:t>Valtio</a:t>
             </a:r>
-            <a:endParaRPr lang="en-US" sz="2400" b="1" dirty="0">
-              <a:solidFill>
-                <a:schemeClr val="tx1"/>
-              </a:solidFill>
-              <a:latin typeface="Arial" panose="020B0604020202020204" pitchFamily="34" charset="0"/>
-              <a:cs typeface="Arial" panose="020B0604020202020204" pitchFamily="34" charset="0"/>
-            </a:endParaRPr>
+            <a:r>
+              <a:rPr lang="en-US" sz="2400" b="1" dirty="0">
+                <a:solidFill>
+                  <a:schemeClr val="tx1"/>
+                </a:solidFill>
+                <a:latin typeface="Arial" panose="020B0604020202020204" pitchFamily="34" charset="0"/>
+                <a:cs typeface="Arial" panose="020B0604020202020204" pitchFamily="34" charset="0"/>
+              </a:rPr>
+              <a:t> manages the global state</a:t>
+            </a:r>
+          </a:p>
+          <a:p>
+            <a:pPr marL="342900" indent="-342900">
+              <a:lnSpc>
+                <a:spcPct val="150000"/>
+              </a:lnSpc>
+              <a:buFont typeface="Wingdings" panose="05000000000000000000" pitchFamily="2" charset="2"/>
+              <a:buChar char="q"/>
+            </a:pPr>
+            <a:r>
+              <a:rPr lang="en-US" sz="2400" b="1" dirty="0" err="1">
+                <a:solidFill>
+                  <a:schemeClr val="tx1"/>
+                </a:solidFill>
+                <a:latin typeface="Arial" panose="020B0604020202020204" pitchFamily="34" charset="0"/>
+                <a:cs typeface="Arial" panose="020B0604020202020204" pitchFamily="34" charset="0"/>
+              </a:rPr>
+              <a:t>Json</a:t>
+            </a:r>
+            <a:r>
+              <a:rPr lang="en-US" sz="2400" b="1" dirty="0">
+                <a:solidFill>
+                  <a:schemeClr val="tx1"/>
+                </a:solidFill>
+                <a:latin typeface="Arial" panose="020B0604020202020204" pitchFamily="34" charset="0"/>
+                <a:cs typeface="Arial" panose="020B0604020202020204" pitchFamily="34" charset="0"/>
+              </a:rPr>
+              <a:t>-server fake APIs</a:t>
+            </a:r>
           </a:p>
           <a:p>
             <a:pPr marL="342900" indent="-342900">
@@ -9724,122 +11275,6 @@
             </a:pPr>
             <a:r>
               <a:rPr lang="en-US" sz="2400" b="1" dirty="0">
-                <a:solidFill>
-                  <a:schemeClr val="tx1"/>
-                </a:solidFill>
-                <a:latin typeface="Arial" panose="020B0604020202020204" pitchFamily="34" charset="0"/>
-                <a:cs typeface="Arial" panose="020B0604020202020204" pitchFamily="34" charset="0"/>
-              </a:rPr>
-              <a:t> </a:t>
-            </a:r>
-            <a:r>
-              <a:rPr lang="en-US" sz="2400" b="1" dirty="0" err="1" smtClean="0">
-                <a:solidFill>
-                  <a:schemeClr val="tx1"/>
-                </a:solidFill>
-                <a:latin typeface="Arial" panose="020B0604020202020204" pitchFamily="34" charset="0"/>
-                <a:cs typeface="Arial" panose="020B0604020202020204" pitchFamily="34" charset="0"/>
-              </a:rPr>
-              <a:t>Formik</a:t>
-            </a:r>
-            <a:r>
-              <a:rPr lang="en-US" sz="2400" b="1" dirty="0" smtClean="0">
-                <a:solidFill>
-                  <a:schemeClr val="tx1"/>
-                </a:solidFill>
-                <a:latin typeface="Arial" panose="020B0604020202020204" pitchFamily="34" charset="0"/>
-                <a:cs typeface="Arial" panose="020B0604020202020204" pitchFamily="34" charset="0"/>
-              </a:rPr>
-              <a:t> manages and validates the form</a:t>
-            </a:r>
-          </a:p>
-          <a:p>
-            <a:pPr marL="342900" indent="-342900">
-              <a:lnSpc>
-                <a:spcPct val="150000"/>
-              </a:lnSpc>
-              <a:buFont typeface="Wingdings" panose="05000000000000000000" pitchFamily="2" charset="2"/>
-              <a:buChar char="q"/>
-            </a:pPr>
-            <a:r>
-              <a:rPr lang="en-US" sz="2400" b="1" dirty="0" smtClean="0">
-                <a:solidFill>
-                  <a:schemeClr val="tx1"/>
-                </a:solidFill>
-                <a:latin typeface="Arial" panose="020B0604020202020204" pitchFamily="34" charset="0"/>
-                <a:cs typeface="Arial" panose="020B0604020202020204" pitchFamily="34" charset="0"/>
-              </a:rPr>
-              <a:t>React-query fetches and caches the data</a:t>
-            </a:r>
-          </a:p>
-          <a:p>
-            <a:pPr marL="342900" indent="-342900">
-              <a:lnSpc>
-                <a:spcPct val="150000"/>
-              </a:lnSpc>
-              <a:buFont typeface="Wingdings" panose="05000000000000000000" pitchFamily="2" charset="2"/>
-              <a:buChar char="q"/>
-            </a:pPr>
-            <a:r>
-              <a:rPr lang="en-US" sz="2400" b="1" dirty="0" err="1" smtClean="0">
-                <a:solidFill>
-                  <a:schemeClr val="tx1"/>
-                </a:solidFill>
-                <a:latin typeface="Arial" panose="020B0604020202020204" pitchFamily="34" charset="0"/>
-                <a:cs typeface="Arial" panose="020B0604020202020204" pitchFamily="34" charset="0"/>
-              </a:rPr>
-              <a:t>Valtio</a:t>
-            </a:r>
-            <a:r>
-              <a:rPr lang="en-US" sz="2400" b="1" dirty="0" smtClean="0">
-                <a:solidFill>
-                  <a:schemeClr val="tx1"/>
-                </a:solidFill>
-                <a:latin typeface="Arial" panose="020B0604020202020204" pitchFamily="34" charset="0"/>
-                <a:cs typeface="Arial" panose="020B0604020202020204" pitchFamily="34" charset="0"/>
-              </a:rPr>
-              <a:t> manages the global state</a:t>
-            </a:r>
-          </a:p>
-          <a:p>
-            <a:pPr marL="342900" indent="-342900">
-              <a:lnSpc>
-                <a:spcPct val="150000"/>
-              </a:lnSpc>
-              <a:buFont typeface="Wingdings" panose="05000000000000000000" pitchFamily="2" charset="2"/>
-              <a:buChar char="q"/>
-            </a:pPr>
-            <a:r>
-              <a:rPr lang="en-US" sz="2400" b="1" dirty="0" err="1" smtClean="0">
-                <a:solidFill>
-                  <a:schemeClr val="tx1"/>
-                </a:solidFill>
-                <a:latin typeface="Arial" panose="020B0604020202020204" pitchFamily="34" charset="0"/>
-                <a:cs typeface="Arial" panose="020B0604020202020204" pitchFamily="34" charset="0"/>
-              </a:rPr>
-              <a:t>Json</a:t>
-            </a:r>
-            <a:r>
-              <a:rPr lang="en-US" sz="2400" b="1" dirty="0" smtClean="0">
-                <a:solidFill>
-                  <a:schemeClr val="tx1"/>
-                </a:solidFill>
-                <a:latin typeface="Arial" panose="020B0604020202020204" pitchFamily="34" charset="0"/>
-                <a:cs typeface="Arial" panose="020B0604020202020204" pitchFamily="34" charset="0"/>
-              </a:rPr>
-              <a:t>-server fake APIs</a:t>
-            </a:r>
-          </a:p>
-          <a:p>
-            <a:pPr marL="342900" indent="-342900">
-              <a:lnSpc>
-                <a:spcPct val="150000"/>
-              </a:lnSpc>
-              <a:buFont typeface="Wingdings" panose="05000000000000000000" pitchFamily="2" charset="2"/>
-              <a:buChar char="q"/>
-            </a:pPr>
-            <a:r>
-              <a:rPr lang="en-US" sz="2400" b="1" dirty="0" smtClean="0">
                 <a:solidFill>
                   <a:schemeClr val="tx1"/>
                 </a:solidFill>
@@ -10093,13 +11528,6 @@
   <p:clrMapOvr>
     <a:masterClrMapping/>
   </p:clrMapOvr>
-  <p:timing>
-    <p:tnLst>
-      <p:par>
-        <p:cTn id="1" dur="indefinite" restart="never" nodeType="tmRoot"/>
-      </p:par>
-    </p:tnLst>
-  </p:timing>
 </p:sld>
 </file>
 
@@ -10242,7 +11670,7 @@
             <a:p>
               <a:pPr algn="ctr"/>
               <a:r>
-                <a:rPr lang="en-US" sz="3600" b="1" dirty="0" smtClean="0">
+                <a:rPr lang="en-US" sz="3600" b="1" dirty="0">
                   <a:solidFill>
                     <a:srgbClr val="0070C0"/>
                   </a:solidFill>
@@ -10251,13 +11679,6 @@
                 </a:rPr>
                 <a:t>Implementation process</a:t>
               </a:r>
-              <a:endParaRPr lang="en-US" sz="3600" b="1" dirty="0">
-                <a:solidFill>
-                  <a:srgbClr val="0070C0"/>
-                </a:solidFill>
-                <a:latin typeface="Arial" panose="020B0604020202020204" pitchFamily="34" charset="0"/>
-                <a:cs typeface="Arial" panose="020B0604020202020204" pitchFamily="34" charset="0"/>
-              </a:endParaRPr>
             </a:p>
             <a:p>
               <a:pPr algn="ctr"/>
@@ -10604,7 +12025,7 @@
           <a:p>
             <a:pPr algn="ctr"/>
             <a:r>
-              <a:rPr lang="en-US" altLang="ko-KR" sz="1200" dirty="0" smtClean="0">
+              <a:rPr lang="en-US" altLang="ko-KR" sz="1200" dirty="0">
                 <a:solidFill>
                   <a:schemeClr val="tx1">
                     <a:lumMod val="85000"/>
@@ -10617,7 +12038,7 @@
               <a:t>Create a project with the </a:t>
             </a:r>
             <a:r>
-              <a:rPr lang="en-US" altLang="ko-KR" sz="1200" dirty="0" err="1" smtClean="0">
+              <a:rPr lang="en-US" altLang="ko-KR" sz="1200" dirty="0" err="1">
                 <a:solidFill>
                   <a:schemeClr val="tx1">
                     <a:lumMod val="85000"/>
@@ -10630,7 +12051,7 @@
               <a:t>npx</a:t>
             </a:r>
             <a:r>
-              <a:rPr lang="en-US" altLang="ko-KR" sz="1200" dirty="0" smtClean="0">
+              <a:rPr lang="en-US" altLang="ko-KR" sz="1200" dirty="0">
                 <a:solidFill>
                   <a:schemeClr val="tx1">
                     <a:lumMod val="85000"/>
@@ -10688,7 +12109,7 @@
           <a:p>
             <a:pPr algn="ctr"/>
             <a:r>
-              <a:rPr lang="en-US" altLang="ko-KR" sz="1200" dirty="0" smtClean="0">
+              <a:rPr lang="en-US" altLang="ko-KR" sz="1200" dirty="0">
                 <a:solidFill>
                   <a:schemeClr val="tx1">
                     <a:lumMod val="85000"/>
@@ -10746,7 +12167,7 @@
           <a:p>
             <a:pPr algn="ctr"/>
             <a:r>
-              <a:rPr lang="en-US" altLang="ko-KR" sz="1200" dirty="0" smtClean="0">
+              <a:rPr lang="en-US" altLang="ko-KR" sz="1200" dirty="0">
                 <a:solidFill>
                   <a:schemeClr val="tx1">
                     <a:lumMod val="85000"/>
@@ -10759,7 +12180,7 @@
               <a:t>Use the react-query to fetch and cache data. Use </a:t>
             </a:r>
             <a:r>
-              <a:rPr lang="en-US" altLang="ko-KR" sz="1200" dirty="0" err="1" smtClean="0">
+              <a:rPr lang="en-US" altLang="ko-KR" sz="1200" dirty="0" err="1">
                 <a:solidFill>
                   <a:schemeClr val="tx1">
                     <a:lumMod val="85000"/>
@@ -10772,7 +12193,7 @@
               <a:t>valtio</a:t>
             </a:r>
             <a:r>
-              <a:rPr lang="en-US" altLang="ko-KR" sz="1200" dirty="0" smtClean="0">
+              <a:rPr lang="en-US" altLang="ko-KR" sz="1200" dirty="0">
                 <a:solidFill>
                   <a:schemeClr val="tx1">
                     <a:lumMod val="85000"/>
@@ -10830,7 +12251,7 @@
           <a:p>
             <a:pPr algn="ctr"/>
             <a:r>
-              <a:rPr lang="en-US" altLang="ko-KR" sz="1200" dirty="0" smtClean="0">
+              <a:rPr lang="en-US" altLang="ko-KR" sz="1200" dirty="0">
                 <a:solidFill>
                   <a:schemeClr val="tx1">
                     <a:lumMod val="85000"/>
@@ -13238,7 +14659,7 @@
           <a:p>
             <a:pPr algn="ctr"/>
             <a:r>
-              <a:rPr lang="en-US" altLang="ko-KR" sz="1400" b="1" dirty="0" smtClean="0">
+              <a:rPr lang="en-US" altLang="ko-KR" sz="1400" b="1" dirty="0">
                 <a:solidFill>
                   <a:schemeClr val="tx1">
                     <a:lumMod val="85000"/>
@@ -13264,20 +14685,7 @@
                 <a:latin typeface="Arial" panose="020B0604020202020204" pitchFamily="34" charset="0"/>
                 <a:cs typeface="Arial" panose="020B0604020202020204" pitchFamily="34" charset="0"/>
               </a:rPr>
-              <a:t>a</a:t>
-            </a:r>
-            <a:r>
-              <a:rPr lang="en-US" altLang="ko-KR" sz="1400" b="1" dirty="0" smtClean="0">
-                <a:solidFill>
-                  <a:schemeClr val="tx1">
-                    <a:lumMod val="85000"/>
-                    <a:lumOff val="15000"/>
-                  </a:schemeClr>
-                </a:solidFill>
-                <a:latin typeface="Arial" panose="020B0604020202020204" pitchFamily="34" charset="0"/>
-                <a:cs typeface="Arial" panose="020B0604020202020204" pitchFamily="34" charset="0"/>
-              </a:rPr>
-              <a:t>nd install frameworks</a:t>
+              <a:t>and install frameworks</a:t>
             </a:r>
             <a:endParaRPr lang="ko-KR" altLang="en-US" sz="1400" b="1" dirty="0">
               <a:solidFill>
@@ -13322,7 +14730,7 @@
           <a:p>
             <a:pPr algn="ctr"/>
             <a:r>
-              <a:rPr lang="en-US" altLang="ko-KR" sz="1400" b="1" dirty="0" smtClean="0">
+              <a:rPr lang="en-US" altLang="ko-KR" sz="1400" b="1" dirty="0">
                 <a:solidFill>
                   <a:schemeClr val="tx1">
                     <a:lumMod val="85000"/>
@@ -13338,7 +14746,7 @@
           <a:p>
             <a:pPr algn="ctr"/>
             <a:r>
-              <a:rPr lang="en-US" altLang="ko-KR" sz="1400" b="1" dirty="0" smtClean="0">
+              <a:rPr lang="en-US" altLang="ko-KR" sz="1400" b="1" dirty="0">
                 <a:solidFill>
                   <a:schemeClr val="tx1">
                     <a:lumMod val="85000"/>
@@ -13393,7 +14801,7 @@
           <a:p>
             <a:pPr algn="ctr"/>
             <a:r>
-              <a:rPr lang="en-US" altLang="ko-KR" sz="1300" b="1" dirty="0" smtClean="0">
+              <a:rPr lang="en-US" altLang="ko-KR" sz="1300" b="1" dirty="0">
                 <a:solidFill>
                   <a:schemeClr val="tx1">
                     <a:lumMod val="85000"/>
@@ -13448,7 +14856,7 @@
           <a:p>
             <a:pPr algn="ctr"/>
             <a:r>
-              <a:rPr lang="en-US" altLang="ko-KR" sz="1400" b="1" dirty="0" smtClean="0">
+              <a:rPr lang="en-US" altLang="ko-KR" sz="1400" b="1" dirty="0">
                 <a:solidFill>
                   <a:schemeClr val="tx1">
                     <a:lumMod val="85000"/>
@@ -13464,7 +14872,7 @@
           <a:p>
             <a:pPr algn="ctr"/>
             <a:r>
-              <a:rPr lang="en-US" altLang="ko-KR" sz="1400" b="1" dirty="0" smtClean="0">
+              <a:rPr lang="en-US" altLang="ko-KR" sz="1400" b="1" dirty="0">
                 <a:solidFill>
                   <a:schemeClr val="tx1">
                     <a:lumMod val="85000"/>
@@ -15198,13 +16606,6 @@
   <p:clrMapOvr>
     <a:masterClrMapping/>
   </p:clrMapOvr>
-  <p:timing>
-    <p:tnLst>
-      <p:par>
-        <p:cTn id="1" dur="indefinite" restart="never" nodeType="tmRoot"/>
-      </p:par>
-    </p:tnLst>
-  </p:timing>
 </p:sld>
 </file>
 
@@ -15241,7 +16642,13 @@
       </p:grpSpPr>
       <p:pic>
         <p:nvPicPr>
-          <p:cNvPr id="21" name="Picture 20"/>
+          <p:cNvPr id="7" name="Picture 6">
+            <a:extLst>
+              <a:ext uri="{FF2B5EF4-FFF2-40B4-BE49-F238E27FC236}">
+                <a16:creationId xmlns:a16="http://schemas.microsoft.com/office/drawing/2014/main" id="{4AEDF59A-791F-43F3-BB75-027600EEBED2}"/>
+              </a:ext>
+            </a:extLst>
+          </p:cNvPr>
           <p:cNvPicPr>
             <a:picLocks noChangeAspect="1"/>
           </p:cNvPicPr>
@@ -15255,20 +16662,12 @@
         </p:blipFill>
         <p:spPr>
           <a:xfrm>
-            <a:off x="166505" y="1898154"/>
-            <a:ext cx="8084448" cy="3585571"/>
+            <a:off x="166506" y="1888776"/>
+            <a:ext cx="8084448" cy="3784671"/>
           </a:xfrm>
           <a:prstGeom prst="rect">
             <a:avLst/>
           </a:prstGeom>
-          <a:ln>
-            <a:solidFill>
-              <a:schemeClr val="accent3">
-                <a:lumMod val="20000"/>
-                <a:lumOff val="80000"/>
-              </a:schemeClr>
-            </a:solidFill>
-          </a:ln>
         </p:spPr>
       </p:pic>
       <p:sp>
@@ -15419,7 +16818,7 @@
             <a:p>
               <a:pPr algn="ctr"/>
               <a:r>
-                <a:rPr lang="en-US" sz="3600" b="1" dirty="0" smtClean="0">
+                <a:rPr lang="en-US" sz="3600" b="1" dirty="0">
                   <a:solidFill>
                     <a:srgbClr val="0070C0"/>
                   </a:solidFill>
@@ -15428,13 +16827,6 @@
                 </a:rPr>
                 <a:t>Implementation process</a:t>
               </a:r>
-              <a:endParaRPr lang="en-US" sz="3600" b="1" dirty="0">
-                <a:solidFill>
-                  <a:srgbClr val="0070C0"/>
-                </a:solidFill>
-                <a:latin typeface="Arial" panose="020B0604020202020204" pitchFamily="34" charset="0"/>
-                <a:cs typeface="Arial" panose="020B0604020202020204" pitchFamily="34" charset="0"/>
-              </a:endParaRPr>
             </a:p>
             <a:p>
               <a:pPr algn="ctr"/>
@@ -15534,7 +16926,7 @@
           <a:p>
             <a:pPr algn="ctr"/>
             <a:r>
-              <a:rPr lang="en-US" sz="1300" dirty="0" smtClean="0">
+              <a:rPr lang="en-US" sz="1300" dirty="0">
                 <a:solidFill>
                   <a:schemeClr val="tx1"/>
                 </a:solidFill>
@@ -15543,13 +16935,6 @@
               </a:rPr>
               <a:t>Employee page</a:t>
             </a:r>
-            <a:endParaRPr lang="en-US" sz="1300" dirty="0">
-              <a:solidFill>
-                <a:schemeClr val="tx1"/>
-              </a:solidFill>
-              <a:latin typeface="Arial" panose="020B0604020202020204" pitchFamily="34" charset="0"/>
-              <a:cs typeface="Arial" panose="020B0604020202020204" pitchFamily="34" charset="0"/>
-            </a:endParaRPr>
           </a:p>
         </p:txBody>
       </p:sp>
@@ -15630,49 +17015,8 @@
                 <a:ea typeface="Montserrat"/>
                 <a:cs typeface="Arial" panose="020B0604020202020204" pitchFamily="34" charset="0"/>
               </a:rPr>
-              <a:t>Add and </a:t>
+              <a:t>Add and delete employee selected</a:t>
             </a:r>
-            <a:r>
-              <a:rPr lang="en-US" sz="1200" dirty="0" smtClean="0">
-                <a:solidFill>
-                  <a:srgbClr val="454F5B"/>
-                </a:solidFill>
-                <a:latin typeface="Arial" panose="020B0604020202020204" pitchFamily="34" charset="0"/>
-                <a:ea typeface="Montserrat"/>
-                <a:cs typeface="Arial" panose="020B0604020202020204" pitchFamily="34" charset="0"/>
-              </a:rPr>
-              <a:t>delete </a:t>
-            </a:r>
-            <a:r>
-              <a:rPr lang="en-US" sz="1200" dirty="0">
-                <a:solidFill>
-                  <a:srgbClr val="454F5B"/>
-                </a:solidFill>
-                <a:latin typeface="Arial" panose="020B0604020202020204" pitchFamily="34" charset="0"/>
-                <a:ea typeface="Montserrat"/>
-                <a:cs typeface="Arial" panose="020B0604020202020204" pitchFamily="34" charset="0"/>
-              </a:rPr>
-              <a:t>employee </a:t>
-            </a:r>
-            <a:r>
-              <a:rPr lang="en-US" sz="1200" dirty="0" smtClean="0">
-                <a:solidFill>
-                  <a:srgbClr val="454F5B"/>
-                </a:solidFill>
-                <a:latin typeface="Arial" panose="020B0604020202020204" pitchFamily="34" charset="0"/>
-                <a:ea typeface="Montserrat"/>
-                <a:cs typeface="Arial" panose="020B0604020202020204" pitchFamily="34" charset="0"/>
-              </a:rPr>
-              <a:t>selected</a:t>
-            </a:r>
-            <a:endParaRPr lang="en-US" sz="1200" dirty="0">
-              <a:solidFill>
-                <a:srgbClr val="454F5B"/>
-              </a:solidFill>
-              <a:latin typeface="Arial" panose="020B0604020202020204" pitchFamily="34" charset="0"/>
-              <a:ea typeface="Montserrat"/>
-              <a:cs typeface="Arial" panose="020B0604020202020204" pitchFamily="34" charset="0"/>
-            </a:endParaRPr>
           </a:p>
         </p:txBody>
       </p:sp>
@@ -15720,7 +17064,7 @@
         </p:nvSpPr>
         <p:spPr>
           <a:xfrm>
-            <a:off x="8563787" y="3634624"/>
+            <a:off x="8672263" y="3889008"/>
             <a:ext cx="1806257" cy="461665"/>
           </a:xfrm>
           <a:prstGeom prst="rect">
@@ -15735,7 +17079,7 @@
           <a:lstStyle/>
           <a:p>
             <a:r>
-              <a:rPr lang="en-US" sz="1200" dirty="0" smtClean="0">
+              <a:rPr lang="en-US" sz="1200" dirty="0">
                 <a:solidFill>
                   <a:srgbClr val="454F5B"/>
                 </a:solidFill>
@@ -15745,14 +17089,6 @@
               </a:rPr>
               <a:t>View detail and delete employee</a:t>
             </a:r>
-            <a:endParaRPr lang="en-US" sz="1200" dirty="0">
-              <a:solidFill>
-                <a:srgbClr val="454F5B"/>
-              </a:solidFill>
-              <a:latin typeface="Arial" panose="020B0604020202020204" pitchFamily="34" charset="0"/>
-              <a:ea typeface="Montserrat"/>
-              <a:cs typeface="Arial" panose="020B0604020202020204" pitchFamily="34" charset="0"/>
-            </a:endParaRPr>
           </a:p>
         </p:txBody>
       </p:sp>
@@ -15764,7 +17100,7 @@
         </p:nvSpPr>
         <p:spPr>
           <a:xfrm>
-            <a:off x="7076549" y="4186598"/>
+            <a:off x="7276848" y="4291102"/>
             <a:ext cx="574713" cy="266831"/>
           </a:xfrm>
           <a:prstGeom prst="roundRect">
@@ -15813,8 +17149,8 @@
         </p:nvCxnSpPr>
         <p:spPr>
           <a:xfrm flipV="1">
-            <a:off x="7651262" y="3865457"/>
-            <a:ext cx="912525" cy="454557"/>
+            <a:off x="7851561" y="4119841"/>
+            <a:ext cx="820702" cy="304677"/>
           </a:xfrm>
           <a:prstGeom prst="curvedConnector3">
             <a:avLst/>
@@ -15846,7 +17182,7 @@
         </p:nvSpPr>
         <p:spPr>
           <a:xfrm>
-            <a:off x="6646704" y="5081496"/>
+            <a:off x="6646704" y="5246959"/>
             <a:ext cx="1653236" cy="407109"/>
           </a:xfrm>
           <a:prstGeom prst="roundRect">
@@ -15907,7 +17243,7 @@
           <a:lstStyle/>
           <a:p>
             <a:r>
-              <a:rPr lang="en-US" sz="1200" dirty="0" smtClean="0">
+              <a:rPr lang="en-US" sz="1200" dirty="0">
                 <a:solidFill>
                   <a:srgbClr val="454F5B"/>
                 </a:solidFill>
@@ -15917,14 +17253,6 @@
               </a:rPr>
               <a:t>Pagination employees</a:t>
             </a:r>
-            <a:endParaRPr lang="en-US" sz="1200" dirty="0">
-              <a:solidFill>
-                <a:srgbClr val="454F5B"/>
-              </a:solidFill>
-              <a:latin typeface="Arial" panose="020B0604020202020204" pitchFamily="34" charset="0"/>
-              <a:ea typeface="Montserrat"/>
-              <a:cs typeface="Arial" panose="020B0604020202020204" pitchFamily="34" charset="0"/>
-            </a:endParaRPr>
           </a:p>
         </p:txBody>
       </p:sp>
@@ -15940,7 +17268,7 @@
         <p:spPr>
           <a:xfrm flipV="1">
             <a:off x="8299940" y="4969306"/>
-            <a:ext cx="1166976" cy="315745"/>
+            <a:ext cx="1166976" cy="481208"/>
           </a:xfrm>
           <a:prstGeom prst="curvedConnector2">
             <a:avLst/>
@@ -16018,7 +17346,7 @@
         </p:nvSpPr>
         <p:spPr>
           <a:xfrm>
-            <a:off x="6456870" y="3065325"/>
+            <a:off x="1704042" y="2569676"/>
             <a:ext cx="2032903" cy="276999"/>
           </a:xfrm>
           <a:prstGeom prst="rect">
@@ -16033,7 +17361,7 @@
           <a:lstStyle/>
           <a:p>
             <a:r>
-              <a:rPr lang="en-US" sz="1200" dirty="0" smtClean="0">
+              <a:rPr lang="en-US" sz="1200" dirty="0">
                 <a:solidFill>
                   <a:srgbClr val="454F5B"/>
                 </a:solidFill>
@@ -16043,14 +17371,6 @@
               </a:rPr>
               <a:t>Search employee by name</a:t>
             </a:r>
-            <a:endParaRPr lang="en-US" sz="1200" dirty="0">
-              <a:solidFill>
-                <a:srgbClr val="454F5B"/>
-              </a:solidFill>
-              <a:latin typeface="Arial" panose="020B0604020202020204" pitchFamily="34" charset="0"/>
-              <a:ea typeface="Montserrat"/>
-              <a:cs typeface="Arial" panose="020B0604020202020204" pitchFamily="34" charset="0"/>
-            </a:endParaRPr>
           </a:p>
         </p:txBody>
       </p:sp>
@@ -16058,18 +17378,21 @@
         <p:nvCxnSpPr>
           <p:cNvPr id="41" name="Curved Connector 40"/>
           <p:cNvCxnSpPr>
-            <a:stCxn id="38" idx="3"/>
+            <a:cxnSpLocks/>
+            <a:stCxn id="38" idx="1"/>
             <a:endCxn id="40" idx="1"/>
           </p:cNvCxnSpPr>
           <p:nvPr/>
         </p:nvCxnSpPr>
         <p:spPr>
-          <a:xfrm flipV="1">
-            <a:off x="5369169" y="3203825"/>
-            <a:ext cx="1087701" cy="38890"/>
+          <a:xfrm rot="10800000">
+            <a:off x="1704042" y="2708177"/>
+            <a:ext cx="1347130" cy="534539"/>
           </a:xfrm>
           <a:prstGeom prst="curvedConnector3">
-            <a:avLst/>
+            <a:avLst>
+              <a:gd name="adj1" fmla="val 116969"/>
+            </a:avLst>
           </a:prstGeom>
           <a:ln>
             <a:tailEnd type="triangle"/>
@@ -16098,7 +17421,7 @@
         </p:nvSpPr>
         <p:spPr>
           <a:xfrm>
-            <a:off x="289169" y="5720200"/>
+            <a:off x="289169" y="5789872"/>
             <a:ext cx="5494215" cy="981761"/>
           </a:xfrm>
           <a:prstGeom prst="rect">
@@ -16130,16 +17453,6 @@
           <a:lstStyle/>
           <a:p>
             <a:r>
-              <a:rPr lang="en-US" sz="1300" dirty="0" smtClean="0">
-                <a:solidFill>
-                  <a:schemeClr val="tx1"/>
-                </a:solidFill>
-                <a:latin typeface="Arial" panose="020B0604020202020204" pitchFamily="34" charset="0"/>
-                <a:cs typeface="Arial" panose="020B0604020202020204" pitchFamily="34" charset="0"/>
-              </a:rPr>
-              <a:t>Above </a:t>
-            </a:r>
-            <a:r>
               <a:rPr lang="en-US" sz="1300" dirty="0">
                 <a:solidFill>
                   <a:schemeClr val="tx1"/>
@@ -16147,7 +17460,29 @@
                 <a:latin typeface="Arial" panose="020B0604020202020204" pitchFamily="34" charset="0"/>
                 <a:cs typeface="Arial" panose="020B0604020202020204" pitchFamily="34" charset="0"/>
               </a:rPr>
-              <a:t>is the UI of the employee page, we can search employees by name, and the result will pagination. We can create a new employee, delete employees by selected checkbox, can go to the employee detail.</a:t>
+              <a:t>Above is the UI of the employee page, we can search employees by name, and the result will pagination. We can create a new employee, delete employees by selected checkbox, can go to the employee </a:t>
+            </a:r>
+            <a:r>
+              <a:rPr lang="en-US" sz="1300">
+                <a:solidFill>
+                  <a:schemeClr val="tx1"/>
+                </a:solidFill>
+                <a:latin typeface="Arial" panose="020B0604020202020204" pitchFamily="34" charset="0"/>
+                <a:cs typeface="Arial" panose="020B0604020202020204" pitchFamily="34" charset="0"/>
+              </a:rPr>
+              <a:t>detail.</a:t>
+            </a:r>
+          </a:p>
+          <a:p>
+            <a:r>
+              <a:rPr lang="en-US" sz="1300">
+                <a:solidFill>
+                  <a:schemeClr val="tx1"/>
+                </a:solidFill>
+                <a:latin typeface="Arial" panose="020B0604020202020204" pitchFamily="34" charset="0"/>
+                <a:cs typeface="Arial" panose="020B0604020202020204" pitchFamily="34" charset="0"/>
+              </a:rPr>
+              <a:t>We can set employees per page, select columns to display in UI, sort employee list by column(asc, desc).</a:t>
             </a:r>
             <a:endParaRPr lang="en-US" sz="1300" dirty="0">
               <a:solidFill>
@@ -16167,7 +17502,7 @@
         </p:nvSpPr>
         <p:spPr>
           <a:xfrm rot="16200000">
-            <a:off x="132708" y="4249954"/>
+            <a:off x="-93720" y="4310917"/>
             <a:ext cx="1080535" cy="358168"/>
           </a:xfrm>
           <a:prstGeom prst="roundRect">
@@ -16228,7 +17563,7 @@
           <a:lstStyle/>
           <a:p>
             <a:r>
-              <a:rPr lang="en-US" sz="1200" dirty="0" smtClean="0">
+              <a:rPr lang="en-US" sz="1200" dirty="0">
                 <a:solidFill>
                   <a:srgbClr val="454F5B"/>
                 </a:solidFill>
@@ -16236,38 +17571,8 @@
                 <a:ea typeface="Montserrat"/>
                 <a:cs typeface="Arial" panose="020B0604020202020204" pitchFamily="34" charset="0"/>
               </a:rPr>
-              <a:t>Select </a:t>
+              <a:t>Select employee to delete</a:t>
             </a:r>
-            <a:r>
-              <a:rPr lang="en-US" sz="1200" dirty="0" smtClean="0">
-                <a:solidFill>
-                  <a:srgbClr val="454F5B"/>
-                </a:solidFill>
-                <a:latin typeface="Arial" panose="020B0604020202020204" pitchFamily="34" charset="0"/>
-                <a:ea typeface="Montserrat"/>
-                <a:cs typeface="Arial" panose="020B0604020202020204" pitchFamily="34" charset="0"/>
-              </a:rPr>
-              <a:t>employee</a:t>
-            </a:r>
-            <a:r>
-              <a:rPr lang="en-US" sz="1200" dirty="0" smtClean="0">
-                <a:solidFill>
-                  <a:srgbClr val="454F5B"/>
-                </a:solidFill>
-                <a:latin typeface="Arial" panose="020B0604020202020204" pitchFamily="34" charset="0"/>
-                <a:ea typeface="Montserrat"/>
-                <a:cs typeface="Arial" panose="020B0604020202020204" pitchFamily="34" charset="0"/>
-              </a:rPr>
-              <a:t> to delete</a:t>
-            </a:r>
-            <a:endParaRPr lang="en-US" sz="1200" dirty="0">
-              <a:solidFill>
-                <a:srgbClr val="454F5B"/>
-              </a:solidFill>
-              <a:latin typeface="Arial" panose="020B0604020202020204" pitchFamily="34" charset="0"/>
-              <a:ea typeface="Montserrat"/>
-              <a:cs typeface="Arial" panose="020B0604020202020204" pitchFamily="34" charset="0"/>
-            </a:endParaRPr>
           </a:p>
         </p:txBody>
       </p:sp>
@@ -16275,14 +17580,16 @@
         <p:nvCxnSpPr>
           <p:cNvPr id="20" name="Curved Connector 19"/>
           <p:cNvCxnSpPr>
+            <a:cxnSpLocks/>
             <a:stCxn id="28" idx="3"/>
+            <a:endCxn id="32" idx="1"/>
           </p:cNvCxnSpPr>
           <p:nvPr/>
         </p:nvCxnSpPr>
         <p:spPr>
           <a:xfrm rot="5400000" flipH="1" flipV="1">
-            <a:off x="849716" y="3597440"/>
-            <a:ext cx="114591" cy="468073"/>
+            <a:off x="679889" y="3442702"/>
+            <a:ext cx="273691" cy="740374"/>
           </a:xfrm>
           <a:prstGeom prst="curvedConnector2">
             <a:avLst/>
@@ -16375,7 +17682,7 @@
           <a:lstStyle/>
           <a:p>
             <a:r>
-              <a:rPr lang="en-US" sz="1200" dirty="0" smtClean="0">
+              <a:rPr lang="en-US" sz="1200" dirty="0">
                 <a:solidFill>
                   <a:srgbClr val="454F5B"/>
                 </a:solidFill>
@@ -16385,14 +17692,6 @@
               </a:rPr>
               <a:t>Change theme</a:t>
             </a:r>
-            <a:endParaRPr lang="en-US" sz="1200" dirty="0">
-              <a:solidFill>
-                <a:srgbClr val="454F5B"/>
-              </a:solidFill>
-              <a:latin typeface="Arial" panose="020B0604020202020204" pitchFamily="34" charset="0"/>
-              <a:ea typeface="Montserrat"/>
-              <a:cs typeface="Arial" panose="020B0604020202020204" pitchFamily="34" charset="0"/>
-            </a:endParaRPr>
           </a:p>
         </p:txBody>
       </p:sp>
@@ -16432,6 +17731,438 @@
           </a:fontRef>
         </p:style>
       </p:cxnSp>
+      <p:sp>
+        <p:nvSpPr>
+          <p:cNvPr id="34" name="Rounded Rectangle 27">
+            <a:extLst>
+              <a:ext uri="{FF2B5EF4-FFF2-40B4-BE49-F238E27FC236}">
+                <a16:creationId xmlns:a16="http://schemas.microsoft.com/office/drawing/2014/main" id="{91BC2D59-C750-4B69-A8F5-DC6613BFAFA0}"/>
+              </a:ext>
+            </a:extLst>
+          </p:cNvPr>
+          <p:cNvSpPr/>
+          <p:nvPr/>
+        </p:nvSpPr>
+        <p:spPr>
+          <a:xfrm>
+            <a:off x="172538" y="5271429"/>
+            <a:ext cx="846366" cy="358168"/>
+          </a:xfrm>
+          <a:prstGeom prst="roundRect">
+            <a:avLst/>
+          </a:prstGeom>
+          <a:noFill/>
+          <a:ln w="19050">
+            <a:solidFill>
+              <a:srgbClr val="00B0F0"/>
+            </a:solidFill>
+          </a:ln>
+        </p:spPr>
+        <p:style>
+          <a:lnRef idx="2">
+            <a:schemeClr val="accent1">
+              <a:shade val="50000"/>
+            </a:schemeClr>
+          </a:lnRef>
+          <a:fillRef idx="1">
+            <a:schemeClr val="accent1"/>
+          </a:fillRef>
+          <a:effectRef idx="0">
+            <a:schemeClr val="accent1"/>
+          </a:effectRef>
+          <a:fontRef idx="minor">
+            <a:schemeClr val="lt1"/>
+          </a:fontRef>
+        </p:style>
+        <p:txBody>
+          <a:bodyPr rtlCol="0" anchor="ctr"/>
+          <a:lstStyle/>
+          <a:p>
+            <a:pPr algn="ctr"/>
+            <a:endParaRPr lang="en-US"/>
+          </a:p>
+        </p:txBody>
+      </p:sp>
+      <p:sp>
+        <p:nvSpPr>
+          <p:cNvPr id="37" name="TextBox 36">
+            <a:extLst>
+              <a:ext uri="{FF2B5EF4-FFF2-40B4-BE49-F238E27FC236}">
+                <a16:creationId xmlns:a16="http://schemas.microsoft.com/office/drawing/2014/main" id="{8EBA5FF6-FF39-4E3D-9DB7-0A70901FBBD2}"/>
+              </a:ext>
+            </a:extLst>
+          </p:cNvPr>
+          <p:cNvSpPr txBox="1"/>
+          <p:nvPr/>
+        </p:nvSpPr>
+        <p:spPr>
+          <a:xfrm>
+            <a:off x="1558024" y="5274362"/>
+            <a:ext cx="1981480" cy="276999"/>
+          </a:xfrm>
+          <a:prstGeom prst="rect">
+            <a:avLst/>
+          </a:prstGeom>
+          <a:noFill/>
+        </p:spPr>
+        <p:txBody>
+          <a:bodyPr wrap="square" rtlCol="0">
+            <a:spAutoFit/>
+          </a:bodyPr>
+          <a:lstStyle/>
+          <a:p>
+            <a:r>
+              <a:rPr lang="en-US" sz="1200">
+                <a:solidFill>
+                  <a:srgbClr val="454F5B"/>
+                </a:solidFill>
+                <a:latin typeface="Arial" panose="020B0604020202020204" pitchFamily="34" charset="0"/>
+                <a:ea typeface="Montserrat"/>
+                <a:cs typeface="Arial" panose="020B0604020202020204" pitchFamily="34" charset="0"/>
+              </a:rPr>
+              <a:t>Set employees per page</a:t>
+            </a:r>
+            <a:endParaRPr lang="en-US" sz="1200" dirty="0">
+              <a:solidFill>
+                <a:srgbClr val="454F5B"/>
+              </a:solidFill>
+              <a:latin typeface="Arial" panose="020B0604020202020204" pitchFamily="34" charset="0"/>
+              <a:ea typeface="Montserrat"/>
+              <a:cs typeface="Arial" panose="020B0604020202020204" pitchFamily="34" charset="0"/>
+            </a:endParaRPr>
+          </a:p>
+        </p:txBody>
+      </p:sp>
+      <p:cxnSp>
+        <p:nvCxnSpPr>
+          <p:cNvPr id="15" name="Connector: Curved 14">
+            <a:extLst>
+              <a:ext uri="{FF2B5EF4-FFF2-40B4-BE49-F238E27FC236}">
+                <a16:creationId xmlns:a16="http://schemas.microsoft.com/office/drawing/2014/main" id="{EBD0FD3E-62E7-409F-B87F-51CA3E5283CE}"/>
+              </a:ext>
+            </a:extLst>
+          </p:cNvPr>
+          <p:cNvCxnSpPr>
+            <a:cxnSpLocks/>
+            <a:stCxn id="34" idx="3"/>
+          </p:cNvCxnSpPr>
+          <p:nvPr/>
+        </p:nvCxnSpPr>
+        <p:spPr>
+          <a:xfrm>
+            <a:off x="1018904" y="5450513"/>
+            <a:ext cx="490134" cy="9765"/>
+          </a:xfrm>
+          <a:prstGeom prst="curvedConnector3">
+            <a:avLst/>
+          </a:prstGeom>
+          <a:ln>
+            <a:tailEnd type="triangle"/>
+          </a:ln>
+        </p:spPr>
+        <p:style>
+          <a:lnRef idx="1">
+            <a:schemeClr val="accent1"/>
+          </a:lnRef>
+          <a:fillRef idx="0">
+            <a:schemeClr val="accent1"/>
+          </a:fillRef>
+          <a:effectRef idx="0">
+            <a:schemeClr val="accent1"/>
+          </a:effectRef>
+          <a:fontRef idx="minor">
+            <a:schemeClr val="tx1"/>
+          </a:fontRef>
+        </p:style>
+      </p:cxnSp>
+      <p:sp>
+        <p:nvSpPr>
+          <p:cNvPr id="44" name="Rounded Rectangle 37">
+            <a:extLst>
+              <a:ext uri="{FF2B5EF4-FFF2-40B4-BE49-F238E27FC236}">
+                <a16:creationId xmlns:a16="http://schemas.microsoft.com/office/drawing/2014/main" id="{6042D63B-207E-4E8A-A77B-CCA1ED32B9CD}"/>
+              </a:ext>
+            </a:extLst>
+          </p:cNvPr>
+          <p:cNvSpPr/>
+          <p:nvPr/>
+        </p:nvSpPr>
+        <p:spPr>
+          <a:xfrm>
+            <a:off x="7175863" y="3552958"/>
+            <a:ext cx="1124077" cy="358168"/>
+          </a:xfrm>
+          <a:prstGeom prst="roundRect">
+            <a:avLst/>
+          </a:prstGeom>
+          <a:noFill/>
+          <a:ln w="19050">
+            <a:solidFill>
+              <a:srgbClr val="00B0F0"/>
+            </a:solidFill>
+          </a:ln>
+        </p:spPr>
+        <p:style>
+          <a:lnRef idx="2">
+            <a:schemeClr val="accent1">
+              <a:shade val="50000"/>
+            </a:schemeClr>
+          </a:lnRef>
+          <a:fillRef idx="1">
+            <a:schemeClr val="accent1"/>
+          </a:fillRef>
+          <a:effectRef idx="0">
+            <a:schemeClr val="accent1"/>
+          </a:effectRef>
+          <a:fontRef idx="minor">
+            <a:schemeClr val="lt1"/>
+          </a:fontRef>
+        </p:style>
+        <p:txBody>
+          <a:bodyPr rtlCol="0" anchor="ctr"/>
+          <a:lstStyle/>
+          <a:p>
+            <a:pPr algn="ctr"/>
+            <a:endParaRPr lang="en-US"/>
+          </a:p>
+        </p:txBody>
+      </p:sp>
+      <p:sp>
+        <p:nvSpPr>
+          <p:cNvPr id="45" name="TextBox 44">
+            <a:extLst>
+              <a:ext uri="{FF2B5EF4-FFF2-40B4-BE49-F238E27FC236}">
+                <a16:creationId xmlns:a16="http://schemas.microsoft.com/office/drawing/2014/main" id="{BB470F87-D096-428F-8CB7-1B73E48B37B4}"/>
+              </a:ext>
+            </a:extLst>
+          </p:cNvPr>
+          <p:cNvSpPr txBox="1"/>
+          <p:nvPr/>
+        </p:nvSpPr>
+        <p:spPr>
+          <a:xfrm>
+            <a:off x="9044587" y="2747853"/>
+            <a:ext cx="1443371" cy="461665"/>
+          </a:xfrm>
+          <a:prstGeom prst="rect">
+            <a:avLst/>
+          </a:prstGeom>
+          <a:noFill/>
+        </p:spPr>
+        <p:txBody>
+          <a:bodyPr wrap="square" rtlCol="0">
+            <a:spAutoFit/>
+          </a:bodyPr>
+          <a:lstStyle/>
+          <a:p>
+            <a:r>
+              <a:rPr lang="en-US" sz="1200">
+                <a:solidFill>
+                  <a:srgbClr val="454F5B"/>
+                </a:solidFill>
+                <a:latin typeface="Arial" panose="020B0604020202020204" pitchFamily="34" charset="0"/>
+                <a:ea typeface="Montserrat"/>
+                <a:cs typeface="Arial" panose="020B0604020202020204" pitchFamily="34" charset="0"/>
+              </a:rPr>
+              <a:t>Select columns to display</a:t>
+            </a:r>
+            <a:endParaRPr lang="en-US" sz="1200" dirty="0">
+              <a:solidFill>
+                <a:srgbClr val="454F5B"/>
+              </a:solidFill>
+              <a:latin typeface="Arial" panose="020B0604020202020204" pitchFamily="34" charset="0"/>
+              <a:ea typeface="Montserrat"/>
+              <a:cs typeface="Arial" panose="020B0604020202020204" pitchFamily="34" charset="0"/>
+            </a:endParaRPr>
+          </a:p>
+        </p:txBody>
+      </p:sp>
+      <p:cxnSp>
+        <p:nvCxnSpPr>
+          <p:cNvPr id="46" name="Connector: Curved 45">
+            <a:extLst>
+              <a:ext uri="{FF2B5EF4-FFF2-40B4-BE49-F238E27FC236}">
+                <a16:creationId xmlns:a16="http://schemas.microsoft.com/office/drawing/2014/main" id="{5DA325CC-7A31-4146-9E53-5C8B5C2FBC63}"/>
+              </a:ext>
+            </a:extLst>
+          </p:cNvPr>
+          <p:cNvCxnSpPr>
+            <a:stCxn id="44" idx="3"/>
+            <a:endCxn id="45" idx="1"/>
+          </p:cNvCxnSpPr>
+          <p:nvPr/>
+        </p:nvCxnSpPr>
+        <p:spPr>
+          <a:xfrm flipV="1">
+            <a:off x="8299940" y="2978686"/>
+            <a:ext cx="744647" cy="753356"/>
+          </a:xfrm>
+          <a:prstGeom prst="curvedConnector3">
+            <a:avLst/>
+          </a:prstGeom>
+          <a:ln>
+            <a:tailEnd type="triangle"/>
+          </a:ln>
+        </p:spPr>
+        <p:style>
+          <a:lnRef idx="1">
+            <a:schemeClr val="accent1"/>
+          </a:lnRef>
+          <a:fillRef idx="0">
+            <a:schemeClr val="accent1"/>
+          </a:fillRef>
+          <a:effectRef idx="0">
+            <a:schemeClr val="accent1"/>
+          </a:effectRef>
+          <a:fontRef idx="minor">
+            <a:schemeClr val="tx1"/>
+          </a:fontRef>
+        </p:style>
+      </p:cxnSp>
+      <p:sp>
+        <p:nvSpPr>
+          <p:cNvPr id="51" name="Rounded Rectangle 4">
+            <a:extLst>
+              <a:ext uri="{FF2B5EF4-FFF2-40B4-BE49-F238E27FC236}">
+                <a16:creationId xmlns:a16="http://schemas.microsoft.com/office/drawing/2014/main" id="{4B3FADCB-B033-496E-90BB-57FC3EEC1A1A}"/>
+              </a:ext>
+            </a:extLst>
+          </p:cNvPr>
+          <p:cNvSpPr/>
+          <p:nvPr/>
+        </p:nvSpPr>
+        <p:spPr>
+          <a:xfrm>
+            <a:off x="4248886" y="3865779"/>
+            <a:ext cx="549538" cy="406400"/>
+          </a:xfrm>
+          <a:prstGeom prst="roundRect">
+            <a:avLst/>
+          </a:prstGeom>
+          <a:noFill/>
+          <a:ln w="19050">
+            <a:solidFill>
+              <a:srgbClr val="00B0F0"/>
+            </a:solidFill>
+          </a:ln>
+        </p:spPr>
+        <p:style>
+          <a:lnRef idx="2">
+            <a:schemeClr val="accent1">
+              <a:shade val="50000"/>
+            </a:schemeClr>
+          </a:lnRef>
+          <a:fillRef idx="1">
+            <a:schemeClr val="accent1"/>
+          </a:fillRef>
+          <a:effectRef idx="0">
+            <a:schemeClr val="accent1"/>
+          </a:effectRef>
+          <a:fontRef idx="minor">
+            <a:schemeClr val="lt1"/>
+          </a:fontRef>
+        </p:style>
+        <p:txBody>
+          <a:bodyPr rtlCol="0" anchor="ctr"/>
+          <a:lstStyle/>
+          <a:p>
+            <a:pPr algn="ctr"/>
+            <a:endParaRPr lang="en-US"/>
+          </a:p>
+        </p:txBody>
+      </p:sp>
+      <p:sp>
+        <p:nvSpPr>
+          <p:cNvPr id="52" name="TextBox 51">
+            <a:extLst>
+              <a:ext uri="{FF2B5EF4-FFF2-40B4-BE49-F238E27FC236}">
+                <a16:creationId xmlns:a16="http://schemas.microsoft.com/office/drawing/2014/main" id="{E1E3A00B-687A-4D32-A2CA-4920B78628B6}"/>
+              </a:ext>
+            </a:extLst>
+          </p:cNvPr>
+          <p:cNvSpPr txBox="1"/>
+          <p:nvPr/>
+        </p:nvSpPr>
+        <p:spPr>
+          <a:xfrm>
+            <a:off x="5835858" y="2984010"/>
+            <a:ext cx="1340005" cy="461665"/>
+          </a:xfrm>
+          <a:prstGeom prst="rect">
+            <a:avLst/>
+          </a:prstGeom>
+          <a:noFill/>
+        </p:spPr>
+        <p:txBody>
+          <a:bodyPr wrap="square" rtlCol="0">
+            <a:spAutoFit/>
+          </a:bodyPr>
+          <a:lstStyle/>
+          <a:p>
+            <a:r>
+              <a:rPr lang="en-US" sz="1200">
+                <a:solidFill>
+                  <a:srgbClr val="454F5B"/>
+                </a:solidFill>
+                <a:latin typeface="Arial" panose="020B0604020202020204" pitchFamily="34" charset="0"/>
+                <a:ea typeface="Montserrat"/>
+                <a:cs typeface="Arial" panose="020B0604020202020204" pitchFamily="34" charset="0"/>
+              </a:rPr>
+              <a:t>Sort employees by column</a:t>
+            </a:r>
+            <a:endParaRPr lang="en-US" sz="1200" dirty="0">
+              <a:solidFill>
+                <a:srgbClr val="454F5B"/>
+              </a:solidFill>
+              <a:latin typeface="Arial" panose="020B0604020202020204" pitchFamily="34" charset="0"/>
+              <a:ea typeface="Montserrat"/>
+              <a:cs typeface="Arial" panose="020B0604020202020204" pitchFamily="34" charset="0"/>
+            </a:endParaRPr>
+          </a:p>
+        </p:txBody>
+      </p:sp>
+      <p:cxnSp>
+        <p:nvCxnSpPr>
+          <p:cNvPr id="54" name="Connector: Curved 53">
+            <a:extLst>
+              <a:ext uri="{FF2B5EF4-FFF2-40B4-BE49-F238E27FC236}">
+                <a16:creationId xmlns:a16="http://schemas.microsoft.com/office/drawing/2014/main" id="{FBAFFEF5-834F-4D27-98B4-C1D1FB3B9DED}"/>
+              </a:ext>
+            </a:extLst>
+          </p:cNvPr>
+          <p:cNvCxnSpPr>
+            <a:stCxn id="51" idx="3"/>
+            <a:endCxn id="52" idx="1"/>
+          </p:cNvCxnSpPr>
+          <p:nvPr/>
+        </p:nvCxnSpPr>
+        <p:spPr>
+          <a:xfrm flipV="1">
+            <a:off x="4798424" y="3214843"/>
+            <a:ext cx="1037434" cy="854136"/>
+          </a:xfrm>
+          <a:prstGeom prst="curvedConnector3">
+            <a:avLst/>
+          </a:prstGeom>
+          <a:ln>
+            <a:tailEnd type="triangle"/>
+          </a:ln>
+        </p:spPr>
+        <p:style>
+          <a:lnRef idx="1">
+            <a:schemeClr val="accent1"/>
+          </a:lnRef>
+          <a:fillRef idx="0">
+            <a:schemeClr val="accent1"/>
+          </a:fillRef>
+          <a:effectRef idx="0">
+            <a:schemeClr val="accent1"/>
+          </a:effectRef>
+          <a:fontRef idx="minor">
+            <a:schemeClr val="tx1"/>
+          </a:fontRef>
+        </p:style>
+      </p:cxnSp>
     </p:spTree>
     <p:extLst>
       <p:ext uri="{BB962C8B-B14F-4D97-AF65-F5344CB8AC3E}">
@@ -16442,13 +18173,6 @@
   <p:clrMapOvr>
     <a:masterClrMapping/>
   </p:clrMapOvr>
-  <p:timing>
-    <p:tnLst>
-      <p:par>
-        <p:cTn id="1" dur="indefinite" restart="never" nodeType="tmRoot"/>
-      </p:par>
-    </p:tnLst>
-  </p:timing>
 </p:sld>
 </file>
 
@@ -16506,12 +18230,7 @@
             <a:avLst/>
           </a:prstGeom>
           <a:ln>
-            <a:solidFill>
-              <a:schemeClr val="accent3">
-                <a:lumMod val="20000"/>
-                <a:lumOff val="80000"/>
-              </a:schemeClr>
-            </a:solidFill>
+            <a:noFill/>
           </a:ln>
         </p:spPr>
       </p:pic>
@@ -16610,11 +18329,6 @@
               </a:rPr>
               <a:t>5</a:t>
             </a:r>
-            <a:endParaRPr lang="en-US" b="1" dirty="0">
-              <a:solidFill>
-                <a:schemeClr val="accent1"/>
-              </a:solidFill>
-            </a:endParaRPr>
           </a:p>
         </p:txBody>
       </p:sp>
@@ -16668,7 +18382,7 @@
             <a:p>
               <a:pPr algn="ctr"/>
               <a:r>
-                <a:rPr lang="en-US" sz="3600" b="1" dirty="0" smtClean="0">
+                <a:rPr lang="en-US" sz="3600" b="1" dirty="0">
                   <a:solidFill>
                     <a:srgbClr val="0070C0"/>
                   </a:solidFill>
@@ -16677,13 +18391,6 @@
                 </a:rPr>
                 <a:t>Implementation process</a:t>
               </a:r>
-              <a:endParaRPr lang="en-US" sz="3600" b="1" dirty="0">
-                <a:solidFill>
-                  <a:srgbClr val="0070C0"/>
-                </a:solidFill>
-                <a:latin typeface="Arial" panose="020B0604020202020204" pitchFamily="34" charset="0"/>
-                <a:cs typeface="Arial" panose="020B0604020202020204" pitchFamily="34" charset="0"/>
-              </a:endParaRPr>
             </a:p>
             <a:p>
               <a:pPr algn="ctr"/>
@@ -16783,32 +18490,15 @@
           <a:p>
             <a:pPr algn="ctr"/>
             <a:r>
-              <a:rPr lang="en-US" sz="1300" dirty="0" smtClean="0">
+              <a:rPr lang="en-US" sz="1300" dirty="0">
                 <a:solidFill>
                   <a:schemeClr val="tx1"/>
                 </a:solidFill>
                 <a:latin typeface="Arial" panose="020B0604020202020204" pitchFamily="34" charset="0"/>
                 <a:cs typeface="Arial" panose="020B0604020202020204" pitchFamily="34" charset="0"/>
               </a:rPr>
-              <a:t>Employee detail </a:t>
+              <a:t>Employee detail page</a:t>
             </a:r>
-            <a:r>
-              <a:rPr lang="en-US" sz="1300" dirty="0" smtClean="0">
-                <a:solidFill>
-                  <a:schemeClr val="tx1"/>
-                </a:solidFill>
-                <a:latin typeface="Arial" panose="020B0604020202020204" pitchFamily="34" charset="0"/>
-                <a:cs typeface="Arial" panose="020B0604020202020204" pitchFamily="34" charset="0"/>
-              </a:rPr>
-              <a:t>page</a:t>
-            </a:r>
-            <a:endParaRPr lang="en-US" sz="1300" dirty="0">
-              <a:solidFill>
-                <a:schemeClr val="tx1"/>
-              </a:solidFill>
-              <a:latin typeface="Arial" panose="020B0604020202020204" pitchFamily="34" charset="0"/>
-              <a:cs typeface="Arial" panose="020B0604020202020204" pitchFamily="34" charset="0"/>
-            </a:endParaRPr>
           </a:p>
         </p:txBody>
       </p:sp>
@@ -16881,28 +18571,6 @@
           <a:lstStyle/>
           <a:p>
             <a:r>
-              <a:rPr lang="en-US" sz="1200" dirty="0" smtClean="0">
-                <a:solidFill>
-                  <a:srgbClr val="454F5B"/>
-                </a:solidFill>
-                <a:latin typeface="Arial" panose="020B0604020202020204" pitchFamily="34" charset="0"/>
-                <a:ea typeface="Montserrat"/>
-                <a:cs typeface="Arial" panose="020B0604020202020204" pitchFamily="34" charset="0"/>
-              </a:rPr>
-              <a:t>Edit</a:t>
-            </a:r>
-            <a:r>
-              <a:rPr lang="en-US" sz="1200" dirty="0" smtClean="0">
-                <a:solidFill>
-                  <a:srgbClr val="454F5B"/>
-                </a:solidFill>
-                <a:latin typeface="Arial" panose="020B0604020202020204" pitchFamily="34" charset="0"/>
-                <a:ea typeface="Montserrat"/>
-                <a:cs typeface="Arial" panose="020B0604020202020204" pitchFamily="34" charset="0"/>
-              </a:rPr>
-              <a:t> </a:t>
-            </a:r>
-            <a:r>
               <a:rPr lang="en-US" sz="1200" dirty="0">
                 <a:solidFill>
                   <a:srgbClr val="454F5B"/>
@@ -16911,49 +18579,8 @@
                 <a:ea typeface="Montserrat"/>
                 <a:cs typeface="Arial" panose="020B0604020202020204" pitchFamily="34" charset="0"/>
               </a:rPr>
-              <a:t>and </a:t>
+              <a:t>Edit and delete employee selected</a:t>
             </a:r>
-            <a:r>
-              <a:rPr lang="en-US" sz="1200" dirty="0" smtClean="0">
-                <a:solidFill>
-                  <a:srgbClr val="454F5B"/>
-                </a:solidFill>
-                <a:latin typeface="Arial" panose="020B0604020202020204" pitchFamily="34" charset="0"/>
-                <a:ea typeface="Montserrat"/>
-                <a:cs typeface="Arial" panose="020B0604020202020204" pitchFamily="34" charset="0"/>
-              </a:rPr>
-              <a:t>delete </a:t>
-            </a:r>
-            <a:r>
-              <a:rPr lang="en-US" sz="1200" dirty="0">
-                <a:solidFill>
-                  <a:srgbClr val="454F5B"/>
-                </a:solidFill>
-                <a:latin typeface="Arial" panose="020B0604020202020204" pitchFamily="34" charset="0"/>
-                <a:ea typeface="Montserrat"/>
-                <a:cs typeface="Arial" panose="020B0604020202020204" pitchFamily="34" charset="0"/>
-              </a:rPr>
-              <a:t>employee </a:t>
-            </a:r>
-            <a:r>
-              <a:rPr lang="en-US" sz="1200" dirty="0" smtClean="0">
-                <a:solidFill>
-                  <a:srgbClr val="454F5B"/>
-                </a:solidFill>
-                <a:latin typeface="Arial" panose="020B0604020202020204" pitchFamily="34" charset="0"/>
-                <a:ea typeface="Montserrat"/>
-                <a:cs typeface="Arial" panose="020B0604020202020204" pitchFamily="34" charset="0"/>
-              </a:rPr>
-              <a:t>selected</a:t>
-            </a:r>
-            <a:endParaRPr lang="en-US" sz="1200" dirty="0">
-              <a:solidFill>
-                <a:srgbClr val="454F5B"/>
-              </a:solidFill>
-              <a:latin typeface="Arial" panose="020B0604020202020204" pitchFamily="34" charset="0"/>
-              <a:ea typeface="Montserrat"/>
-              <a:cs typeface="Arial" panose="020B0604020202020204" pitchFamily="34" charset="0"/>
-            </a:endParaRPr>
           </a:p>
         </p:txBody>
       </p:sp>
@@ -17040,17 +18667,17 @@
                 <a:latin typeface="Arial" panose="020B0604020202020204" pitchFamily="34" charset="0"/>
                 <a:cs typeface="Arial" panose="020B0604020202020204" pitchFamily="34" charset="0"/>
               </a:rPr>
-              <a:t>Above is the UI of the employee detail, this page shows us the employee information </a:t>
+              <a:t>Above is the UI of the employee detail, this page shows us the employee information detail such as avatar, age, </a:t>
             </a:r>
             <a:r>
-              <a:rPr lang="en-US" sz="1300" dirty="0" smtClean="0">
+              <a:rPr lang="en-US" sz="1300">
                 <a:solidFill>
                   <a:schemeClr val="tx1"/>
                 </a:solidFill>
                 <a:latin typeface="Arial" panose="020B0604020202020204" pitchFamily="34" charset="0"/>
                 <a:cs typeface="Arial" panose="020B0604020202020204" pitchFamily="34" charset="0"/>
               </a:rPr>
-              <a:t>detail </a:t>
+              <a:t>name, avatar, </a:t>
             </a:r>
             <a:r>
               <a:rPr lang="en-US" sz="1300" dirty="0">
@@ -17060,15 +18687,8 @@
                 <a:latin typeface="Arial" panose="020B0604020202020204" pitchFamily="34" charset="0"/>
                 <a:cs typeface="Arial" panose="020B0604020202020204" pitchFamily="34" charset="0"/>
               </a:rPr>
-              <a:t>such as avatar, age, name, and team…. We can edit employee information or delete this employee when we deleted the employee, the website will redirect to the home page.</a:t>
+              <a:t>and team…. We can edit employee information or delete this employee when we deleted the employee, the website will redirect to the home page.</a:t>
             </a:r>
-            <a:endParaRPr lang="en-US" sz="1300" dirty="0">
-              <a:solidFill>
-                <a:schemeClr val="tx1"/>
-              </a:solidFill>
-              <a:latin typeface="Arial" panose="020B0604020202020204" pitchFamily="34" charset="0"/>
-              <a:cs typeface="Arial" panose="020B0604020202020204" pitchFamily="34" charset="0"/>
-            </a:endParaRPr>
           </a:p>
         </p:txBody>
       </p:sp>
@@ -17141,7 +18761,7 @@
           <a:lstStyle/>
           <a:p>
             <a:r>
-              <a:rPr lang="en-US" sz="1200" dirty="0" smtClean="0">
+              <a:rPr lang="en-US" sz="1200" dirty="0">
                 <a:solidFill>
                   <a:srgbClr val="454F5B"/>
                 </a:solidFill>
@@ -17151,14 +18771,6 @@
               </a:rPr>
               <a:t>Employee information detail </a:t>
             </a:r>
-            <a:endParaRPr lang="en-US" sz="1200" dirty="0">
-              <a:solidFill>
-                <a:srgbClr val="454F5B"/>
-              </a:solidFill>
-              <a:latin typeface="Arial" panose="020B0604020202020204" pitchFamily="34" charset="0"/>
-              <a:ea typeface="Montserrat"/>
-              <a:cs typeface="Arial" panose="020B0604020202020204" pitchFamily="34" charset="0"/>
-            </a:endParaRPr>
           </a:p>
         </p:txBody>
       </p:sp>
@@ -17208,13 +18820,6 @@
   <p:clrMapOvr>
     <a:masterClrMapping/>
   </p:clrMapOvr>
-  <p:timing>
-    <p:tnLst>
-      <p:par>
-        <p:cTn id="1" dur="indefinite" restart="never" nodeType="tmRoot"/>
-      </p:par>
-    </p:tnLst>
-  </p:timing>
 </p:sld>
 </file>
 
@@ -17249,6 +18854,96 @@
           <a:chExt cx="0" cy="0"/>
         </a:xfrm>
       </p:grpSpPr>
+      <p:pic>
+        <p:nvPicPr>
+          <p:cNvPr id="9" name="Picture 8">
+            <a:extLst>
+              <a:ext uri="{FF2B5EF4-FFF2-40B4-BE49-F238E27FC236}">
+                <a16:creationId xmlns:a16="http://schemas.microsoft.com/office/drawing/2014/main" id="{30ACBEC2-4C69-49A6-8CF5-6F77A173B995}"/>
+              </a:ext>
+            </a:extLst>
+          </p:cNvPr>
+          <p:cNvPicPr>
+            <a:picLocks noChangeAspect="1"/>
+          </p:cNvPicPr>
+          <p:nvPr/>
+        </p:nvPicPr>
+        <p:blipFill>
+          <a:blip r:embed="rId3"/>
+          <a:stretch>
+            <a:fillRect/>
+          </a:stretch>
+        </p:blipFill>
+        <p:spPr>
+          <a:xfrm>
+            <a:off x="7053817" y="2029660"/>
+            <a:ext cx="3714796" cy="1637706"/>
+          </a:xfrm>
+          <a:prstGeom prst="rect">
+            <a:avLst/>
+          </a:prstGeom>
+        </p:spPr>
+      </p:pic>
+      <p:pic>
+        <p:nvPicPr>
+          <p:cNvPr id="7" name="Picture 6">
+            <a:extLst>
+              <a:ext uri="{FF2B5EF4-FFF2-40B4-BE49-F238E27FC236}">
+                <a16:creationId xmlns:a16="http://schemas.microsoft.com/office/drawing/2014/main" id="{67136C66-35F1-4339-992C-484A7E8A5BA2}"/>
+              </a:ext>
+            </a:extLst>
+          </p:cNvPr>
+          <p:cNvPicPr>
+            <a:picLocks noChangeAspect="1"/>
+          </p:cNvPicPr>
+          <p:nvPr/>
+        </p:nvPicPr>
+        <p:blipFill>
+          <a:blip r:embed="rId4"/>
+          <a:stretch>
+            <a:fillRect/>
+          </a:stretch>
+        </p:blipFill>
+        <p:spPr>
+          <a:xfrm>
+            <a:off x="289168" y="3270679"/>
+            <a:ext cx="6497929" cy="1260527"/>
+          </a:xfrm>
+          <a:prstGeom prst="rect">
+            <a:avLst/>
+          </a:prstGeom>
+        </p:spPr>
+      </p:pic>
+      <p:pic>
+        <p:nvPicPr>
+          <p:cNvPr id="3" name="Picture 2">
+            <a:extLst>
+              <a:ext uri="{FF2B5EF4-FFF2-40B4-BE49-F238E27FC236}">
+                <a16:creationId xmlns:a16="http://schemas.microsoft.com/office/drawing/2014/main" id="{EFB612B3-76CD-4FCC-85FA-E3BF99FC7ADB}"/>
+              </a:ext>
+            </a:extLst>
+          </p:cNvPr>
+          <p:cNvPicPr>
+            <a:picLocks noChangeAspect="1"/>
+          </p:cNvPicPr>
+          <p:nvPr/>
+        </p:nvPicPr>
+        <p:blipFill>
+          <a:blip r:embed="rId5"/>
+          <a:stretch>
+            <a:fillRect/>
+          </a:stretch>
+        </p:blipFill>
+        <p:spPr>
+          <a:xfrm>
+            <a:off x="289169" y="1848381"/>
+            <a:ext cx="6617553" cy="1422298"/>
+          </a:xfrm>
+          <a:prstGeom prst="rect">
+            <a:avLst/>
+          </a:prstGeom>
+        </p:spPr>
+      </p:pic>
       <p:sp>
         <p:nvSpPr>
           <p:cNvPr id="50" name="Rectangle 49">
@@ -17342,13 +19037,8 @@
                   <a:schemeClr val="accent1"/>
                 </a:solidFill>
               </a:rPr>
-              <a:t>5</a:t>
+              <a:t>6</a:t>
             </a:r>
-            <a:endParaRPr lang="en-US" b="1" dirty="0">
-              <a:solidFill>
-                <a:schemeClr val="accent1"/>
-              </a:solidFill>
-            </a:endParaRPr>
           </a:p>
         </p:txBody>
       </p:sp>
@@ -17402,7 +19092,7 @@
             <a:p>
               <a:pPr algn="ctr"/>
               <a:r>
-                <a:rPr lang="en-US" sz="3600" b="1" dirty="0" smtClean="0">
+                <a:rPr lang="en-US" sz="3600" b="1" dirty="0">
                   <a:solidFill>
                     <a:srgbClr val="0070C0"/>
                   </a:solidFill>
@@ -17411,13 +19101,6 @@
                 </a:rPr>
                 <a:t>Implementation process</a:t>
               </a:r>
-              <a:endParaRPr lang="en-US" sz="3600" b="1" dirty="0">
-                <a:solidFill>
-                  <a:srgbClr val="0070C0"/>
-                </a:solidFill>
-                <a:latin typeface="Arial" panose="020B0604020202020204" pitchFamily="34" charset="0"/>
-                <a:cs typeface="Arial" panose="020B0604020202020204" pitchFamily="34" charset="0"/>
-              </a:endParaRPr>
             </a:p>
             <a:p>
               <a:pPr algn="ctr"/>
@@ -17484,7 +19167,7 @@
         </p:nvSpPr>
         <p:spPr>
           <a:xfrm>
-            <a:off x="2384883" y="5331324"/>
+            <a:off x="4283352" y="5033182"/>
             <a:ext cx="4024923" cy="257907"/>
           </a:xfrm>
           <a:prstGeom prst="rect">
@@ -17517,32 +19200,15 @@
           <a:p>
             <a:pPr algn="ctr"/>
             <a:r>
-              <a:rPr lang="en-US" sz="1300" dirty="0" smtClean="0">
+              <a:rPr lang="en-US" sz="1300" dirty="0">
                 <a:solidFill>
                   <a:schemeClr val="tx1"/>
                 </a:solidFill>
                 <a:latin typeface="Arial" panose="020B0604020202020204" pitchFamily="34" charset="0"/>
                 <a:cs typeface="Arial" panose="020B0604020202020204" pitchFamily="34" charset="0"/>
               </a:rPr>
-              <a:t>Employee detail </a:t>
+              <a:t>Employee detail page</a:t>
             </a:r>
-            <a:r>
-              <a:rPr lang="en-US" sz="1300" dirty="0" smtClean="0">
-                <a:solidFill>
-                  <a:schemeClr val="tx1"/>
-                </a:solidFill>
-                <a:latin typeface="Arial" panose="020B0604020202020204" pitchFamily="34" charset="0"/>
-                <a:cs typeface="Arial" panose="020B0604020202020204" pitchFamily="34" charset="0"/>
-              </a:rPr>
-              <a:t>page</a:t>
-            </a:r>
-            <a:endParaRPr lang="en-US" sz="1300" dirty="0">
-              <a:solidFill>
-                <a:schemeClr val="tx1"/>
-              </a:solidFill>
-              <a:latin typeface="Arial" panose="020B0604020202020204" pitchFamily="34" charset="0"/>
-              <a:cs typeface="Arial" panose="020B0604020202020204" pitchFamily="34" charset="0"/>
-            </a:endParaRPr>
           </a:p>
         </p:txBody>
       </p:sp>
@@ -17554,8 +19220,8 @@
         </p:nvSpPr>
         <p:spPr>
           <a:xfrm>
-            <a:off x="9300311" y="2700999"/>
-            <a:ext cx="875323" cy="406400"/>
+            <a:off x="6339840" y="1922495"/>
+            <a:ext cx="580617" cy="406400"/>
           </a:xfrm>
           <a:prstGeom prst="roundRect">
             <a:avLst/>
@@ -17600,8 +19266,8 @@
         </p:nvSpPr>
         <p:spPr>
           <a:xfrm>
-            <a:off x="8729221" y="1695864"/>
-            <a:ext cx="1806257" cy="461665"/>
+            <a:off x="4090308" y="1766155"/>
+            <a:ext cx="1582508" cy="282823"/>
           </a:xfrm>
           <a:prstGeom prst="rect">
             <a:avLst/>
@@ -17615,7 +19281,7 @@
           <a:lstStyle/>
           <a:p>
             <a:r>
-              <a:rPr lang="en-US" sz="1200" dirty="0" smtClean="0">
+              <a:rPr lang="en-US" sz="1200">
                 <a:solidFill>
                   <a:srgbClr val="454F5B"/>
                 </a:solidFill>
@@ -17623,62 +19289,7 @@
                 <a:ea typeface="Montserrat"/>
                 <a:cs typeface="Arial" panose="020B0604020202020204" pitchFamily="34" charset="0"/>
               </a:rPr>
-              <a:t>Edit</a:t>
-            </a:r>
-            <a:r>
-              <a:rPr lang="en-US" sz="1200" dirty="0" smtClean="0">
-                <a:solidFill>
-                  <a:srgbClr val="454F5B"/>
-                </a:solidFill>
-                <a:latin typeface="Arial" panose="020B0604020202020204" pitchFamily="34" charset="0"/>
-                <a:ea typeface="Montserrat"/>
-                <a:cs typeface="Arial" panose="020B0604020202020204" pitchFamily="34" charset="0"/>
-              </a:rPr>
-              <a:t> </a:t>
-            </a:r>
-            <a:r>
-              <a:rPr lang="en-US" sz="1200" dirty="0">
-                <a:solidFill>
-                  <a:srgbClr val="454F5B"/>
-                </a:solidFill>
-                <a:latin typeface="Arial" panose="020B0604020202020204" pitchFamily="34" charset="0"/>
-                <a:ea typeface="Montserrat"/>
-                <a:cs typeface="Arial" panose="020B0604020202020204" pitchFamily="34" charset="0"/>
-              </a:rPr>
-              <a:t>and </a:t>
-            </a:r>
-            <a:r>
-              <a:rPr lang="en-US" sz="1200" dirty="0" smtClean="0">
-                <a:solidFill>
-                  <a:srgbClr val="454F5B"/>
-                </a:solidFill>
-                <a:latin typeface="Arial" panose="020B0604020202020204" pitchFamily="34" charset="0"/>
-                <a:ea typeface="Montserrat"/>
-                <a:cs typeface="Arial" panose="020B0604020202020204" pitchFamily="34" charset="0"/>
-              </a:rPr>
-              <a:t>delete </a:t>
-            </a:r>
-            <a:r>
-              <a:rPr lang="en-US" sz="1200" dirty="0">
-                <a:solidFill>
-                  <a:srgbClr val="454F5B"/>
-                </a:solidFill>
-                <a:latin typeface="Arial" panose="020B0604020202020204" pitchFamily="34" charset="0"/>
-                <a:ea typeface="Montserrat"/>
-                <a:cs typeface="Arial" panose="020B0604020202020204" pitchFamily="34" charset="0"/>
-              </a:rPr>
-              <a:t>employee </a:t>
-            </a:r>
-            <a:r>
-              <a:rPr lang="en-US" sz="1200" dirty="0" smtClean="0">
-                <a:solidFill>
-                  <a:srgbClr val="454F5B"/>
-                </a:solidFill>
-                <a:latin typeface="Arial" panose="020B0604020202020204" pitchFamily="34" charset="0"/>
-                <a:ea typeface="Montserrat"/>
-                <a:cs typeface="Arial" panose="020B0604020202020204" pitchFamily="34" charset="0"/>
-              </a:rPr>
-              <a:t>selected</a:t>
+              <a:t>Add new working</a:t>
             </a:r>
             <a:endParaRPr lang="en-US" sz="1200" dirty="0">
               <a:solidFill>
@@ -17691,39 +19302,6 @@
           </a:p>
         </p:txBody>
       </p:sp>
-      <p:cxnSp>
-        <p:nvCxnSpPr>
-          <p:cNvPr id="11" name="Curved Connector 10"/>
-          <p:cNvCxnSpPr/>
-          <p:nvPr/>
-        </p:nvCxnSpPr>
-        <p:spPr>
-          <a:xfrm flipV="1">
-            <a:off x="9632349" y="2009655"/>
-            <a:ext cx="1230809" cy="462692"/>
-          </a:xfrm>
-          <a:prstGeom prst="curvedConnector2">
-            <a:avLst/>
-          </a:prstGeom>
-          <a:ln>
-            <a:tailEnd type="triangle"/>
-          </a:ln>
-        </p:spPr>
-        <p:style>
-          <a:lnRef idx="1">
-            <a:schemeClr val="accent1"/>
-          </a:lnRef>
-          <a:fillRef idx="0">
-            <a:schemeClr val="accent1"/>
-          </a:fillRef>
-          <a:effectRef idx="0">
-            <a:schemeClr val="accent1"/>
-          </a:effectRef>
-          <a:fontRef idx="minor">
-            <a:schemeClr val="tx1"/>
-          </a:fontRef>
-        </p:style>
-      </p:cxnSp>
       <p:sp>
         <p:nvSpPr>
           <p:cNvPr id="43" name="Rectangle 42"/>
@@ -17732,7 +19310,7 @@
         </p:nvSpPr>
         <p:spPr>
           <a:xfrm>
-            <a:off x="289169" y="5720200"/>
+            <a:off x="289168" y="5396931"/>
             <a:ext cx="5916246" cy="981761"/>
           </a:xfrm>
           <a:prstGeom prst="rect">
@@ -17764,34 +19342,14 @@
           <a:lstStyle/>
           <a:p>
             <a:r>
-              <a:rPr lang="en-US" sz="1300" dirty="0">
+              <a:rPr lang="en-US" sz="1300">
                 <a:solidFill>
                   <a:schemeClr val="tx1"/>
                 </a:solidFill>
                 <a:latin typeface="Arial" panose="020B0604020202020204" pitchFamily="34" charset="0"/>
                 <a:cs typeface="Arial" panose="020B0604020202020204" pitchFamily="34" charset="0"/>
               </a:rPr>
-              <a:t>Above is the UI of the employee detail, this page shows us the employee information </a:t>
-            </a:r>
-            <a:r>
-              <a:rPr lang="en-US" sz="1300" dirty="0" smtClean="0">
-                <a:solidFill>
-                  <a:schemeClr val="tx1"/>
-                </a:solidFill>
-                <a:latin typeface="Arial" panose="020B0604020202020204" pitchFamily="34" charset="0"/>
-                <a:cs typeface="Arial" panose="020B0604020202020204" pitchFamily="34" charset="0"/>
-              </a:rPr>
-              <a:t>detail </a:t>
-            </a:r>
-            <a:r>
-              <a:rPr lang="en-US" sz="1300" dirty="0">
-                <a:solidFill>
-                  <a:schemeClr val="tx1"/>
-                </a:solidFill>
-                <a:latin typeface="Arial" panose="020B0604020202020204" pitchFamily="34" charset="0"/>
-                <a:cs typeface="Arial" panose="020B0604020202020204" pitchFamily="34" charset="0"/>
-              </a:rPr>
-              <a:t>such as avatar, age, name, and team…. We can edit employee information or delete this employee when we deleted the employee, the website will redirect to the home page.</a:t>
+              <a:t>Above is the UI of the employee detail, we can add working and advances for employees, and after that website will calculate the total salary of that employee. We can delete working or advance.</a:t>
             </a:r>
             <a:endParaRPr lang="en-US" sz="1300" dirty="0">
               <a:solidFill>
@@ -17803,6 +19361,624 @@
           </a:p>
         </p:txBody>
       </p:sp>
+      <p:cxnSp>
+        <p:nvCxnSpPr>
+          <p:cNvPr id="14" name="Connector: Curved 13">
+            <a:extLst>
+              <a:ext uri="{FF2B5EF4-FFF2-40B4-BE49-F238E27FC236}">
+                <a16:creationId xmlns:a16="http://schemas.microsoft.com/office/drawing/2014/main" id="{FDAA2B4E-0818-4A09-ACBB-6E1E8B481AD9}"/>
+              </a:ext>
+            </a:extLst>
+          </p:cNvPr>
+          <p:cNvCxnSpPr>
+            <a:cxnSpLocks/>
+            <a:stCxn id="5" idx="1"/>
+          </p:cNvCxnSpPr>
+          <p:nvPr/>
+        </p:nvCxnSpPr>
+        <p:spPr>
+          <a:xfrm rot="10800000">
+            <a:off x="5680170" y="1935713"/>
+            <a:ext cx="659671" cy="189983"/>
+          </a:xfrm>
+          <a:prstGeom prst="curvedConnector3">
+            <a:avLst/>
+          </a:prstGeom>
+          <a:ln>
+            <a:tailEnd type="triangle"/>
+          </a:ln>
+        </p:spPr>
+        <p:style>
+          <a:lnRef idx="1">
+            <a:schemeClr val="accent1"/>
+          </a:lnRef>
+          <a:fillRef idx="0">
+            <a:schemeClr val="accent1"/>
+          </a:fillRef>
+          <a:effectRef idx="0">
+            <a:schemeClr val="accent1"/>
+          </a:effectRef>
+          <a:fontRef idx="minor">
+            <a:schemeClr val="tx1"/>
+          </a:fontRef>
+        </p:style>
+      </p:cxnSp>
+      <p:sp>
+        <p:nvSpPr>
+          <p:cNvPr id="20" name="Rounded Rectangle 4">
+            <a:extLst>
+              <a:ext uri="{FF2B5EF4-FFF2-40B4-BE49-F238E27FC236}">
+                <a16:creationId xmlns:a16="http://schemas.microsoft.com/office/drawing/2014/main" id="{7026DF12-C2D4-4C00-8F68-9F338619B6FA}"/>
+              </a:ext>
+            </a:extLst>
+          </p:cNvPr>
+          <p:cNvSpPr/>
+          <p:nvPr/>
+        </p:nvSpPr>
+        <p:spPr>
+          <a:xfrm>
+            <a:off x="6250025" y="3226956"/>
+            <a:ext cx="580617" cy="406400"/>
+          </a:xfrm>
+          <a:prstGeom prst="roundRect">
+            <a:avLst/>
+          </a:prstGeom>
+          <a:noFill/>
+          <a:ln w="19050">
+            <a:solidFill>
+              <a:srgbClr val="00B0F0"/>
+            </a:solidFill>
+          </a:ln>
+        </p:spPr>
+        <p:style>
+          <a:lnRef idx="2">
+            <a:schemeClr val="accent1">
+              <a:shade val="50000"/>
+            </a:schemeClr>
+          </a:lnRef>
+          <a:fillRef idx="1">
+            <a:schemeClr val="accent1"/>
+          </a:fillRef>
+          <a:effectRef idx="0">
+            <a:schemeClr val="accent1"/>
+          </a:effectRef>
+          <a:fontRef idx="minor">
+            <a:schemeClr val="lt1"/>
+          </a:fontRef>
+        </p:style>
+        <p:txBody>
+          <a:bodyPr rtlCol="0" anchor="ctr"/>
+          <a:lstStyle/>
+          <a:p>
+            <a:pPr algn="ctr"/>
+            <a:endParaRPr lang="en-US"/>
+          </a:p>
+        </p:txBody>
+      </p:sp>
+      <p:sp>
+        <p:nvSpPr>
+          <p:cNvPr id="21" name="TextBox 20">
+            <a:extLst>
+              <a:ext uri="{FF2B5EF4-FFF2-40B4-BE49-F238E27FC236}">
+                <a16:creationId xmlns:a16="http://schemas.microsoft.com/office/drawing/2014/main" id="{AE3564D1-521A-4C65-A50E-928F48AF973E}"/>
+              </a:ext>
+            </a:extLst>
+          </p:cNvPr>
+          <p:cNvSpPr txBox="1"/>
+          <p:nvPr/>
+        </p:nvSpPr>
+        <p:spPr>
+          <a:xfrm>
+            <a:off x="3448318" y="3202061"/>
+            <a:ext cx="1582508" cy="282823"/>
+          </a:xfrm>
+          <a:prstGeom prst="rect">
+            <a:avLst/>
+          </a:prstGeom>
+          <a:noFill/>
+        </p:spPr>
+        <p:txBody>
+          <a:bodyPr wrap="square" rtlCol="0">
+            <a:spAutoFit/>
+          </a:bodyPr>
+          <a:lstStyle/>
+          <a:p>
+            <a:r>
+              <a:rPr lang="en-US" sz="1200">
+                <a:solidFill>
+                  <a:srgbClr val="454F5B"/>
+                </a:solidFill>
+                <a:latin typeface="Arial" panose="020B0604020202020204" pitchFamily="34" charset="0"/>
+                <a:ea typeface="Montserrat"/>
+                <a:cs typeface="Arial" panose="020B0604020202020204" pitchFamily="34" charset="0"/>
+              </a:rPr>
+              <a:t>Add new advance</a:t>
+            </a:r>
+            <a:endParaRPr lang="en-US" sz="1200" dirty="0">
+              <a:solidFill>
+                <a:srgbClr val="454F5B"/>
+              </a:solidFill>
+              <a:latin typeface="Arial" panose="020B0604020202020204" pitchFamily="34" charset="0"/>
+              <a:ea typeface="Montserrat"/>
+              <a:cs typeface="Arial" panose="020B0604020202020204" pitchFamily="34" charset="0"/>
+            </a:endParaRPr>
+          </a:p>
+        </p:txBody>
+      </p:sp>
+      <p:cxnSp>
+        <p:nvCxnSpPr>
+          <p:cNvPr id="22" name="Connector: Curved 21">
+            <a:extLst>
+              <a:ext uri="{FF2B5EF4-FFF2-40B4-BE49-F238E27FC236}">
+                <a16:creationId xmlns:a16="http://schemas.microsoft.com/office/drawing/2014/main" id="{F2B22439-05A3-49D9-94E3-A29798A96D58}"/>
+              </a:ext>
+            </a:extLst>
+          </p:cNvPr>
+          <p:cNvCxnSpPr>
+            <a:stCxn id="20" idx="1"/>
+          </p:cNvCxnSpPr>
+          <p:nvPr/>
+        </p:nvCxnSpPr>
+        <p:spPr>
+          <a:xfrm rot="10800000">
+            <a:off x="5030825" y="3331684"/>
+            <a:ext cx="1219200" cy="98472"/>
+          </a:xfrm>
+          <a:prstGeom prst="curvedConnector3">
+            <a:avLst/>
+          </a:prstGeom>
+          <a:ln>
+            <a:tailEnd type="triangle"/>
+          </a:ln>
+        </p:spPr>
+        <p:style>
+          <a:lnRef idx="1">
+            <a:schemeClr val="accent1"/>
+          </a:lnRef>
+          <a:fillRef idx="0">
+            <a:schemeClr val="accent1"/>
+          </a:fillRef>
+          <a:effectRef idx="0">
+            <a:schemeClr val="accent1"/>
+          </a:effectRef>
+          <a:fontRef idx="minor">
+            <a:schemeClr val="tx1"/>
+          </a:fontRef>
+        </p:style>
+      </p:cxnSp>
+      <p:sp>
+        <p:nvSpPr>
+          <p:cNvPr id="23" name="Rounded Rectangle 4">
+            <a:extLst>
+              <a:ext uri="{FF2B5EF4-FFF2-40B4-BE49-F238E27FC236}">
+                <a16:creationId xmlns:a16="http://schemas.microsoft.com/office/drawing/2014/main" id="{5071421A-324F-43A5-9EFF-0E059D57B91F}"/>
+              </a:ext>
+            </a:extLst>
+          </p:cNvPr>
+          <p:cNvSpPr/>
+          <p:nvPr/>
+        </p:nvSpPr>
+        <p:spPr>
+          <a:xfrm>
+            <a:off x="5502552" y="4091977"/>
+            <a:ext cx="438157" cy="306686"/>
+          </a:xfrm>
+          <a:prstGeom prst="roundRect">
+            <a:avLst/>
+          </a:prstGeom>
+          <a:noFill/>
+          <a:ln w="19050">
+            <a:solidFill>
+              <a:srgbClr val="00B0F0"/>
+            </a:solidFill>
+          </a:ln>
+        </p:spPr>
+        <p:style>
+          <a:lnRef idx="2">
+            <a:schemeClr val="accent1">
+              <a:shade val="50000"/>
+            </a:schemeClr>
+          </a:lnRef>
+          <a:fillRef idx="1">
+            <a:schemeClr val="accent1"/>
+          </a:fillRef>
+          <a:effectRef idx="0">
+            <a:schemeClr val="accent1"/>
+          </a:effectRef>
+          <a:fontRef idx="minor">
+            <a:schemeClr val="lt1"/>
+          </a:fontRef>
+        </p:style>
+        <p:txBody>
+          <a:bodyPr rtlCol="0" anchor="ctr"/>
+          <a:lstStyle/>
+          <a:p>
+            <a:pPr algn="ctr"/>
+            <a:endParaRPr lang="en-US"/>
+          </a:p>
+        </p:txBody>
+      </p:sp>
+      <p:sp>
+        <p:nvSpPr>
+          <p:cNvPr id="24" name="TextBox 23">
+            <a:extLst>
+              <a:ext uri="{FF2B5EF4-FFF2-40B4-BE49-F238E27FC236}">
+                <a16:creationId xmlns:a16="http://schemas.microsoft.com/office/drawing/2014/main" id="{1E04FFCD-36E9-4199-AC84-FC0C6B42C3AE}"/>
+              </a:ext>
+            </a:extLst>
+          </p:cNvPr>
+          <p:cNvSpPr txBox="1"/>
+          <p:nvPr/>
+        </p:nvSpPr>
+        <p:spPr>
+          <a:xfrm>
+            <a:off x="3051172" y="4470677"/>
+            <a:ext cx="1582508" cy="282823"/>
+          </a:xfrm>
+          <a:prstGeom prst="rect">
+            <a:avLst/>
+          </a:prstGeom>
+          <a:noFill/>
+        </p:spPr>
+        <p:txBody>
+          <a:bodyPr wrap="square" rtlCol="0">
+            <a:spAutoFit/>
+          </a:bodyPr>
+          <a:lstStyle/>
+          <a:p>
+            <a:r>
+              <a:rPr lang="en-US" sz="1200">
+                <a:solidFill>
+                  <a:srgbClr val="454F5B"/>
+                </a:solidFill>
+                <a:latin typeface="Arial" panose="020B0604020202020204" pitchFamily="34" charset="0"/>
+                <a:ea typeface="Montserrat"/>
+                <a:cs typeface="Arial" panose="020B0604020202020204" pitchFamily="34" charset="0"/>
+              </a:rPr>
+              <a:t>Delete this advance</a:t>
+            </a:r>
+            <a:endParaRPr lang="en-US" sz="1200" dirty="0">
+              <a:solidFill>
+                <a:srgbClr val="454F5B"/>
+              </a:solidFill>
+              <a:latin typeface="Arial" panose="020B0604020202020204" pitchFamily="34" charset="0"/>
+              <a:ea typeface="Montserrat"/>
+              <a:cs typeface="Arial" panose="020B0604020202020204" pitchFamily="34" charset="0"/>
+            </a:endParaRPr>
+          </a:p>
+        </p:txBody>
+      </p:sp>
+      <p:cxnSp>
+        <p:nvCxnSpPr>
+          <p:cNvPr id="25" name="Connector: Curved 24">
+            <a:extLst>
+              <a:ext uri="{FF2B5EF4-FFF2-40B4-BE49-F238E27FC236}">
+                <a16:creationId xmlns:a16="http://schemas.microsoft.com/office/drawing/2014/main" id="{B4E6DFAA-0456-417B-98C3-56D0D8239F7F}"/>
+              </a:ext>
+            </a:extLst>
+          </p:cNvPr>
+          <p:cNvCxnSpPr>
+            <a:cxnSpLocks/>
+            <a:stCxn id="23" idx="1"/>
+            <a:endCxn id="24" idx="3"/>
+          </p:cNvCxnSpPr>
+          <p:nvPr/>
+        </p:nvCxnSpPr>
+        <p:spPr>
+          <a:xfrm rot="10800000" flipV="1">
+            <a:off x="4633680" y="4245319"/>
+            <a:ext cx="868872" cy="366769"/>
+          </a:xfrm>
+          <a:prstGeom prst="curvedConnector3">
+            <a:avLst/>
+          </a:prstGeom>
+          <a:ln>
+            <a:tailEnd type="triangle"/>
+          </a:ln>
+        </p:spPr>
+        <p:style>
+          <a:lnRef idx="1">
+            <a:schemeClr val="accent1"/>
+          </a:lnRef>
+          <a:fillRef idx="0">
+            <a:schemeClr val="accent1"/>
+          </a:fillRef>
+          <a:effectRef idx="0">
+            <a:schemeClr val="accent1"/>
+          </a:effectRef>
+          <a:fontRef idx="minor">
+            <a:schemeClr val="tx1"/>
+          </a:fontRef>
+        </p:style>
+      </p:cxnSp>
+      <p:sp>
+        <p:nvSpPr>
+          <p:cNvPr id="29" name="Rounded Rectangle 4">
+            <a:extLst>
+              <a:ext uri="{FF2B5EF4-FFF2-40B4-BE49-F238E27FC236}">
+                <a16:creationId xmlns:a16="http://schemas.microsoft.com/office/drawing/2014/main" id="{7F6CFCA0-F205-4C9D-9756-2B8D87C63BC3}"/>
+              </a:ext>
+            </a:extLst>
+          </p:cNvPr>
+          <p:cNvSpPr/>
+          <p:nvPr/>
+        </p:nvSpPr>
+        <p:spPr>
+          <a:xfrm>
+            <a:off x="5588400" y="2776341"/>
+            <a:ext cx="438157" cy="306686"/>
+          </a:xfrm>
+          <a:prstGeom prst="roundRect">
+            <a:avLst/>
+          </a:prstGeom>
+          <a:noFill/>
+          <a:ln w="19050">
+            <a:solidFill>
+              <a:srgbClr val="00B0F0"/>
+            </a:solidFill>
+          </a:ln>
+        </p:spPr>
+        <p:style>
+          <a:lnRef idx="2">
+            <a:schemeClr val="accent1">
+              <a:shade val="50000"/>
+            </a:schemeClr>
+          </a:lnRef>
+          <a:fillRef idx="1">
+            <a:schemeClr val="accent1"/>
+          </a:fillRef>
+          <a:effectRef idx="0">
+            <a:schemeClr val="accent1"/>
+          </a:effectRef>
+          <a:fontRef idx="minor">
+            <a:schemeClr val="lt1"/>
+          </a:fontRef>
+        </p:style>
+        <p:txBody>
+          <a:bodyPr rtlCol="0" anchor="ctr"/>
+          <a:lstStyle/>
+          <a:p>
+            <a:pPr algn="ctr"/>
+            <a:endParaRPr lang="en-US"/>
+          </a:p>
+        </p:txBody>
+      </p:sp>
+      <p:sp>
+        <p:nvSpPr>
+          <p:cNvPr id="31" name="TextBox 30">
+            <a:extLst>
+              <a:ext uri="{FF2B5EF4-FFF2-40B4-BE49-F238E27FC236}">
+                <a16:creationId xmlns:a16="http://schemas.microsoft.com/office/drawing/2014/main" id="{5F264354-8BD7-42DC-9C0B-2DDD1CC95535}"/>
+              </a:ext>
+            </a:extLst>
+          </p:cNvPr>
+          <p:cNvSpPr txBox="1"/>
+          <p:nvPr/>
+        </p:nvSpPr>
+        <p:spPr>
+          <a:xfrm>
+            <a:off x="2856402" y="2032559"/>
+            <a:ext cx="1582508" cy="282823"/>
+          </a:xfrm>
+          <a:prstGeom prst="rect">
+            <a:avLst/>
+          </a:prstGeom>
+          <a:noFill/>
+        </p:spPr>
+        <p:txBody>
+          <a:bodyPr wrap="square" rtlCol="0">
+            <a:spAutoFit/>
+          </a:bodyPr>
+          <a:lstStyle/>
+          <a:p>
+            <a:r>
+              <a:rPr lang="en-US" sz="1200">
+                <a:solidFill>
+                  <a:srgbClr val="454F5B"/>
+                </a:solidFill>
+                <a:latin typeface="Arial" panose="020B0604020202020204" pitchFamily="34" charset="0"/>
+                <a:ea typeface="Montserrat"/>
+                <a:cs typeface="Arial" panose="020B0604020202020204" pitchFamily="34" charset="0"/>
+              </a:rPr>
+              <a:t>Delete this working</a:t>
+            </a:r>
+            <a:endParaRPr lang="en-US" sz="1200" dirty="0">
+              <a:solidFill>
+                <a:srgbClr val="454F5B"/>
+              </a:solidFill>
+              <a:latin typeface="Arial" panose="020B0604020202020204" pitchFamily="34" charset="0"/>
+              <a:ea typeface="Montserrat"/>
+              <a:cs typeface="Arial" panose="020B0604020202020204" pitchFamily="34" charset="0"/>
+            </a:endParaRPr>
+          </a:p>
+        </p:txBody>
+      </p:sp>
+      <p:cxnSp>
+        <p:nvCxnSpPr>
+          <p:cNvPr id="32" name="Connector: Curved 31">
+            <a:extLst>
+              <a:ext uri="{FF2B5EF4-FFF2-40B4-BE49-F238E27FC236}">
+                <a16:creationId xmlns:a16="http://schemas.microsoft.com/office/drawing/2014/main" id="{92E6BBDD-4B50-4035-B234-DDAB4B44490B}"/>
+              </a:ext>
+            </a:extLst>
+          </p:cNvPr>
+          <p:cNvCxnSpPr>
+            <a:endCxn id="31" idx="3"/>
+          </p:cNvCxnSpPr>
+          <p:nvPr/>
+        </p:nvCxnSpPr>
+        <p:spPr>
+          <a:xfrm rot="10800000">
+            <a:off x="4438911" y="2173972"/>
+            <a:ext cx="1116545" cy="755713"/>
+          </a:xfrm>
+          <a:prstGeom prst="curvedConnector3">
+            <a:avLst/>
+          </a:prstGeom>
+          <a:ln>
+            <a:tailEnd type="triangle"/>
+          </a:ln>
+        </p:spPr>
+        <p:style>
+          <a:lnRef idx="1">
+            <a:schemeClr val="accent1"/>
+          </a:lnRef>
+          <a:fillRef idx="0">
+            <a:schemeClr val="accent1"/>
+          </a:fillRef>
+          <a:effectRef idx="0">
+            <a:schemeClr val="accent1"/>
+          </a:effectRef>
+          <a:fontRef idx="minor">
+            <a:schemeClr val="tx1"/>
+          </a:fontRef>
+        </p:style>
+      </p:cxnSp>
+      <p:sp>
+        <p:nvSpPr>
+          <p:cNvPr id="35" name="Rounded Rectangle 4">
+            <a:extLst>
+              <a:ext uri="{FF2B5EF4-FFF2-40B4-BE49-F238E27FC236}">
+                <a16:creationId xmlns:a16="http://schemas.microsoft.com/office/drawing/2014/main" id="{D27537BC-7C06-4ACC-A0C2-5C534ACCEC12}"/>
+              </a:ext>
+            </a:extLst>
+          </p:cNvPr>
+          <p:cNvSpPr/>
+          <p:nvPr/>
+        </p:nvSpPr>
+        <p:spPr>
+          <a:xfrm>
+            <a:off x="7936699" y="3246259"/>
+            <a:ext cx="1893101" cy="406400"/>
+          </a:xfrm>
+          <a:prstGeom prst="roundRect">
+            <a:avLst/>
+          </a:prstGeom>
+          <a:noFill/>
+          <a:ln w="19050">
+            <a:solidFill>
+              <a:srgbClr val="00B0F0"/>
+            </a:solidFill>
+          </a:ln>
+        </p:spPr>
+        <p:style>
+          <a:lnRef idx="2">
+            <a:schemeClr val="accent1">
+              <a:shade val="50000"/>
+            </a:schemeClr>
+          </a:lnRef>
+          <a:fillRef idx="1">
+            <a:schemeClr val="accent1"/>
+          </a:fillRef>
+          <a:effectRef idx="0">
+            <a:schemeClr val="accent1"/>
+          </a:effectRef>
+          <a:fontRef idx="minor">
+            <a:schemeClr val="lt1"/>
+          </a:fontRef>
+        </p:style>
+        <p:txBody>
+          <a:bodyPr rtlCol="0" anchor="ctr"/>
+          <a:lstStyle/>
+          <a:p>
+            <a:pPr algn="ctr"/>
+            <a:endParaRPr lang="en-US"/>
+          </a:p>
+        </p:txBody>
+      </p:sp>
+      <p:sp>
+        <p:nvSpPr>
+          <p:cNvPr id="37" name="TextBox 36">
+            <a:extLst>
+              <a:ext uri="{FF2B5EF4-FFF2-40B4-BE49-F238E27FC236}">
+                <a16:creationId xmlns:a16="http://schemas.microsoft.com/office/drawing/2014/main" id="{31E7C1EC-0F80-436F-A423-EBC8870D5EEF}"/>
+              </a:ext>
+            </a:extLst>
+          </p:cNvPr>
+          <p:cNvSpPr txBox="1"/>
+          <p:nvPr/>
+        </p:nvSpPr>
+        <p:spPr>
+          <a:xfrm>
+            <a:off x="7517021" y="4245319"/>
+            <a:ext cx="2619756" cy="276999"/>
+          </a:xfrm>
+          <a:prstGeom prst="rect">
+            <a:avLst/>
+          </a:prstGeom>
+          <a:noFill/>
+        </p:spPr>
+        <p:txBody>
+          <a:bodyPr wrap="square" rtlCol="0">
+            <a:spAutoFit/>
+          </a:bodyPr>
+          <a:lstStyle/>
+          <a:p>
+            <a:r>
+              <a:rPr lang="en-US" sz="1200">
+                <a:solidFill>
+                  <a:srgbClr val="454F5B"/>
+                </a:solidFill>
+                <a:latin typeface="Arial" panose="020B0604020202020204" pitchFamily="34" charset="0"/>
+                <a:ea typeface="Montserrat"/>
+                <a:cs typeface="Arial" panose="020B0604020202020204" pitchFamily="34" charset="0"/>
+              </a:rPr>
+              <a:t>The total salary of the employee</a:t>
+            </a:r>
+            <a:endParaRPr lang="en-US" sz="1200" dirty="0">
+              <a:solidFill>
+                <a:srgbClr val="454F5B"/>
+              </a:solidFill>
+              <a:latin typeface="Arial" panose="020B0604020202020204" pitchFamily="34" charset="0"/>
+              <a:ea typeface="Montserrat"/>
+              <a:cs typeface="Arial" panose="020B0604020202020204" pitchFamily="34" charset="0"/>
+            </a:endParaRPr>
+          </a:p>
+        </p:txBody>
+      </p:sp>
+      <p:cxnSp>
+        <p:nvCxnSpPr>
+          <p:cNvPr id="36" name="Connector: Curved 35">
+            <a:extLst>
+              <a:ext uri="{FF2B5EF4-FFF2-40B4-BE49-F238E27FC236}">
+                <a16:creationId xmlns:a16="http://schemas.microsoft.com/office/drawing/2014/main" id="{1ACEE4EF-E295-49CC-A131-5AF277CA1FB1}"/>
+              </a:ext>
+            </a:extLst>
+          </p:cNvPr>
+          <p:cNvCxnSpPr>
+            <a:cxnSpLocks/>
+            <a:stCxn id="35" idx="2"/>
+            <a:endCxn id="37" idx="0"/>
+          </p:cNvCxnSpPr>
+          <p:nvPr/>
+        </p:nvCxnSpPr>
+        <p:spPr>
+          <a:xfrm rot="5400000">
+            <a:off x="8558745" y="3920814"/>
+            <a:ext cx="592660" cy="56351"/>
+          </a:xfrm>
+          <a:prstGeom prst="curvedConnector3">
+            <a:avLst/>
+          </a:prstGeom>
+          <a:ln>
+            <a:tailEnd type="triangle"/>
+          </a:ln>
+        </p:spPr>
+        <p:style>
+          <a:lnRef idx="1">
+            <a:schemeClr val="accent1"/>
+          </a:lnRef>
+          <a:fillRef idx="0">
+            <a:schemeClr val="accent1"/>
+          </a:fillRef>
+          <a:effectRef idx="0">
+            <a:schemeClr val="accent1"/>
+          </a:effectRef>
+          <a:fontRef idx="minor">
+            <a:schemeClr val="tx1"/>
+          </a:fontRef>
+        </p:style>
+      </p:cxnSp>
     </p:spTree>
     <p:extLst>
       <p:ext uri="{BB962C8B-B14F-4D97-AF65-F5344CB8AC3E}">
@@ -17813,13 +19989,6 @@
   <p:clrMapOvr>
     <a:masterClrMapping/>
   </p:clrMapOvr>
-  <p:timing>
-    <p:tnLst>
-      <p:par>
-        <p:cTn id="1" dur="indefinite" restart="never" nodeType="tmRoot"/>
-      </p:par>
-    </p:tnLst>
-  </p:timing>
 </p:sld>
 </file>
 
@@ -17854,6 +20023,36 @@
           <a:chExt cx="0" cy="0"/>
         </a:xfrm>
       </p:grpSpPr>
+      <p:pic>
+        <p:nvPicPr>
+          <p:cNvPr id="6" name="Picture 5">
+            <a:extLst>
+              <a:ext uri="{FF2B5EF4-FFF2-40B4-BE49-F238E27FC236}">
+                <a16:creationId xmlns:a16="http://schemas.microsoft.com/office/drawing/2014/main" id="{B469184A-BE00-461F-848B-32688FB79A65}"/>
+              </a:ext>
+            </a:extLst>
+          </p:cNvPr>
+          <p:cNvPicPr>
+            <a:picLocks noChangeAspect="1"/>
+          </p:cNvPicPr>
+          <p:nvPr/>
+        </p:nvPicPr>
+        <p:blipFill>
+          <a:blip r:embed="rId3"/>
+          <a:stretch>
+            <a:fillRect/>
+          </a:stretch>
+        </p:blipFill>
+        <p:spPr>
+          <a:xfrm>
+            <a:off x="289168" y="1824818"/>
+            <a:ext cx="7611242" cy="3040429"/>
+          </a:xfrm>
+          <a:prstGeom prst="rect">
+            <a:avLst/>
+          </a:prstGeom>
+        </p:spPr>
+      </p:pic>
       <p:sp>
         <p:nvSpPr>
           <p:cNvPr id="50" name="Rectangle 49">
@@ -17912,104 +20111,990 @@
           </a:p>
         </p:txBody>
       </p:sp>
-      <p:pic>
-        <p:nvPicPr>
-          <p:cNvPr id="1026" name="Picture 2" descr="Download Thank You For Listening Clipart - Powerpoint Presentation  Animation Thank You PNG Image with No Background - PNGkey.com">
+      <p:sp>
+        <p:nvSpPr>
+          <p:cNvPr id="13" name="TextBox 12">
             <a:extLst>
               <a:ext uri="{FF2B5EF4-FFF2-40B4-BE49-F238E27FC236}">
-                <a16:creationId xmlns:a16="http://schemas.microsoft.com/office/drawing/2014/main" id="{ED17C01C-7CF9-415F-84D3-E93C58DE8C16}"/>
+                <a16:creationId xmlns:a16="http://schemas.microsoft.com/office/drawing/2014/main" id="{683B30FD-FE4E-42DF-A371-856C493BE4D7}"/>
               </a:ext>
             </a:extLst>
           </p:cNvPr>
-          <p:cNvPicPr>
-            <a:picLocks noChangeAspect="1" noChangeArrowheads="1"/>
-          </p:cNvPicPr>
+          <p:cNvSpPr txBox="1"/>
           <p:nvPr/>
-        </p:nvPicPr>
-        <p:blipFill>
-          <a:blip r:embed="rId3">
-            <a:extLst>
-              <a:ext uri="{28A0092B-C50C-407E-A947-70E740481C1C}">
-                <a14:useLocalDpi xmlns:a14="http://schemas.microsoft.com/office/drawing/2010/main" val="0"/>
-              </a:ext>
-            </a:extLst>
-          </a:blip>
-          <a:srcRect/>
-          <a:stretch>
-            <a:fillRect/>
-          </a:stretch>
-        </p:blipFill>
-        <p:spPr bwMode="auto">
+        </p:nvSpPr>
+        <p:spPr>
           <a:xfrm>
-            <a:off x="1454056" y="1022060"/>
-            <a:ext cx="7524750" cy="4619625"/>
+            <a:off x="9829800" y="5460278"/>
+            <a:ext cx="1411357" cy="369332"/>
           </a:xfrm>
           <a:prstGeom prst="rect">
             <a:avLst/>
           </a:prstGeom>
           <a:noFill/>
-          <a:extLst>
-            <a:ext uri="{909E8E84-426E-40DD-AFC4-6F175D3DCCD1}">
-              <a14:hiddenFill xmlns:a14="http://schemas.microsoft.com/office/drawing/2010/main">
+        </p:spPr>
+        <p:txBody>
+          <a:bodyPr wrap="square" rtlCol="0">
+            <a:spAutoFit/>
+          </a:bodyPr>
+          <a:lstStyle/>
+          <a:p>
+            <a:pPr algn="ctr"/>
+            <a:r>
+              <a:rPr lang="en-US" b="1" dirty="0">
                 <a:solidFill>
-                  <a:srgbClr val="FFFFFF"/>
+                  <a:schemeClr val="accent1"/>
                 </a:solidFill>
-              </a14:hiddenFill>
-            </a:ext>
-          </a:extLst>
-        </p:spPr>
-      </p:pic>
-      <p:pic>
-        <p:nvPicPr>
-          <p:cNvPr id="1030" name="Picture 6" descr="Bye photos, royalty-free images, graphics, vectors &amp; videos | Adobe Stock">
+              </a:rPr>
+              <a:t>7</a:t>
+            </a:r>
+          </a:p>
+        </p:txBody>
+      </p:sp>
+      <p:grpSp>
+        <p:nvGrpSpPr>
+          <p:cNvPr id="12" name="Group 11">
             <a:extLst>
               <a:ext uri="{FF2B5EF4-FFF2-40B4-BE49-F238E27FC236}">
-                <a16:creationId xmlns:a16="http://schemas.microsoft.com/office/drawing/2014/main" id="{9D6B52BA-FD53-473C-9564-2415A46D3122}"/>
+                <a16:creationId xmlns:a16="http://schemas.microsoft.com/office/drawing/2014/main" id="{2FAB71E7-C294-4DA0-9CAF-206E36FA8134}"/>
               </a:ext>
             </a:extLst>
           </p:cNvPr>
-          <p:cNvPicPr>
-            <a:picLocks noChangeAspect="1" noChangeArrowheads="1"/>
-          </p:cNvPicPr>
+          <p:cNvGrpSpPr/>
           <p:nvPr/>
-        </p:nvPicPr>
-        <p:blipFill>
-          <a:blip r:embed="rId4" cstate="hqprint">
-            <a:extLst>
-              <a:ext uri="{28A0092B-C50C-407E-A947-70E740481C1C}">
-                <a14:useLocalDpi xmlns:a14="http://schemas.microsoft.com/office/drawing/2010/main" val="0"/>
-              </a:ext>
-            </a:extLst>
-          </a:blip>
-          <a:srcRect/>
-          <a:stretch>
-            <a:fillRect/>
-          </a:stretch>
-        </p:blipFill>
-        <p:spPr bwMode="auto">
+        </p:nvGrpSpPr>
+        <p:grpSpPr>
           <a:xfrm>
-            <a:off x="10059368" y="5199245"/>
-            <a:ext cx="952220" cy="883503"/>
+            <a:off x="3051172" y="1059099"/>
+            <a:ext cx="5512615" cy="815608"/>
+            <a:chOff x="4306111" y="1208246"/>
+            <a:chExt cx="5512615" cy="815608"/>
+          </a:xfrm>
+        </p:grpSpPr>
+        <p:sp>
+          <p:nvSpPr>
+            <p:cNvPr id="17" name="TextBox 16">
+              <a:extLst>
+                <a:ext uri="{FF2B5EF4-FFF2-40B4-BE49-F238E27FC236}">
+                  <a16:creationId xmlns:a16="http://schemas.microsoft.com/office/drawing/2014/main" id="{9CD80CD1-A167-4B58-B233-757B98549191}"/>
+                </a:ext>
+              </a:extLst>
+            </p:cNvPr>
+            <p:cNvSpPr txBox="1"/>
+            <p:nvPr/>
+          </p:nvSpPr>
+          <p:spPr>
+            <a:xfrm>
+              <a:off x="4306111" y="1208246"/>
+              <a:ext cx="5512615" cy="815608"/>
+            </a:xfrm>
+            <a:prstGeom prst="rect">
+              <a:avLst/>
+            </a:prstGeom>
+            <a:noFill/>
+          </p:spPr>
+          <p:txBody>
+            <a:bodyPr wrap="square" rtlCol="0">
+              <a:spAutoFit/>
+            </a:bodyPr>
+            <a:lstStyle/>
+            <a:p>
+              <a:pPr algn="ctr"/>
+              <a:r>
+                <a:rPr lang="en-US" sz="3600" b="1" dirty="0">
+                  <a:solidFill>
+                    <a:srgbClr val="0070C0"/>
+                  </a:solidFill>
+                  <a:latin typeface="Arial" panose="020B0604020202020204" pitchFamily="34" charset="0"/>
+                  <a:cs typeface="Arial" panose="020B0604020202020204" pitchFamily="34" charset="0"/>
+                </a:rPr>
+                <a:t>Implementation process</a:t>
+              </a:r>
+            </a:p>
+            <a:p>
+              <a:pPr algn="ctr"/>
+              <a:r>
+                <a:rPr lang="en-US" sz="1100" b="1" u="sng" dirty="0">
+                  <a:solidFill>
+                    <a:srgbClr val="0070C0"/>
+                  </a:solidFill>
+                  <a:latin typeface="Arial" panose="020B0604020202020204" pitchFamily="34" charset="0"/>
+                  <a:cs typeface="Arial" panose="020B0604020202020204" pitchFamily="34" charset="0"/>
+                </a:rPr>
+                <a:t>       </a:t>
+              </a:r>
+            </a:p>
+          </p:txBody>
+        </p:sp>
+        <p:cxnSp>
+          <p:nvCxnSpPr>
+            <p:cNvPr id="18" name="Straight Connector 17">
+              <a:extLst>
+                <a:ext uri="{FF2B5EF4-FFF2-40B4-BE49-F238E27FC236}">
+                  <a16:creationId xmlns:a16="http://schemas.microsoft.com/office/drawing/2014/main" id="{E760032C-06D0-4897-AB37-DA56419C686D}"/>
+                </a:ext>
+              </a:extLst>
+            </p:cNvPr>
+            <p:cNvCxnSpPr/>
+            <p:nvPr/>
+          </p:nvCxnSpPr>
+          <p:spPr>
+            <a:xfrm>
+              <a:off x="5966153" y="1845011"/>
+              <a:ext cx="2246811" cy="0"/>
+            </a:xfrm>
+            <a:prstGeom prst="line">
+              <a:avLst/>
+            </a:prstGeom>
+            <a:ln w="38100">
+              <a:solidFill>
+                <a:srgbClr val="0070C0"/>
+              </a:solidFill>
+            </a:ln>
+          </p:spPr>
+          <p:style>
+            <a:lnRef idx="1">
+              <a:schemeClr val="accent1"/>
+            </a:lnRef>
+            <a:fillRef idx="0">
+              <a:schemeClr val="accent1"/>
+            </a:fillRef>
+            <a:effectRef idx="0">
+              <a:schemeClr val="accent1"/>
+            </a:effectRef>
+            <a:fontRef idx="minor">
+              <a:schemeClr val="tx1"/>
+            </a:fontRef>
+          </p:style>
+        </p:cxnSp>
+      </p:grpSp>
+      <p:sp>
+        <p:nvSpPr>
+          <p:cNvPr id="4" name="Rectangle 3"/>
+          <p:cNvSpPr/>
+          <p:nvPr/>
+        </p:nvSpPr>
+        <p:spPr>
+          <a:xfrm>
+            <a:off x="2080080" y="5033182"/>
+            <a:ext cx="4024923" cy="257907"/>
           </a:xfrm>
           <a:prstGeom prst="rect">
             <a:avLst/>
           </a:prstGeom>
           <a:noFill/>
-          <a:extLst>
-            <a:ext uri="{909E8E84-426E-40DD-AFC4-6F175D3DCCD1}">
-              <a14:hiddenFill xmlns:a14="http://schemas.microsoft.com/office/drawing/2010/main">
+          <a:ln>
+            <a:noFill/>
+          </a:ln>
+        </p:spPr>
+        <p:style>
+          <a:lnRef idx="2">
+            <a:schemeClr val="accent1">
+              <a:shade val="50000"/>
+            </a:schemeClr>
+          </a:lnRef>
+          <a:fillRef idx="1">
+            <a:schemeClr val="accent1"/>
+          </a:fillRef>
+          <a:effectRef idx="0">
+            <a:schemeClr val="accent1"/>
+          </a:effectRef>
+          <a:fontRef idx="minor">
+            <a:schemeClr val="lt1"/>
+          </a:fontRef>
+        </p:style>
+        <p:txBody>
+          <a:bodyPr rtlCol="0" anchor="ctr"/>
+          <a:lstStyle/>
+          <a:p>
+            <a:pPr algn="ctr"/>
+            <a:r>
+              <a:rPr lang="en-US" sz="1300">
                 <a:solidFill>
-                  <a:srgbClr val="FFFFFF"/>
+                  <a:schemeClr val="tx1"/>
                 </a:solidFill>
-              </a14:hiddenFill>
-            </a:ext>
-          </a:extLst>
+                <a:latin typeface="Arial" panose="020B0604020202020204" pitchFamily="34" charset="0"/>
+                <a:cs typeface="Arial" panose="020B0604020202020204" pitchFamily="34" charset="0"/>
+              </a:rPr>
+              <a:t>Team page</a:t>
+            </a:r>
+            <a:endParaRPr lang="en-US" sz="1300" dirty="0">
+              <a:solidFill>
+                <a:schemeClr val="tx1"/>
+              </a:solidFill>
+              <a:latin typeface="Arial" panose="020B0604020202020204" pitchFamily="34" charset="0"/>
+              <a:cs typeface="Arial" panose="020B0604020202020204" pitchFamily="34" charset="0"/>
+            </a:endParaRPr>
+          </a:p>
+        </p:txBody>
+      </p:sp>
+      <p:sp>
+        <p:nvSpPr>
+          <p:cNvPr id="5" name="Rounded Rectangle 4"/>
+          <p:cNvSpPr/>
+          <p:nvPr/>
+        </p:nvSpPr>
+        <p:spPr>
+          <a:xfrm>
+            <a:off x="7319793" y="2363097"/>
+            <a:ext cx="517921" cy="406400"/>
+          </a:xfrm>
+          <a:prstGeom prst="roundRect">
+            <a:avLst/>
+          </a:prstGeom>
+          <a:noFill/>
+          <a:ln w="19050">
+            <a:solidFill>
+              <a:srgbClr val="00B0F0"/>
+            </a:solidFill>
+          </a:ln>
         </p:spPr>
-      </p:pic>
+        <p:style>
+          <a:lnRef idx="2">
+            <a:schemeClr val="accent1">
+              <a:shade val="50000"/>
+            </a:schemeClr>
+          </a:lnRef>
+          <a:fillRef idx="1">
+            <a:schemeClr val="accent1"/>
+          </a:fillRef>
+          <a:effectRef idx="0">
+            <a:schemeClr val="accent1"/>
+          </a:effectRef>
+          <a:fontRef idx="minor">
+            <a:schemeClr val="lt1"/>
+          </a:fontRef>
+        </p:style>
+        <p:txBody>
+          <a:bodyPr rtlCol="0" anchor="ctr"/>
+          <a:lstStyle/>
+          <a:p>
+            <a:pPr algn="ctr"/>
+            <a:endParaRPr lang="en-US"/>
+          </a:p>
+        </p:txBody>
+      </p:sp>
+      <p:sp>
+        <p:nvSpPr>
+          <p:cNvPr id="19" name="TextBox 18"/>
+          <p:cNvSpPr txBox="1"/>
+          <p:nvPr/>
+        </p:nvSpPr>
+        <p:spPr>
+          <a:xfrm>
+            <a:off x="8487438" y="2004394"/>
+            <a:ext cx="1475168" cy="282823"/>
+          </a:xfrm>
+          <a:prstGeom prst="rect">
+            <a:avLst/>
+          </a:prstGeom>
+          <a:noFill/>
+        </p:spPr>
+        <p:txBody>
+          <a:bodyPr wrap="square" rtlCol="0">
+            <a:spAutoFit/>
+          </a:bodyPr>
+          <a:lstStyle/>
+          <a:p>
+            <a:r>
+              <a:rPr lang="en-US" sz="1200">
+                <a:solidFill>
+                  <a:srgbClr val="454F5B"/>
+                </a:solidFill>
+                <a:latin typeface="Arial" panose="020B0604020202020204" pitchFamily="34" charset="0"/>
+                <a:ea typeface="Montserrat"/>
+                <a:cs typeface="Arial" panose="020B0604020202020204" pitchFamily="34" charset="0"/>
+              </a:rPr>
+              <a:t>Add new team</a:t>
+            </a:r>
+            <a:endParaRPr lang="en-US" sz="1200" dirty="0">
+              <a:solidFill>
+                <a:srgbClr val="454F5B"/>
+              </a:solidFill>
+              <a:latin typeface="Arial" panose="020B0604020202020204" pitchFamily="34" charset="0"/>
+              <a:ea typeface="Montserrat"/>
+              <a:cs typeface="Arial" panose="020B0604020202020204" pitchFamily="34" charset="0"/>
+            </a:endParaRPr>
+          </a:p>
+        </p:txBody>
+      </p:sp>
+      <p:sp>
+        <p:nvSpPr>
+          <p:cNvPr id="43" name="Rectangle 42"/>
+          <p:cNvSpPr/>
+          <p:nvPr/>
+        </p:nvSpPr>
+        <p:spPr>
+          <a:xfrm>
+            <a:off x="289168" y="5405640"/>
+            <a:ext cx="5916246" cy="981761"/>
+          </a:xfrm>
+          <a:prstGeom prst="rect">
+            <a:avLst/>
+          </a:prstGeom>
+          <a:noFill/>
+          <a:ln>
+            <a:noFill/>
+          </a:ln>
+        </p:spPr>
+        <p:style>
+          <a:lnRef idx="2">
+            <a:schemeClr val="accent1">
+              <a:shade val="50000"/>
+            </a:schemeClr>
+          </a:lnRef>
+          <a:fillRef idx="1">
+            <a:schemeClr val="accent1"/>
+          </a:fillRef>
+          <a:effectRef idx="0">
+            <a:schemeClr val="accent1"/>
+          </a:effectRef>
+          <a:fontRef idx="minor">
+            <a:schemeClr val="lt1"/>
+          </a:fontRef>
+        </p:style>
+        <p:txBody>
+          <a:bodyPr rtlCol="0" anchor="ctr"/>
+          <a:lstStyle/>
+          <a:p>
+            <a:r>
+              <a:rPr lang="en-US" sz="1300">
+                <a:solidFill>
+                  <a:schemeClr val="tx1"/>
+                </a:solidFill>
+                <a:latin typeface="Arial" panose="020B0604020202020204" pitchFamily="34" charset="0"/>
+                <a:cs typeface="Arial" panose="020B0604020202020204" pitchFamily="34" charset="0"/>
+              </a:rPr>
+              <a:t>Above is the UI of the team page, we can choose a team the UI will render employees of that team. We can also add a new team or delete a team when that team has zero employees. We can delete the employee on this page.</a:t>
+            </a:r>
+            <a:endParaRPr lang="en-US" sz="1300" dirty="0">
+              <a:solidFill>
+                <a:schemeClr val="tx1"/>
+              </a:solidFill>
+              <a:latin typeface="Arial" panose="020B0604020202020204" pitchFamily="34" charset="0"/>
+              <a:cs typeface="Arial" panose="020B0604020202020204" pitchFamily="34" charset="0"/>
+            </a:endParaRPr>
+          </a:p>
+        </p:txBody>
+      </p:sp>
+      <p:cxnSp>
+        <p:nvCxnSpPr>
+          <p:cNvPr id="10" name="Connector: Curved 9">
+            <a:extLst>
+              <a:ext uri="{FF2B5EF4-FFF2-40B4-BE49-F238E27FC236}">
+                <a16:creationId xmlns:a16="http://schemas.microsoft.com/office/drawing/2014/main" id="{9EAF0538-C0F3-486E-BCED-D64BF3BCAD36}"/>
+              </a:ext>
+            </a:extLst>
+          </p:cNvPr>
+          <p:cNvCxnSpPr>
+            <a:stCxn id="5" idx="3"/>
+            <a:endCxn id="19" idx="1"/>
+          </p:cNvCxnSpPr>
+          <p:nvPr/>
+        </p:nvCxnSpPr>
+        <p:spPr>
+          <a:xfrm flipV="1">
+            <a:off x="7837714" y="2145806"/>
+            <a:ext cx="649724" cy="420491"/>
+          </a:xfrm>
+          <a:prstGeom prst="curvedConnector3">
+            <a:avLst/>
+          </a:prstGeom>
+          <a:ln>
+            <a:tailEnd type="triangle"/>
+          </a:ln>
+        </p:spPr>
+        <p:style>
+          <a:lnRef idx="1">
+            <a:schemeClr val="accent1"/>
+          </a:lnRef>
+          <a:fillRef idx="0">
+            <a:schemeClr val="accent1"/>
+          </a:fillRef>
+          <a:effectRef idx="0">
+            <a:schemeClr val="accent1"/>
+          </a:effectRef>
+          <a:fontRef idx="minor">
+            <a:schemeClr val="tx1"/>
+          </a:fontRef>
+        </p:style>
+      </p:cxnSp>
+      <p:sp>
+        <p:nvSpPr>
+          <p:cNvPr id="33" name="Rounded Rectangle 4">
+            <a:extLst>
+              <a:ext uri="{FF2B5EF4-FFF2-40B4-BE49-F238E27FC236}">
+                <a16:creationId xmlns:a16="http://schemas.microsoft.com/office/drawing/2014/main" id="{20587396-AC17-438C-A830-FB81DF953A9F}"/>
+              </a:ext>
+            </a:extLst>
+          </p:cNvPr>
+          <p:cNvSpPr/>
+          <p:nvPr/>
+        </p:nvSpPr>
+        <p:spPr>
+          <a:xfrm>
+            <a:off x="1937898" y="3524667"/>
+            <a:ext cx="396000" cy="310732"/>
+          </a:xfrm>
+          <a:prstGeom prst="roundRect">
+            <a:avLst/>
+          </a:prstGeom>
+          <a:noFill/>
+          <a:ln w="19050">
+            <a:solidFill>
+              <a:srgbClr val="00B0F0"/>
+            </a:solidFill>
+          </a:ln>
+        </p:spPr>
+        <p:style>
+          <a:lnRef idx="2">
+            <a:schemeClr val="accent1">
+              <a:shade val="50000"/>
+            </a:schemeClr>
+          </a:lnRef>
+          <a:fillRef idx="1">
+            <a:schemeClr val="accent1"/>
+          </a:fillRef>
+          <a:effectRef idx="0">
+            <a:schemeClr val="accent1"/>
+          </a:effectRef>
+          <a:fontRef idx="minor">
+            <a:schemeClr val="lt1"/>
+          </a:fontRef>
+        </p:style>
+        <p:txBody>
+          <a:bodyPr rtlCol="0" anchor="ctr"/>
+          <a:lstStyle/>
+          <a:p>
+            <a:pPr algn="ctr"/>
+            <a:endParaRPr lang="en-US"/>
+          </a:p>
+        </p:txBody>
+      </p:sp>
+      <p:sp>
+        <p:nvSpPr>
+          <p:cNvPr id="34" name="TextBox 33">
+            <a:extLst>
+              <a:ext uri="{FF2B5EF4-FFF2-40B4-BE49-F238E27FC236}">
+                <a16:creationId xmlns:a16="http://schemas.microsoft.com/office/drawing/2014/main" id="{D73769A5-AE47-4B17-942F-F88F9592F8B8}"/>
+              </a:ext>
+            </a:extLst>
+          </p:cNvPr>
+          <p:cNvSpPr txBox="1"/>
+          <p:nvPr/>
+        </p:nvSpPr>
+        <p:spPr>
+          <a:xfrm>
+            <a:off x="2650960" y="2499014"/>
+            <a:ext cx="1475168" cy="282823"/>
+          </a:xfrm>
+          <a:prstGeom prst="rect">
+            <a:avLst/>
+          </a:prstGeom>
+          <a:noFill/>
+        </p:spPr>
+        <p:txBody>
+          <a:bodyPr wrap="square" rtlCol="0">
+            <a:spAutoFit/>
+          </a:bodyPr>
+          <a:lstStyle/>
+          <a:p>
+            <a:r>
+              <a:rPr lang="en-US" sz="1200">
+                <a:solidFill>
+                  <a:srgbClr val="454F5B"/>
+                </a:solidFill>
+                <a:latin typeface="Arial" panose="020B0604020202020204" pitchFamily="34" charset="0"/>
+                <a:ea typeface="Montserrat"/>
+                <a:cs typeface="Arial" panose="020B0604020202020204" pitchFamily="34" charset="0"/>
+              </a:rPr>
+              <a:t>Delete this team</a:t>
+            </a:r>
+            <a:endParaRPr lang="en-US" sz="1200" dirty="0">
+              <a:solidFill>
+                <a:srgbClr val="454F5B"/>
+              </a:solidFill>
+              <a:latin typeface="Arial" panose="020B0604020202020204" pitchFamily="34" charset="0"/>
+              <a:ea typeface="Montserrat"/>
+              <a:cs typeface="Arial" panose="020B0604020202020204" pitchFamily="34" charset="0"/>
+            </a:endParaRPr>
+          </a:p>
+        </p:txBody>
+      </p:sp>
+      <p:cxnSp>
+        <p:nvCxnSpPr>
+          <p:cNvPr id="26" name="Connector: Curved 25">
+            <a:extLst>
+              <a:ext uri="{FF2B5EF4-FFF2-40B4-BE49-F238E27FC236}">
+                <a16:creationId xmlns:a16="http://schemas.microsoft.com/office/drawing/2014/main" id="{F9061DFB-51C6-413C-BA01-FEB79185DBAC}"/>
+              </a:ext>
+            </a:extLst>
+          </p:cNvPr>
+          <p:cNvCxnSpPr>
+            <a:cxnSpLocks/>
+            <a:stCxn id="33" idx="3"/>
+            <a:endCxn id="34" idx="1"/>
+          </p:cNvCxnSpPr>
+          <p:nvPr/>
+        </p:nvCxnSpPr>
+        <p:spPr>
+          <a:xfrm flipV="1">
+            <a:off x="2333898" y="2640426"/>
+            <a:ext cx="317062" cy="1039607"/>
+          </a:xfrm>
+          <a:prstGeom prst="curvedConnector3">
+            <a:avLst>
+              <a:gd name="adj1" fmla="val 50000"/>
+            </a:avLst>
+          </a:prstGeom>
+          <a:ln>
+            <a:tailEnd type="triangle"/>
+          </a:ln>
+        </p:spPr>
+        <p:style>
+          <a:lnRef idx="1">
+            <a:schemeClr val="accent1"/>
+          </a:lnRef>
+          <a:fillRef idx="0">
+            <a:schemeClr val="accent1"/>
+          </a:fillRef>
+          <a:effectRef idx="0">
+            <a:schemeClr val="accent1"/>
+          </a:effectRef>
+          <a:fontRef idx="minor">
+            <a:schemeClr val="tx1"/>
+          </a:fontRef>
+        </p:style>
+      </p:cxnSp>
+      <p:sp>
+        <p:nvSpPr>
+          <p:cNvPr id="38" name="Rounded Rectangle 4">
+            <a:extLst>
+              <a:ext uri="{FF2B5EF4-FFF2-40B4-BE49-F238E27FC236}">
+                <a16:creationId xmlns:a16="http://schemas.microsoft.com/office/drawing/2014/main" id="{45E8D717-91DD-4DEB-A7CC-53C780AB442E}"/>
+              </a:ext>
+            </a:extLst>
+          </p:cNvPr>
+          <p:cNvSpPr/>
+          <p:nvPr/>
+        </p:nvSpPr>
+        <p:spPr>
+          <a:xfrm>
+            <a:off x="1080904" y="3524667"/>
+            <a:ext cx="539932" cy="310732"/>
+          </a:xfrm>
+          <a:prstGeom prst="roundRect">
+            <a:avLst/>
+          </a:prstGeom>
+          <a:noFill/>
+          <a:ln w="19050">
+            <a:solidFill>
+              <a:srgbClr val="00B0F0"/>
+            </a:solidFill>
+          </a:ln>
+        </p:spPr>
+        <p:style>
+          <a:lnRef idx="2">
+            <a:schemeClr val="accent1">
+              <a:shade val="50000"/>
+            </a:schemeClr>
+          </a:lnRef>
+          <a:fillRef idx="1">
+            <a:schemeClr val="accent1"/>
+          </a:fillRef>
+          <a:effectRef idx="0">
+            <a:schemeClr val="accent1"/>
+          </a:effectRef>
+          <a:fontRef idx="minor">
+            <a:schemeClr val="lt1"/>
+          </a:fontRef>
+        </p:style>
+        <p:txBody>
+          <a:bodyPr rtlCol="0" anchor="ctr"/>
+          <a:lstStyle/>
+          <a:p>
+            <a:pPr algn="ctr"/>
+            <a:endParaRPr lang="en-US"/>
+          </a:p>
+        </p:txBody>
+      </p:sp>
+      <p:sp>
+        <p:nvSpPr>
+          <p:cNvPr id="39" name="TextBox 38">
+            <a:extLst>
+              <a:ext uri="{FF2B5EF4-FFF2-40B4-BE49-F238E27FC236}">
+                <a16:creationId xmlns:a16="http://schemas.microsoft.com/office/drawing/2014/main" id="{27145E99-25DE-4E70-BE34-B8F29DB83923}"/>
+              </a:ext>
+            </a:extLst>
+          </p:cNvPr>
+          <p:cNvSpPr txBox="1"/>
+          <p:nvPr/>
+        </p:nvSpPr>
+        <p:spPr>
+          <a:xfrm>
+            <a:off x="1175792" y="2581195"/>
+            <a:ext cx="1360318" cy="282823"/>
+          </a:xfrm>
+          <a:prstGeom prst="rect">
+            <a:avLst/>
+          </a:prstGeom>
+          <a:noFill/>
+        </p:spPr>
+        <p:txBody>
+          <a:bodyPr wrap="square" rtlCol="0">
+            <a:spAutoFit/>
+          </a:bodyPr>
+          <a:lstStyle/>
+          <a:p>
+            <a:r>
+              <a:rPr lang="en-US" sz="1200">
+                <a:solidFill>
+                  <a:srgbClr val="454F5B"/>
+                </a:solidFill>
+                <a:latin typeface="Arial" panose="020B0604020202020204" pitchFamily="34" charset="0"/>
+                <a:ea typeface="Montserrat"/>
+                <a:cs typeface="Arial" panose="020B0604020202020204" pitchFamily="34" charset="0"/>
+              </a:rPr>
+              <a:t>Selected team</a:t>
+            </a:r>
+            <a:endParaRPr lang="en-US" sz="1200" dirty="0">
+              <a:solidFill>
+                <a:srgbClr val="454F5B"/>
+              </a:solidFill>
+              <a:latin typeface="Arial" panose="020B0604020202020204" pitchFamily="34" charset="0"/>
+              <a:ea typeface="Montserrat"/>
+              <a:cs typeface="Arial" panose="020B0604020202020204" pitchFamily="34" charset="0"/>
+            </a:endParaRPr>
+          </a:p>
+        </p:txBody>
+      </p:sp>
+      <p:cxnSp>
+        <p:nvCxnSpPr>
+          <p:cNvPr id="30" name="Connector: Curved 29">
+            <a:extLst>
+              <a:ext uri="{FF2B5EF4-FFF2-40B4-BE49-F238E27FC236}">
+                <a16:creationId xmlns:a16="http://schemas.microsoft.com/office/drawing/2014/main" id="{A3C9B029-4784-4932-A93C-2AF382F2E42B}"/>
+              </a:ext>
+            </a:extLst>
+          </p:cNvPr>
+          <p:cNvCxnSpPr>
+            <a:stCxn id="38" idx="3"/>
+            <a:endCxn id="39" idx="2"/>
+          </p:cNvCxnSpPr>
+          <p:nvPr/>
+        </p:nvCxnSpPr>
+        <p:spPr>
+          <a:xfrm flipV="1">
+            <a:off x="1620836" y="2864018"/>
+            <a:ext cx="235115" cy="816015"/>
+          </a:xfrm>
+          <a:prstGeom prst="curvedConnector2">
+            <a:avLst/>
+          </a:prstGeom>
+          <a:ln>
+            <a:tailEnd type="triangle"/>
+          </a:ln>
+        </p:spPr>
+        <p:style>
+          <a:lnRef idx="1">
+            <a:schemeClr val="accent1"/>
+          </a:lnRef>
+          <a:fillRef idx="0">
+            <a:schemeClr val="accent1"/>
+          </a:fillRef>
+          <a:effectRef idx="0">
+            <a:schemeClr val="accent1"/>
+          </a:effectRef>
+          <a:fontRef idx="minor">
+            <a:schemeClr val="tx1"/>
+          </a:fontRef>
+        </p:style>
+      </p:cxnSp>
+      <p:sp>
+        <p:nvSpPr>
+          <p:cNvPr id="44" name="Rounded Rectangle 4">
+            <a:extLst>
+              <a:ext uri="{FF2B5EF4-FFF2-40B4-BE49-F238E27FC236}">
+                <a16:creationId xmlns:a16="http://schemas.microsoft.com/office/drawing/2014/main" id="{A05DA0B8-3952-43E0-BD51-91A58547DCCB}"/>
+              </a:ext>
+            </a:extLst>
+          </p:cNvPr>
+          <p:cNvSpPr/>
+          <p:nvPr/>
+        </p:nvSpPr>
+        <p:spPr>
+          <a:xfrm>
+            <a:off x="2865120" y="3222171"/>
+            <a:ext cx="4972594" cy="1643076"/>
+          </a:xfrm>
+          <a:prstGeom prst="roundRect">
+            <a:avLst/>
+          </a:prstGeom>
+          <a:noFill/>
+          <a:ln w="19050">
+            <a:solidFill>
+              <a:srgbClr val="00B0F0"/>
+            </a:solidFill>
+          </a:ln>
+        </p:spPr>
+        <p:style>
+          <a:lnRef idx="2">
+            <a:schemeClr val="accent1">
+              <a:shade val="50000"/>
+            </a:schemeClr>
+          </a:lnRef>
+          <a:fillRef idx="1">
+            <a:schemeClr val="accent1"/>
+          </a:fillRef>
+          <a:effectRef idx="0">
+            <a:schemeClr val="accent1"/>
+          </a:effectRef>
+          <a:fontRef idx="minor">
+            <a:schemeClr val="lt1"/>
+          </a:fontRef>
+        </p:style>
+        <p:txBody>
+          <a:bodyPr rtlCol="0" anchor="ctr"/>
+          <a:lstStyle/>
+          <a:p>
+            <a:pPr algn="ctr"/>
+            <a:endParaRPr lang="en-US"/>
+          </a:p>
+        </p:txBody>
+      </p:sp>
+      <p:sp>
+        <p:nvSpPr>
+          <p:cNvPr id="45" name="TextBox 44">
+            <a:extLst>
+              <a:ext uri="{FF2B5EF4-FFF2-40B4-BE49-F238E27FC236}">
+                <a16:creationId xmlns:a16="http://schemas.microsoft.com/office/drawing/2014/main" id="{8B4385CD-310E-4DAA-B99A-3A0300CC6D38}"/>
+              </a:ext>
+            </a:extLst>
+          </p:cNvPr>
+          <p:cNvSpPr txBox="1"/>
+          <p:nvPr/>
+        </p:nvSpPr>
+        <p:spPr>
+          <a:xfrm>
+            <a:off x="8487438" y="4501063"/>
+            <a:ext cx="1475168" cy="461665"/>
+          </a:xfrm>
+          <a:prstGeom prst="rect">
+            <a:avLst/>
+          </a:prstGeom>
+          <a:noFill/>
+        </p:spPr>
+        <p:txBody>
+          <a:bodyPr wrap="square" rtlCol="0">
+            <a:spAutoFit/>
+          </a:bodyPr>
+          <a:lstStyle/>
+          <a:p>
+            <a:r>
+              <a:rPr lang="en-US" sz="1200">
+                <a:solidFill>
+                  <a:srgbClr val="454F5B"/>
+                </a:solidFill>
+                <a:latin typeface="Arial" panose="020B0604020202020204" pitchFamily="34" charset="0"/>
+                <a:ea typeface="Montserrat"/>
+                <a:cs typeface="Arial" panose="020B0604020202020204" pitchFamily="34" charset="0"/>
+              </a:rPr>
+              <a:t>The employees by the team selected</a:t>
+            </a:r>
+          </a:p>
+        </p:txBody>
+      </p:sp>
+      <p:cxnSp>
+        <p:nvCxnSpPr>
+          <p:cNvPr id="46" name="Connector: Curved 45">
+            <a:extLst>
+              <a:ext uri="{FF2B5EF4-FFF2-40B4-BE49-F238E27FC236}">
+                <a16:creationId xmlns:a16="http://schemas.microsoft.com/office/drawing/2014/main" id="{BEDF9C46-2CE7-44E0-B9FB-A3BA420C7DAF}"/>
+              </a:ext>
+            </a:extLst>
+          </p:cNvPr>
+          <p:cNvCxnSpPr>
+            <a:cxnSpLocks/>
+            <a:stCxn id="44" idx="3"/>
+            <a:endCxn id="45" idx="0"/>
+          </p:cNvCxnSpPr>
+          <p:nvPr/>
+        </p:nvCxnSpPr>
+        <p:spPr>
+          <a:xfrm>
+            <a:off x="7837714" y="4043709"/>
+            <a:ext cx="1387308" cy="457354"/>
+          </a:xfrm>
+          <a:prstGeom prst="curvedConnector2">
+            <a:avLst/>
+          </a:prstGeom>
+          <a:ln>
+            <a:tailEnd type="triangle"/>
+          </a:ln>
+        </p:spPr>
+        <p:style>
+          <a:lnRef idx="1">
+            <a:schemeClr val="accent1"/>
+          </a:lnRef>
+          <a:fillRef idx="0">
+            <a:schemeClr val="accent1"/>
+          </a:fillRef>
+          <a:effectRef idx="0">
+            <a:schemeClr val="accent1"/>
+          </a:effectRef>
+          <a:fontRef idx="minor">
+            <a:schemeClr val="tx1"/>
+          </a:fontRef>
+        </p:style>
+      </p:cxnSp>
+      <p:sp>
+        <p:nvSpPr>
+          <p:cNvPr id="51" name="Rounded Rectangle 4">
+            <a:extLst>
+              <a:ext uri="{FF2B5EF4-FFF2-40B4-BE49-F238E27FC236}">
+                <a16:creationId xmlns:a16="http://schemas.microsoft.com/office/drawing/2014/main" id="{9CA464EF-D3D8-432A-85FB-847E481C0CF7}"/>
+              </a:ext>
+            </a:extLst>
+          </p:cNvPr>
+          <p:cNvSpPr/>
+          <p:nvPr/>
+        </p:nvSpPr>
+        <p:spPr>
+          <a:xfrm>
+            <a:off x="7219054" y="3524667"/>
+            <a:ext cx="382406" cy="300065"/>
+          </a:xfrm>
+          <a:prstGeom prst="roundRect">
+            <a:avLst/>
+          </a:prstGeom>
+          <a:noFill/>
+          <a:ln w="19050">
+            <a:solidFill>
+              <a:srgbClr val="00B0F0"/>
+            </a:solidFill>
+          </a:ln>
+        </p:spPr>
+        <p:style>
+          <a:lnRef idx="2">
+            <a:schemeClr val="accent1">
+              <a:shade val="50000"/>
+            </a:schemeClr>
+          </a:lnRef>
+          <a:fillRef idx="1">
+            <a:schemeClr val="accent1"/>
+          </a:fillRef>
+          <a:effectRef idx="0">
+            <a:schemeClr val="accent1"/>
+          </a:effectRef>
+          <a:fontRef idx="minor">
+            <a:schemeClr val="lt1"/>
+          </a:fontRef>
+        </p:style>
+        <p:txBody>
+          <a:bodyPr rtlCol="0" anchor="ctr"/>
+          <a:lstStyle/>
+          <a:p>
+            <a:pPr algn="ctr"/>
+            <a:endParaRPr lang="en-US"/>
+          </a:p>
+        </p:txBody>
+      </p:sp>
+      <p:sp>
+        <p:nvSpPr>
+          <p:cNvPr id="53" name="TextBox 52">
+            <a:extLst>
+              <a:ext uri="{FF2B5EF4-FFF2-40B4-BE49-F238E27FC236}">
+                <a16:creationId xmlns:a16="http://schemas.microsoft.com/office/drawing/2014/main" id="{BED31A1D-627A-4DA2-9130-8CB17C7FEACE}"/>
+              </a:ext>
+            </a:extLst>
+          </p:cNvPr>
+          <p:cNvSpPr txBox="1"/>
+          <p:nvPr/>
+        </p:nvSpPr>
+        <p:spPr>
+          <a:xfrm>
+            <a:off x="8368936" y="3210707"/>
+            <a:ext cx="1724298" cy="276999"/>
+          </a:xfrm>
+          <a:prstGeom prst="rect">
+            <a:avLst/>
+          </a:prstGeom>
+          <a:noFill/>
+        </p:spPr>
+        <p:txBody>
+          <a:bodyPr wrap="square" rtlCol="0">
+            <a:spAutoFit/>
+          </a:bodyPr>
+          <a:lstStyle/>
+          <a:p>
+            <a:r>
+              <a:rPr lang="en-US" sz="1200">
+                <a:solidFill>
+                  <a:srgbClr val="454F5B"/>
+                </a:solidFill>
+                <a:latin typeface="Arial" panose="020B0604020202020204" pitchFamily="34" charset="0"/>
+                <a:ea typeface="Montserrat"/>
+                <a:cs typeface="Arial" panose="020B0604020202020204" pitchFamily="34" charset="0"/>
+              </a:rPr>
+              <a:t>Delete this employee</a:t>
+            </a:r>
+            <a:endParaRPr lang="en-US" sz="1200" dirty="0">
+              <a:solidFill>
+                <a:srgbClr val="454F5B"/>
+              </a:solidFill>
+              <a:latin typeface="Arial" panose="020B0604020202020204" pitchFamily="34" charset="0"/>
+              <a:ea typeface="Montserrat"/>
+              <a:cs typeface="Arial" panose="020B0604020202020204" pitchFamily="34" charset="0"/>
+            </a:endParaRPr>
+          </a:p>
+        </p:txBody>
+      </p:sp>
+      <p:cxnSp>
+        <p:nvCxnSpPr>
+          <p:cNvPr id="55" name="Connector: Curved 54">
+            <a:extLst>
+              <a:ext uri="{FF2B5EF4-FFF2-40B4-BE49-F238E27FC236}">
+                <a16:creationId xmlns:a16="http://schemas.microsoft.com/office/drawing/2014/main" id="{68B835BB-7FFD-44A2-AC70-58DE8E81585C}"/>
+              </a:ext>
+            </a:extLst>
+          </p:cNvPr>
+          <p:cNvCxnSpPr>
+            <a:stCxn id="51" idx="3"/>
+            <a:endCxn id="53" idx="1"/>
+          </p:cNvCxnSpPr>
+          <p:nvPr/>
+        </p:nvCxnSpPr>
+        <p:spPr>
+          <a:xfrm flipV="1">
+            <a:off x="7601460" y="3349207"/>
+            <a:ext cx="767476" cy="325493"/>
+          </a:xfrm>
+          <a:prstGeom prst="curvedConnector3">
+            <a:avLst/>
+          </a:prstGeom>
+          <a:ln>
+            <a:tailEnd type="triangle"/>
+          </a:ln>
+        </p:spPr>
+        <p:style>
+          <a:lnRef idx="1">
+            <a:schemeClr val="accent1"/>
+          </a:lnRef>
+          <a:fillRef idx="0">
+            <a:schemeClr val="accent1"/>
+          </a:fillRef>
+          <a:effectRef idx="0">
+            <a:schemeClr val="accent1"/>
+          </a:effectRef>
+          <a:fontRef idx="minor">
+            <a:schemeClr val="tx1"/>
+          </a:fontRef>
+        </p:style>
+      </p:cxnSp>
     </p:spTree>
     <p:extLst>
       <p:ext uri="{BB962C8B-B14F-4D97-AF65-F5344CB8AC3E}">
-        <p14:creationId xmlns:p14="http://schemas.microsoft.com/office/powerpoint/2010/main" val="3346329282"/>
+        <p14:creationId xmlns:p14="http://schemas.microsoft.com/office/powerpoint/2010/main" val="2652234901"/>
       </p:ext>
     </p:extLst>
   </p:cSld>

--- a/docs/presontation.pptx
+++ b/docs/presontation.pptx
@@ -271,7 +271,7 @@
           <a:p>
             <a:fld id="{2A630E2C-305C-4027-BD8C-4A7E78B9954E}" type="datetimeFigureOut">
               <a:rPr lang="en-US" smtClean="0"/>
-              <a:t>6/26/2022</a:t>
+              <a:t>6/27/2022</a:t>
             </a:fld>
             <a:endParaRPr lang="en-US"/>
           </a:p>
@@ -469,7 +469,7 @@
           <a:p>
             <a:fld id="{2A630E2C-305C-4027-BD8C-4A7E78B9954E}" type="datetimeFigureOut">
               <a:rPr lang="en-US" smtClean="0"/>
-              <a:t>6/26/2022</a:t>
+              <a:t>6/27/2022</a:t>
             </a:fld>
             <a:endParaRPr lang="en-US"/>
           </a:p>
@@ -677,7 +677,7 @@
           <a:p>
             <a:fld id="{2A630E2C-305C-4027-BD8C-4A7E78B9954E}" type="datetimeFigureOut">
               <a:rPr lang="en-US" smtClean="0"/>
-              <a:t>6/26/2022</a:t>
+              <a:t>6/27/2022</a:t>
             </a:fld>
             <a:endParaRPr lang="en-US"/>
           </a:p>
@@ -875,7 +875,7 @@
           <a:p>
             <a:fld id="{2A630E2C-305C-4027-BD8C-4A7E78B9954E}" type="datetimeFigureOut">
               <a:rPr lang="en-US" smtClean="0"/>
-              <a:t>6/26/2022</a:t>
+              <a:t>6/27/2022</a:t>
             </a:fld>
             <a:endParaRPr lang="en-US"/>
           </a:p>
@@ -1150,7 +1150,7 @@
           <a:p>
             <a:fld id="{2A630E2C-305C-4027-BD8C-4A7E78B9954E}" type="datetimeFigureOut">
               <a:rPr lang="en-US" smtClean="0"/>
-              <a:t>6/26/2022</a:t>
+              <a:t>6/27/2022</a:t>
             </a:fld>
             <a:endParaRPr lang="en-US"/>
           </a:p>
@@ -1415,7 +1415,7 @@
           <a:p>
             <a:fld id="{2A630E2C-305C-4027-BD8C-4A7E78B9954E}" type="datetimeFigureOut">
               <a:rPr lang="en-US" smtClean="0"/>
-              <a:t>6/26/2022</a:t>
+              <a:t>6/27/2022</a:t>
             </a:fld>
             <a:endParaRPr lang="en-US"/>
           </a:p>
@@ -1827,7 +1827,7 @@
           <a:p>
             <a:fld id="{2A630E2C-305C-4027-BD8C-4A7E78B9954E}" type="datetimeFigureOut">
               <a:rPr lang="en-US" smtClean="0"/>
-              <a:t>6/26/2022</a:t>
+              <a:t>6/27/2022</a:t>
             </a:fld>
             <a:endParaRPr lang="en-US"/>
           </a:p>
@@ -1968,7 +1968,7 @@
           <a:p>
             <a:fld id="{2A630E2C-305C-4027-BD8C-4A7E78B9954E}" type="datetimeFigureOut">
               <a:rPr lang="en-US" smtClean="0"/>
-              <a:t>6/26/2022</a:t>
+              <a:t>6/27/2022</a:t>
             </a:fld>
             <a:endParaRPr lang="en-US"/>
           </a:p>
@@ -2081,7 +2081,7 @@
           <a:p>
             <a:fld id="{2A630E2C-305C-4027-BD8C-4A7E78B9954E}" type="datetimeFigureOut">
               <a:rPr lang="en-US" smtClean="0"/>
-              <a:t>6/26/2022</a:t>
+              <a:t>6/27/2022</a:t>
             </a:fld>
             <a:endParaRPr lang="en-US"/>
           </a:p>
@@ -2392,7 +2392,7 @@
           <a:p>
             <a:fld id="{2A630E2C-305C-4027-BD8C-4A7E78B9954E}" type="datetimeFigureOut">
               <a:rPr lang="en-US" smtClean="0"/>
-              <a:t>6/26/2022</a:t>
+              <a:t>6/27/2022</a:t>
             </a:fld>
             <a:endParaRPr lang="en-US"/>
           </a:p>
@@ -2680,7 +2680,7 @@
           <a:p>
             <a:fld id="{2A630E2C-305C-4027-BD8C-4A7E78B9954E}" type="datetimeFigureOut">
               <a:rPr lang="en-US" smtClean="0"/>
-              <a:t>6/26/2022</a:t>
+              <a:t>6/27/2022</a:t>
             </a:fld>
             <a:endParaRPr lang="en-US"/>
           </a:p>
@@ -2921,7 +2921,7 @@
           <a:p>
             <a:fld id="{2A630E2C-305C-4027-BD8C-4A7E78B9954E}" type="datetimeFigureOut">
               <a:rPr lang="en-US" smtClean="0"/>
-              <a:t>6/26/2022</a:t>
+              <a:t>6/27/2022</a:t>
             </a:fld>
             <a:endParaRPr lang="en-US"/>
           </a:p>
@@ -3451,7 +3451,27 @@
                 <a:latin typeface="Arial" panose="020B0604020202020204" pitchFamily="34" charset="0"/>
                 <a:cs typeface="Arial" panose="020B0604020202020204" pitchFamily="34" charset="0"/>
               </a:rPr>
-              <a:t>BUILDING AN EMPLOYEE MANAGER WEBSITE</a:t>
+              <a:t>BUILDING AN EMPLOYEE </a:t>
+            </a:r>
+            <a:r>
+              <a:rPr lang="en-US" sz="2800" b="1" dirty="0" smtClean="0">
+                <a:solidFill>
+                  <a:srgbClr val="0070C0"/>
+                </a:solidFill>
+                <a:latin typeface="Arial" panose="020B0604020202020204" pitchFamily="34" charset="0"/>
+                <a:cs typeface="Arial" panose="020B0604020202020204" pitchFamily="34" charset="0"/>
+              </a:rPr>
+              <a:t>MANAGE </a:t>
+            </a:r>
+            <a:r>
+              <a:rPr lang="en-US" sz="2800" b="1" dirty="0">
+                <a:solidFill>
+                  <a:srgbClr val="0070C0"/>
+                </a:solidFill>
+                <a:latin typeface="Arial" panose="020B0604020202020204" pitchFamily="34" charset="0"/>
+                <a:cs typeface="Arial" panose="020B0604020202020204" pitchFamily="34" charset="0"/>
+              </a:rPr>
+              <a:t>WEBSITE</a:t>
             </a:r>
             <a:br>
               <a:rPr lang="en-US" sz="2800" b="1" dirty="0">
@@ -8393,6 +8413,13 @@
   <p:clrMapOvr>
     <a:masterClrMapping/>
   </p:clrMapOvr>
+  <p:timing>
+    <p:tnLst>
+      <p:par>
+        <p:cTn id="1" dur="indefinite" restart="never" nodeType="tmRoot"/>
+      </p:par>
+    </p:tnLst>
+  </p:timing>
 </p:sld>
 </file>
 
@@ -10364,6 +10391,13 @@
   <p:clrMapOvr>
     <a:masterClrMapping/>
   </p:clrMapOvr>
+  <p:timing>
+    <p:tnLst>
+      <p:par>
+        <p:cTn id="1" dur="indefinite" restart="never" nodeType="tmRoot"/>
+      </p:par>
+    </p:tnLst>
+  </p:timing>
 </p:sld>
 </file>
 
@@ -10789,6 +10823,13 @@
   <p:clrMapOvr>
     <a:masterClrMapping/>
   </p:clrMapOvr>
+  <p:timing>
+    <p:tnLst>
+      <p:par>
+        <p:cTn id="1" dur="indefinite" restart="never" nodeType="tmRoot"/>
+      </p:par>
+    </p:tnLst>
+  </p:timing>
 </p:sld>
 </file>
 
@@ -17182,8 +17223,8 @@
         </p:nvSpPr>
         <p:spPr>
           <a:xfrm>
-            <a:off x="6646704" y="5246959"/>
-            <a:ext cx="1653236" cy="407109"/>
+            <a:off x="6385169" y="5246959"/>
+            <a:ext cx="1914771" cy="407109"/>
           </a:xfrm>
           <a:prstGeom prst="roundRect">
             <a:avLst/>
@@ -17502,8 +17543,8 @@
         </p:nvSpPr>
         <p:spPr>
           <a:xfrm rot="16200000">
-            <a:off x="-93720" y="4310917"/>
-            <a:ext cx="1080535" cy="358168"/>
+            <a:off x="-187608" y="4404805"/>
+            <a:ext cx="1268311" cy="358168"/>
           </a:xfrm>
           <a:prstGeom prst="roundRect">
             <a:avLst/>
@@ -18033,8 +18074,8 @@
         </p:nvSpPr>
         <p:spPr>
           <a:xfrm>
-            <a:off x="4248886" y="3865779"/>
-            <a:ext cx="549538" cy="406400"/>
+            <a:off x="4295776" y="3941918"/>
+            <a:ext cx="436015" cy="322446"/>
           </a:xfrm>
           <a:prstGeom prst="roundRect">
             <a:avLst/>
@@ -18100,7 +18141,7 @@
           <a:lstStyle/>
           <a:p>
             <a:r>
-              <a:rPr lang="en-US" sz="1200">
+              <a:rPr lang="en-US" sz="1200" dirty="0">
                 <a:solidFill>
                   <a:srgbClr val="454F5B"/>
                 </a:solidFill>
@@ -18110,14 +18151,6 @@
               </a:rPr>
               <a:t>Sort employees by column</a:t>
             </a:r>
-            <a:endParaRPr lang="en-US" sz="1200" dirty="0">
-              <a:solidFill>
-                <a:srgbClr val="454F5B"/>
-              </a:solidFill>
-              <a:latin typeface="Arial" panose="020B0604020202020204" pitchFamily="34" charset="0"/>
-              <a:ea typeface="Montserrat"/>
-              <a:cs typeface="Arial" panose="020B0604020202020204" pitchFamily="34" charset="0"/>
-            </a:endParaRPr>
           </a:p>
         </p:txBody>
       </p:sp>
@@ -18138,8 +18171,8 @@
         </p:nvCxnSpPr>
         <p:spPr>
           <a:xfrm flipV="1">
-            <a:off x="4798424" y="3214843"/>
-            <a:ext cx="1037434" cy="854136"/>
+            <a:off x="4731791" y="3214843"/>
+            <a:ext cx="1104067" cy="888298"/>
           </a:xfrm>
           <a:prstGeom prst="curvedConnector3">
             <a:avLst/>
